--- a/CSCE689-23/L5.pptx
+++ b/CSCE689-23/L5.pptx
@@ -17,22 +17,22 @@
     <p:sldId id="825" r:id="rId11"/>
     <p:sldId id="826" r:id="rId12"/>
     <p:sldId id="827" r:id="rId13"/>
-    <p:sldId id="769" r:id="rId14"/>
-    <p:sldId id="767" r:id="rId15"/>
-    <p:sldId id="828" r:id="rId16"/>
-    <p:sldId id="829" r:id="rId17"/>
-    <p:sldId id="830" r:id="rId18"/>
-    <p:sldId id="831" r:id="rId19"/>
-    <p:sldId id="832" r:id="rId20"/>
-    <p:sldId id="833" r:id="rId21"/>
-    <p:sldId id="834" r:id="rId22"/>
-    <p:sldId id="835" r:id="rId23"/>
-    <p:sldId id="836" r:id="rId24"/>
-    <p:sldId id="838" r:id="rId25"/>
-    <p:sldId id="837" r:id="rId26"/>
-    <p:sldId id="840" r:id="rId27"/>
-    <p:sldId id="839" r:id="rId28"/>
-    <p:sldId id="853" r:id="rId29"/>
+    <p:sldId id="828" r:id="rId14"/>
+    <p:sldId id="829" r:id="rId15"/>
+    <p:sldId id="830" r:id="rId16"/>
+    <p:sldId id="831" r:id="rId17"/>
+    <p:sldId id="832" r:id="rId18"/>
+    <p:sldId id="833" r:id="rId19"/>
+    <p:sldId id="834" r:id="rId20"/>
+    <p:sldId id="835" r:id="rId21"/>
+    <p:sldId id="836" r:id="rId22"/>
+    <p:sldId id="838" r:id="rId23"/>
+    <p:sldId id="837" r:id="rId24"/>
+    <p:sldId id="840" r:id="rId25"/>
+    <p:sldId id="839" r:id="rId26"/>
+    <p:sldId id="853" r:id="rId27"/>
+    <p:sldId id="769" r:id="rId28"/>
+    <p:sldId id="767" r:id="rId29"/>
     <p:sldId id="841" r:id="rId30"/>
     <p:sldId id="843" r:id="rId31"/>
     <p:sldId id="844" r:id="rId32"/>
@@ -5100,1278 +5100,6 @@
           <p:cNvPr id="2" name="Title 1">
             <a:extLst>
               <a:ext uri="{FF2B5EF4-FFF2-40B4-BE49-F238E27FC236}">
-                <a16:creationId xmlns:a16="http://schemas.microsoft.com/office/drawing/2014/main" id="{FCA5AC62-A5FD-2A5B-018F-859A378AA1D4}"/>
-              </a:ext>
-            </a:extLst>
-          </p:cNvPr>
-          <p:cNvSpPr>
-            <a:spLocks noGrp="1"/>
-          </p:cNvSpPr>
-          <p:nvPr>
-            <p:ph type="title"/>
-          </p:nvPr>
-        </p:nvSpPr>
-        <p:spPr/>
-        <p:txBody>
-          <a:bodyPr/>
-          <a:lstStyle/>
-          <a:p>
-            <a:r>
-              <a:rPr lang="en-US" dirty="0">
-                <a:solidFill>
-                  <a:srgbClr val="C00000"/>
-                </a:solidFill>
-              </a:rPr>
-              <a:t>Trivia Question #3 (Max Load)</a:t>
-            </a:r>
-          </a:p>
-        </p:txBody>
-      </p:sp>
-      <mc:AlternateContent xmlns:mc="http://schemas.openxmlformats.org/markup-compatibility/2006" xmlns:a14="http://schemas.microsoft.com/office/drawing/2010/main">
-        <mc:Choice Requires="a14">
-          <p:sp>
-            <p:nvSpPr>
-              <p:cNvPr id="3" name="Content Placeholder 2">
-                <a:extLst>
-                  <a:ext uri="{FF2B5EF4-FFF2-40B4-BE49-F238E27FC236}">
-                    <a16:creationId xmlns:a16="http://schemas.microsoft.com/office/drawing/2014/main" id="{76F2126B-4AA6-302B-7E5A-170FFAAB8BD1}"/>
-                  </a:ext>
-                </a:extLst>
-              </p:cNvPr>
-              <p:cNvSpPr>
-                <a:spLocks noGrp="1"/>
-              </p:cNvSpPr>
-              <p:nvPr>
-                <p:ph idx="1"/>
-              </p:nvPr>
-            </p:nvSpPr>
-            <p:spPr/>
-            <p:txBody>
-              <a:bodyPr/>
-              <a:lstStyle/>
-              <a:p>
-                <a:pPr>
-                  <a:buClr>
-                    <a:schemeClr val="tx1"/>
-                  </a:buClr>
-                </a:pPr>
-                <a:r>
-                  <a:rPr lang="en-US" dirty="0"/>
-                  <a:t>Suppose we have a fair </a:t>
-                </a:r>
-                <a14:m>
-                  <m:oMath xmlns:m="http://schemas.openxmlformats.org/officeDocument/2006/math">
-                    <m:r>
-                      <a:rPr lang="en-US" b="0" i="1" dirty="0" smtClean="0">
-                        <a:solidFill>
-                          <a:srgbClr val="C00000"/>
-                        </a:solidFill>
-                        <a:latin typeface="Cambria Math" panose="02040503050406030204" pitchFamily="18" charset="0"/>
-                      </a:rPr>
-                      <m:t>𝑛</m:t>
-                    </m:r>
-                  </m:oMath>
-                </a14:m>
-                <a:r>
-                  <a:rPr lang="en-US" dirty="0"/>
-                  <a:t>-sided die that we roll </a:t>
-                </a:r>
-                <a14:m>
-                  <m:oMath xmlns:m="http://schemas.openxmlformats.org/officeDocument/2006/math">
-                    <m:r>
-                      <a:rPr lang="en-US" i="1" dirty="0">
-                        <a:solidFill>
-                          <a:srgbClr val="C00000"/>
-                        </a:solidFill>
-                        <a:latin typeface="Cambria Math" panose="02040503050406030204" pitchFamily="18" charset="0"/>
-                      </a:rPr>
-                      <m:t>𝑛</m:t>
-                    </m:r>
-                  </m:oMath>
-                </a14:m>
-                <a:r>
-                  <a:rPr lang="en-US" dirty="0"/>
-                  <a:t> times. “On average”, what is the largest number of times any outcome is rolled? Example: </a:t>
-                </a:r>
-                <a14:m>
-                  <m:oMath xmlns:m="http://schemas.openxmlformats.org/officeDocument/2006/math">
-                    <m:r>
-                      <a:rPr lang="en-US" b="0" i="1" dirty="0" smtClean="0">
-                        <a:solidFill>
-                          <a:srgbClr val="0070C0"/>
-                        </a:solidFill>
-                        <a:latin typeface="Cambria Math" panose="02040503050406030204" pitchFamily="18" charset="0"/>
-                      </a:rPr>
-                      <m:t>1</m:t>
-                    </m:r>
-                  </m:oMath>
-                </a14:m>
-                <a:r>
-                  <a:rPr lang="en-US" dirty="0"/>
-                  <a:t>, </a:t>
-                </a:r>
-                <a14:m>
-                  <m:oMath xmlns:m="http://schemas.openxmlformats.org/officeDocument/2006/math">
-                    <m:r>
-                      <a:rPr lang="en-US" b="0" i="1" dirty="0" smtClean="0">
-                        <a:solidFill>
-                          <a:srgbClr val="C00000"/>
-                        </a:solidFill>
-                        <a:latin typeface="Cambria Math" panose="02040503050406030204" pitchFamily="18" charset="0"/>
-                      </a:rPr>
-                      <m:t>5</m:t>
-                    </m:r>
-                  </m:oMath>
-                </a14:m>
-                <a:r>
-                  <a:rPr lang="en-US" dirty="0"/>
-                  <a:t>, </a:t>
-                </a:r>
-                <a14:m>
-                  <m:oMath xmlns:m="http://schemas.openxmlformats.org/officeDocument/2006/math">
-                    <m:r>
-                      <a:rPr lang="en-US" b="0" i="1" dirty="0" smtClean="0">
-                        <a:solidFill>
-                          <a:srgbClr val="C00000"/>
-                        </a:solidFill>
-                        <a:latin typeface="Cambria Math" panose="02040503050406030204" pitchFamily="18" charset="0"/>
-                      </a:rPr>
-                      <m:t>2</m:t>
-                    </m:r>
-                  </m:oMath>
-                </a14:m>
-                <a:r>
-                  <a:rPr lang="en-US" dirty="0"/>
-                  <a:t>, </a:t>
-                </a:r>
-                <a14:m>
-                  <m:oMath xmlns:m="http://schemas.openxmlformats.org/officeDocument/2006/math">
-                    <m:r>
-                      <a:rPr lang="en-US" b="0" i="1" dirty="0" smtClean="0">
-                        <a:solidFill>
-                          <a:srgbClr val="C00000"/>
-                        </a:solidFill>
-                        <a:latin typeface="Cambria Math" panose="02040503050406030204" pitchFamily="18" charset="0"/>
-                      </a:rPr>
-                      <m:t>4</m:t>
-                    </m:r>
-                  </m:oMath>
-                </a14:m>
-                <a:r>
-                  <a:rPr lang="en-US" dirty="0"/>
-                  <a:t>,</a:t>
-                </a:r>
-                <a:r>
-                  <a:rPr lang="en-US" dirty="0">
-                    <a:solidFill>
-                      <a:srgbClr val="C00000"/>
-                    </a:solidFill>
-                  </a:rPr>
-                  <a:t> </a:t>
-                </a:r>
-                <a14:m>
-                  <m:oMath xmlns:m="http://schemas.openxmlformats.org/officeDocument/2006/math">
-                    <m:r>
-                      <a:rPr lang="en-US" b="0" i="1" smtClean="0">
-                        <a:solidFill>
-                          <a:srgbClr val="0070C0"/>
-                        </a:solidFill>
-                        <a:latin typeface="Cambria Math" panose="02040503050406030204" pitchFamily="18" charset="0"/>
-                      </a:rPr>
-                      <m:t>1</m:t>
-                    </m:r>
-                  </m:oMath>
-                </a14:m>
-                <a:r>
-                  <a:rPr lang="en-US" dirty="0"/>
-                  <a:t>, </a:t>
-                </a:r>
-                <a14:m>
-                  <m:oMath xmlns:m="http://schemas.openxmlformats.org/officeDocument/2006/math">
-                    <m:r>
-                      <a:rPr lang="en-US" b="0" i="1" dirty="0" smtClean="0">
-                        <a:solidFill>
-                          <a:srgbClr val="C00000"/>
-                        </a:solidFill>
-                        <a:latin typeface="Cambria Math" panose="02040503050406030204" pitchFamily="18" charset="0"/>
-                      </a:rPr>
-                      <m:t>3</m:t>
-                    </m:r>
-                  </m:oMath>
-                </a14:m>
-                <a:r>
-                  <a:rPr lang="en-US" dirty="0"/>
-                  <a:t>, </a:t>
-                </a:r>
-                <a14:m>
-                  <m:oMath xmlns:m="http://schemas.openxmlformats.org/officeDocument/2006/math">
-                    <m:r>
-                      <a:rPr lang="en-US" b="0" i="1" dirty="0" smtClean="0">
-                        <a:solidFill>
-                          <a:srgbClr val="0070C0"/>
-                        </a:solidFill>
-                        <a:latin typeface="Cambria Math" panose="02040503050406030204" pitchFamily="18" charset="0"/>
-                      </a:rPr>
-                      <m:t>1</m:t>
-                    </m:r>
-                  </m:oMath>
-                </a14:m>
-                <a:r>
-                  <a:rPr lang="en-US" dirty="0">
-                    <a:solidFill>
-                      <a:srgbClr val="C00000"/>
-                    </a:solidFill>
-                  </a:rPr>
-                  <a:t> </a:t>
-                </a:r>
-                <a:r>
-                  <a:rPr lang="en-US" dirty="0"/>
-                  <a:t>for</a:t>
-                </a:r>
-                <a:r>
-                  <a:rPr lang="en-US" dirty="0">
-                    <a:solidFill>
-                      <a:srgbClr val="C00000"/>
-                    </a:solidFill>
-                  </a:rPr>
-                  <a:t> </a:t>
-                </a:r>
-                <a14:m>
-                  <m:oMath xmlns:m="http://schemas.openxmlformats.org/officeDocument/2006/math">
-                    <m:r>
-                      <a:rPr lang="en-US" i="1" dirty="0">
-                        <a:solidFill>
-                          <a:srgbClr val="C00000"/>
-                        </a:solidFill>
-                        <a:latin typeface="Cambria Math" panose="02040503050406030204" pitchFamily="18" charset="0"/>
-                      </a:rPr>
-                      <m:t>𝑛</m:t>
-                    </m:r>
-                    <m:r>
-                      <a:rPr lang="en-US" b="0" i="0" dirty="0" smtClean="0">
-                        <a:solidFill>
-                          <a:srgbClr val="C00000"/>
-                        </a:solidFill>
-                        <a:latin typeface="Cambria Math" panose="02040503050406030204" pitchFamily="18" charset="0"/>
-                      </a:rPr>
-                      <m:t>=7</m:t>
-                    </m:r>
-                  </m:oMath>
-                </a14:m>
-                <a:endParaRPr lang="en-US" dirty="0">
-                  <a:solidFill>
-                    <a:srgbClr val="C00000"/>
-                  </a:solidFill>
-                </a:endParaRPr>
-              </a:p>
-              <a:p>
-                <a:pPr>
-                  <a:buClr>
-                    <a:schemeClr val="tx1"/>
-                  </a:buClr>
-                </a:pPr>
-                <a:endParaRPr lang="en-US" dirty="0"/>
-              </a:p>
-              <a:p>
-                <a:pPr>
-                  <a:buClr>
-                    <a:schemeClr val="tx1"/>
-                  </a:buClr>
-                </a:pPr>
-                <a14:m>
-                  <m:oMath xmlns:m="http://schemas.openxmlformats.org/officeDocument/2006/math">
-                    <m:r>
-                      <m:rPr>
-                        <m:sty m:val="p"/>
-                      </m:rPr>
-                      <a:rPr lang="en-US" dirty="0">
-                        <a:solidFill>
-                          <a:srgbClr val="C00000"/>
-                        </a:solidFill>
-                        <a:latin typeface="Cambria Math" panose="02040503050406030204" pitchFamily="18" charset="0"/>
-                      </a:rPr>
-                      <m:t>Θ</m:t>
-                    </m:r>
-                    <m:r>
-                      <a:rPr lang="en-US" i="1" dirty="0">
-                        <a:solidFill>
-                          <a:srgbClr val="C00000"/>
-                        </a:solidFill>
-                        <a:latin typeface="Cambria Math" panose="02040503050406030204" pitchFamily="18" charset="0"/>
-                      </a:rPr>
-                      <m:t>(1)</m:t>
-                    </m:r>
-                  </m:oMath>
-                </a14:m>
-                <a:endParaRPr lang="en-US" dirty="0"/>
-              </a:p>
-              <a:p>
-                <a:pPr>
-                  <a:buClr>
-                    <a:schemeClr val="tx1"/>
-                  </a:buClr>
-                </a:pPr>
-                <a14:m>
-                  <m:oMath xmlns:m="http://schemas.openxmlformats.org/officeDocument/2006/math">
-                    <m:acc>
-                      <m:accPr>
-                        <m:chr m:val="̃"/>
-                        <m:ctrlPr>
-                          <a:rPr lang="en-US" b="0" i="1" dirty="0" smtClean="0">
-                            <a:solidFill>
-                              <a:srgbClr val="C00000"/>
-                            </a:solidFill>
-                            <a:latin typeface="Cambria Math" panose="02040503050406030204" pitchFamily="18" charset="0"/>
-                          </a:rPr>
-                        </m:ctrlPr>
-                      </m:accPr>
-                      <m:e>
-                        <m:r>
-                          <m:rPr>
-                            <m:sty m:val="p"/>
-                          </m:rPr>
-                          <a:rPr lang="en-US" dirty="0">
-                            <a:solidFill>
-                              <a:srgbClr val="C00000"/>
-                            </a:solidFill>
-                            <a:latin typeface="Cambria Math" panose="02040503050406030204" pitchFamily="18" charset="0"/>
-                          </a:rPr>
-                          <m:t>Θ</m:t>
-                        </m:r>
-                      </m:e>
-                    </m:acc>
-                    <m:r>
-                      <a:rPr lang="en-US" i="1" dirty="0">
-                        <a:solidFill>
-                          <a:srgbClr val="C00000"/>
-                        </a:solidFill>
-                        <a:latin typeface="Cambria Math" panose="02040503050406030204" pitchFamily="18" charset="0"/>
-                      </a:rPr>
-                      <m:t>(</m:t>
-                    </m:r>
-                    <m:func>
-                      <m:funcPr>
-                        <m:ctrlPr>
-                          <a:rPr lang="en-US" i="1" dirty="0">
-                            <a:solidFill>
-                              <a:srgbClr val="C00000"/>
-                            </a:solidFill>
-                            <a:latin typeface="Cambria Math" panose="02040503050406030204" pitchFamily="18" charset="0"/>
-                          </a:rPr>
-                        </m:ctrlPr>
-                      </m:funcPr>
-                      <m:fName>
-                        <m:r>
-                          <m:rPr>
-                            <m:sty m:val="p"/>
-                          </m:rPr>
-                          <a:rPr lang="en-US" dirty="0">
-                            <a:solidFill>
-                              <a:srgbClr val="C00000"/>
-                            </a:solidFill>
-                            <a:latin typeface="Cambria Math" panose="02040503050406030204" pitchFamily="18" charset="0"/>
-                          </a:rPr>
-                          <m:t>log</m:t>
-                        </m:r>
-                      </m:fName>
-                      <m:e>
-                        <m:r>
-                          <a:rPr lang="en-US" i="1" dirty="0">
-                            <a:solidFill>
-                              <a:srgbClr val="C00000"/>
-                            </a:solidFill>
-                            <a:latin typeface="Cambria Math" panose="02040503050406030204" pitchFamily="18" charset="0"/>
-                          </a:rPr>
-                          <m:t>𝑛</m:t>
-                        </m:r>
-                      </m:e>
-                    </m:func>
-                    <m:r>
-                      <a:rPr lang="en-US" i="1" dirty="0">
-                        <a:solidFill>
-                          <a:srgbClr val="C00000"/>
-                        </a:solidFill>
-                        <a:latin typeface="Cambria Math" panose="02040503050406030204" pitchFamily="18" charset="0"/>
-                      </a:rPr>
-                      <m:t>)</m:t>
-                    </m:r>
-                  </m:oMath>
-                </a14:m>
-                <a:endParaRPr lang="en-US" i="1" dirty="0">
-                  <a:solidFill>
-                    <a:srgbClr val="C00000"/>
-                  </a:solidFill>
-                  <a:latin typeface="Cambria Math" panose="02040503050406030204" pitchFamily="18" charset="0"/>
-                </a:endParaRPr>
-              </a:p>
-              <a:p>
-                <a:pPr>
-                  <a:buClr>
-                    <a:schemeClr val="tx1"/>
-                  </a:buClr>
-                </a:pPr>
-                <a14:m>
-                  <m:oMath xmlns:m="http://schemas.openxmlformats.org/officeDocument/2006/math">
-                    <m:acc>
-                      <m:accPr>
-                        <m:chr m:val="̃"/>
-                        <m:ctrlPr>
-                          <a:rPr lang="en-US" i="1" dirty="0">
-                            <a:solidFill>
-                              <a:srgbClr val="C00000"/>
-                            </a:solidFill>
-                            <a:latin typeface="Cambria Math" panose="02040503050406030204" pitchFamily="18" charset="0"/>
-                          </a:rPr>
-                        </m:ctrlPr>
-                      </m:accPr>
-                      <m:e>
-                        <m:r>
-                          <m:rPr>
-                            <m:sty m:val="p"/>
-                          </m:rPr>
-                          <a:rPr lang="en-US" dirty="0">
-                            <a:solidFill>
-                              <a:srgbClr val="C00000"/>
-                            </a:solidFill>
-                            <a:latin typeface="Cambria Math" panose="02040503050406030204" pitchFamily="18" charset="0"/>
-                          </a:rPr>
-                          <m:t>Θ</m:t>
-                        </m:r>
-                      </m:e>
-                    </m:acc>
-                    <m:r>
-                      <a:rPr lang="en-US" i="1" dirty="0">
-                        <a:solidFill>
-                          <a:srgbClr val="C00000"/>
-                        </a:solidFill>
-                        <a:latin typeface="Cambria Math" panose="02040503050406030204" pitchFamily="18" charset="0"/>
-                      </a:rPr>
-                      <m:t>(</m:t>
-                    </m:r>
-                    <m:rad>
-                      <m:radPr>
-                        <m:degHide m:val="on"/>
-                        <m:ctrlPr>
-                          <a:rPr lang="en-US" i="1" dirty="0">
-                            <a:solidFill>
-                              <a:srgbClr val="C00000"/>
-                            </a:solidFill>
-                            <a:latin typeface="Cambria Math" panose="02040503050406030204" pitchFamily="18" charset="0"/>
-                          </a:rPr>
-                        </m:ctrlPr>
-                      </m:radPr>
-                      <m:deg/>
-                      <m:e>
-                        <m:r>
-                          <a:rPr lang="en-US" i="1" dirty="0">
-                            <a:solidFill>
-                              <a:srgbClr val="C00000"/>
-                            </a:solidFill>
-                            <a:latin typeface="Cambria Math" panose="02040503050406030204" pitchFamily="18" charset="0"/>
-                          </a:rPr>
-                          <m:t>𝑛</m:t>
-                        </m:r>
-                      </m:e>
-                    </m:rad>
-                    <m:r>
-                      <a:rPr lang="en-US" i="1" dirty="0">
-                        <a:solidFill>
-                          <a:srgbClr val="C00000"/>
-                        </a:solidFill>
-                        <a:latin typeface="Cambria Math" panose="02040503050406030204" pitchFamily="18" charset="0"/>
-                      </a:rPr>
-                      <m:t>)</m:t>
-                    </m:r>
-                  </m:oMath>
-                </a14:m>
-                <a:endParaRPr lang="en-US" i="1" dirty="0">
-                  <a:solidFill>
-                    <a:srgbClr val="C00000"/>
-                  </a:solidFill>
-                  <a:latin typeface="Cambria Math" panose="02040503050406030204" pitchFamily="18" charset="0"/>
-                </a:endParaRPr>
-              </a:p>
-              <a:p>
-                <a:pPr>
-                  <a:buClr>
-                    <a:schemeClr val="tx1"/>
-                  </a:buClr>
-                </a:pPr>
-                <a14:m>
-                  <m:oMath xmlns:m="http://schemas.openxmlformats.org/officeDocument/2006/math">
-                    <m:acc>
-                      <m:accPr>
-                        <m:chr m:val="̃"/>
-                        <m:ctrlPr>
-                          <a:rPr lang="en-US" i="1" dirty="0">
-                            <a:solidFill>
-                              <a:srgbClr val="C00000"/>
-                            </a:solidFill>
-                            <a:latin typeface="Cambria Math" panose="02040503050406030204" pitchFamily="18" charset="0"/>
-                          </a:rPr>
-                        </m:ctrlPr>
-                      </m:accPr>
-                      <m:e>
-                        <m:r>
-                          <m:rPr>
-                            <m:sty m:val="p"/>
-                          </m:rPr>
-                          <a:rPr lang="en-US" dirty="0">
-                            <a:solidFill>
-                              <a:srgbClr val="C00000"/>
-                            </a:solidFill>
-                            <a:latin typeface="Cambria Math" panose="02040503050406030204" pitchFamily="18" charset="0"/>
-                          </a:rPr>
-                          <m:t>Θ</m:t>
-                        </m:r>
-                      </m:e>
-                    </m:acc>
-                    <m:r>
-                      <a:rPr lang="en-US" i="1" dirty="0">
-                        <a:solidFill>
-                          <a:srgbClr val="C00000"/>
-                        </a:solidFill>
-                        <a:latin typeface="Cambria Math" panose="02040503050406030204" pitchFamily="18" charset="0"/>
-                      </a:rPr>
-                      <m:t>(</m:t>
-                    </m:r>
-                    <m:r>
-                      <a:rPr lang="en-US" i="1" dirty="0">
-                        <a:solidFill>
-                          <a:srgbClr val="C00000"/>
-                        </a:solidFill>
-                        <a:latin typeface="Cambria Math" panose="02040503050406030204" pitchFamily="18" charset="0"/>
-                      </a:rPr>
-                      <m:t>𝑛</m:t>
-                    </m:r>
-                    <m:r>
-                      <a:rPr lang="en-US" i="1" dirty="0">
-                        <a:solidFill>
-                          <a:srgbClr val="C00000"/>
-                        </a:solidFill>
-                        <a:latin typeface="Cambria Math" panose="02040503050406030204" pitchFamily="18" charset="0"/>
-                      </a:rPr>
-                      <m:t>)</m:t>
-                    </m:r>
-                  </m:oMath>
-                </a14:m>
-                <a:endParaRPr lang="en-US" dirty="0"/>
-              </a:p>
-            </p:txBody>
-          </p:sp>
-        </mc:Choice>
-        <mc:Fallback xmlns="">
-          <p:sp>
-            <p:nvSpPr>
-              <p:cNvPr id="3" name="Content Placeholder 2">
-                <a:extLst>
-                  <a:ext uri="{FF2B5EF4-FFF2-40B4-BE49-F238E27FC236}">
-                    <a16:creationId xmlns:a16="http://schemas.microsoft.com/office/drawing/2014/main" id="{76F2126B-4AA6-302B-7E5A-170FFAAB8BD1}"/>
-                  </a:ext>
-                </a:extLst>
-              </p:cNvPr>
-              <p:cNvSpPr>
-                <a:spLocks noGrp="1" noRot="1" noChangeAspect="1" noMove="1" noResize="1" noEditPoints="1" noAdjustHandles="1" noChangeArrowheads="1" noChangeShapeType="1" noTextEdit="1"/>
-              </p:cNvSpPr>
-              <p:nvPr>
-                <p:ph idx="1"/>
-              </p:nvPr>
-            </p:nvSpPr>
-            <p:spPr>
-              <a:blipFill>
-                <a:blip r:embed="rId2"/>
-                <a:stretch>
-                  <a:fillRect l="-1043" t="-2241" r="-1565"/>
-                </a:stretch>
-              </a:blipFill>
-            </p:spPr>
-            <p:txBody>
-              <a:bodyPr/>
-              <a:lstStyle/>
-              <a:p>
-                <a:r>
-                  <a:rPr lang="en-US">
-                    <a:noFill/>
-                  </a:rPr>
-                  <a:t> </a:t>
-                </a:r>
-              </a:p>
-            </p:txBody>
-          </p:sp>
-        </mc:Fallback>
-      </mc:AlternateContent>
-    </p:spTree>
-    <p:extLst>
-      <p:ext uri="{BB962C8B-B14F-4D97-AF65-F5344CB8AC3E}">
-        <p14:creationId xmlns:p14="http://schemas.microsoft.com/office/powerpoint/2010/main" val="3950120002"/>
-      </p:ext>
-    </p:extLst>
-  </p:cSld>
-  <p:clrMapOvr>
-    <a:masterClrMapping/>
-  </p:clrMapOvr>
-</p:sld>
-</file>
-
-<file path=ppt/slides/slide14.xml><?xml version="1.0" encoding="utf-8"?>
-<p:sld xmlns:a="http://schemas.openxmlformats.org/drawingml/2006/main" xmlns:r="http://schemas.openxmlformats.org/officeDocument/2006/relationships" xmlns:p="http://schemas.openxmlformats.org/presentationml/2006/main">
-  <p:cSld>
-    <p:spTree>
-      <p:nvGrpSpPr>
-        <p:cNvPr id="1" name=""/>
-        <p:cNvGrpSpPr/>
-        <p:nvPr/>
-      </p:nvGrpSpPr>
-      <p:grpSpPr>
-        <a:xfrm>
-          <a:off x="0" y="0"/>
-          <a:ext cx="0" cy="0"/>
-          <a:chOff x="0" y="0"/>
-          <a:chExt cx="0" cy="0"/>
-        </a:xfrm>
-      </p:grpSpPr>
-      <p:sp>
-        <p:nvSpPr>
-          <p:cNvPr id="2" name="Title 1">
-            <a:extLst>
-              <a:ext uri="{FF2B5EF4-FFF2-40B4-BE49-F238E27FC236}">
-                <a16:creationId xmlns:a16="http://schemas.microsoft.com/office/drawing/2014/main" id="{FCA5AC62-A5FD-2A5B-018F-859A378AA1D4}"/>
-              </a:ext>
-            </a:extLst>
-          </p:cNvPr>
-          <p:cNvSpPr>
-            <a:spLocks noGrp="1"/>
-          </p:cNvSpPr>
-          <p:nvPr>
-            <p:ph type="title"/>
-          </p:nvPr>
-        </p:nvSpPr>
-        <p:spPr/>
-        <p:txBody>
-          <a:bodyPr/>
-          <a:lstStyle/>
-          <a:p>
-            <a:r>
-              <a:rPr lang="en-US" dirty="0">
-                <a:solidFill>
-                  <a:srgbClr val="C00000"/>
-                </a:solidFill>
-              </a:rPr>
-              <a:t>Trivia Question #4 (Coupon Collector)</a:t>
-            </a:r>
-          </a:p>
-        </p:txBody>
-      </p:sp>
-      <mc:AlternateContent xmlns:mc="http://schemas.openxmlformats.org/markup-compatibility/2006" xmlns:a14="http://schemas.microsoft.com/office/drawing/2010/main">
-        <mc:Choice Requires="a14">
-          <p:sp>
-            <p:nvSpPr>
-              <p:cNvPr id="3" name="Content Placeholder 2">
-                <a:extLst>
-                  <a:ext uri="{FF2B5EF4-FFF2-40B4-BE49-F238E27FC236}">
-                    <a16:creationId xmlns:a16="http://schemas.microsoft.com/office/drawing/2014/main" id="{76F2126B-4AA6-302B-7E5A-170FFAAB8BD1}"/>
-                  </a:ext>
-                </a:extLst>
-              </p:cNvPr>
-              <p:cNvSpPr>
-                <a:spLocks noGrp="1"/>
-              </p:cNvSpPr>
-              <p:nvPr>
-                <p:ph idx="1"/>
-              </p:nvPr>
-            </p:nvSpPr>
-            <p:spPr/>
-            <p:txBody>
-              <a:bodyPr/>
-              <a:lstStyle/>
-              <a:p>
-                <a:pPr>
-                  <a:buClr>
-                    <a:schemeClr val="tx1"/>
-                  </a:buClr>
-                </a:pPr>
-                <a:r>
-                  <a:rPr lang="en-US" dirty="0"/>
-                  <a:t>Suppose we have a fair </a:t>
-                </a:r>
-                <a14:m>
-                  <m:oMath xmlns:m="http://schemas.openxmlformats.org/officeDocument/2006/math">
-                    <m:r>
-                      <a:rPr lang="en-US" b="0" i="1" dirty="0" smtClean="0">
-                        <a:solidFill>
-                          <a:srgbClr val="C00000"/>
-                        </a:solidFill>
-                        <a:latin typeface="Cambria Math" panose="02040503050406030204" pitchFamily="18" charset="0"/>
-                      </a:rPr>
-                      <m:t>𝑛</m:t>
-                    </m:r>
-                  </m:oMath>
-                </a14:m>
-                <a:r>
-                  <a:rPr lang="en-US" dirty="0"/>
-                  <a:t>-sided die. “On average”, how many times should we roll the die before we all possible outcomes among the rolls? Example: </a:t>
-                </a:r>
-                <a14:m>
-                  <m:oMath xmlns:m="http://schemas.openxmlformats.org/officeDocument/2006/math">
-                    <m:r>
-                      <a:rPr lang="en-US" b="0" i="1" dirty="0" smtClean="0">
-                        <a:solidFill>
-                          <a:srgbClr val="C00000"/>
-                        </a:solidFill>
-                        <a:latin typeface="Cambria Math" panose="02040503050406030204" pitchFamily="18" charset="0"/>
-                      </a:rPr>
-                      <m:t>1</m:t>
-                    </m:r>
-                  </m:oMath>
-                </a14:m>
-                <a:r>
-                  <a:rPr lang="en-US" dirty="0"/>
-                  <a:t>, </a:t>
-                </a:r>
-                <a14:m>
-                  <m:oMath xmlns:m="http://schemas.openxmlformats.org/officeDocument/2006/math">
-                    <m:r>
-                      <a:rPr lang="en-US" b="0" i="1" dirty="0" smtClean="0">
-                        <a:solidFill>
-                          <a:srgbClr val="C00000"/>
-                        </a:solidFill>
-                        <a:latin typeface="Cambria Math" panose="02040503050406030204" pitchFamily="18" charset="0"/>
-                      </a:rPr>
-                      <m:t>5</m:t>
-                    </m:r>
-                  </m:oMath>
-                </a14:m>
-                <a:r>
-                  <a:rPr lang="en-US" dirty="0"/>
-                  <a:t>, </a:t>
-                </a:r>
-                <a14:m>
-                  <m:oMath xmlns:m="http://schemas.openxmlformats.org/officeDocument/2006/math">
-                    <m:r>
-                      <a:rPr lang="en-US" b="0" i="1" dirty="0" smtClean="0">
-                        <a:solidFill>
-                          <a:srgbClr val="C00000"/>
-                        </a:solidFill>
-                        <a:latin typeface="Cambria Math" panose="02040503050406030204" pitchFamily="18" charset="0"/>
-                      </a:rPr>
-                      <m:t>2</m:t>
-                    </m:r>
-                  </m:oMath>
-                </a14:m>
-                <a:r>
-                  <a:rPr lang="en-US" dirty="0"/>
-                  <a:t>, </a:t>
-                </a:r>
-                <a14:m>
-                  <m:oMath xmlns:m="http://schemas.openxmlformats.org/officeDocument/2006/math">
-                    <m:r>
-                      <a:rPr lang="en-US" b="0" i="1" dirty="0" smtClean="0">
-                        <a:solidFill>
-                          <a:srgbClr val="C00000"/>
-                        </a:solidFill>
-                        <a:latin typeface="Cambria Math" panose="02040503050406030204" pitchFamily="18" charset="0"/>
-                      </a:rPr>
-                      <m:t>4</m:t>
-                    </m:r>
-                  </m:oMath>
-                </a14:m>
-                <a:r>
-                  <a:rPr lang="en-US" dirty="0"/>
-                  <a:t>,</a:t>
-                </a:r>
-                <a:r>
-                  <a:rPr lang="en-US" dirty="0">
-                    <a:solidFill>
-                      <a:srgbClr val="C00000"/>
-                    </a:solidFill>
-                  </a:rPr>
-                  <a:t> </a:t>
-                </a:r>
-                <a14:m>
-                  <m:oMath xmlns:m="http://schemas.openxmlformats.org/officeDocument/2006/math">
-                    <m:r>
-                      <a:rPr lang="en-US" b="0" i="1" smtClean="0">
-                        <a:solidFill>
-                          <a:srgbClr val="C00000"/>
-                        </a:solidFill>
-                        <a:latin typeface="Cambria Math" panose="02040503050406030204" pitchFamily="18" charset="0"/>
-                      </a:rPr>
-                      <m:t>1</m:t>
-                    </m:r>
-                  </m:oMath>
-                </a14:m>
-                <a:r>
-                  <a:rPr lang="en-US" dirty="0"/>
-                  <a:t>, </a:t>
-                </a:r>
-                <a14:m>
-                  <m:oMath xmlns:m="http://schemas.openxmlformats.org/officeDocument/2006/math">
-                    <m:r>
-                      <a:rPr lang="en-US" b="0" i="1" dirty="0" smtClean="0">
-                        <a:solidFill>
-                          <a:srgbClr val="C00000"/>
-                        </a:solidFill>
-                        <a:latin typeface="Cambria Math" panose="02040503050406030204" pitchFamily="18" charset="0"/>
-                      </a:rPr>
-                      <m:t>3</m:t>
-                    </m:r>
-                  </m:oMath>
-                </a14:m>
-                <a:r>
-                  <a:rPr lang="en-US" dirty="0"/>
-                  <a:t>, </a:t>
-                </a:r>
-                <a14:m>
-                  <m:oMath xmlns:m="http://schemas.openxmlformats.org/officeDocument/2006/math">
-                    <m:r>
-                      <a:rPr lang="en-US" b="0" i="1" dirty="0" smtClean="0">
-                        <a:solidFill>
-                          <a:srgbClr val="C00000"/>
-                        </a:solidFill>
-                        <a:latin typeface="Cambria Math" panose="02040503050406030204" pitchFamily="18" charset="0"/>
-                      </a:rPr>
-                      <m:t>1</m:t>
-                    </m:r>
-                  </m:oMath>
-                </a14:m>
-                <a:r>
-                  <a:rPr lang="en-US" dirty="0"/>
-                  <a:t>, </a:t>
-                </a:r>
-                <a14:m>
-                  <m:oMath xmlns:m="http://schemas.openxmlformats.org/officeDocument/2006/math">
-                    <m:r>
-                      <a:rPr lang="en-US" b="0" i="1" dirty="0" smtClean="0">
-                        <a:solidFill>
-                          <a:srgbClr val="0070C0"/>
-                        </a:solidFill>
-                        <a:latin typeface="Cambria Math" panose="02040503050406030204" pitchFamily="18" charset="0"/>
-                      </a:rPr>
-                      <m:t>6</m:t>
-                    </m:r>
-                  </m:oMath>
-                </a14:m>
-                <a:r>
-                  <a:rPr lang="en-US" dirty="0">
-                    <a:solidFill>
-                      <a:srgbClr val="C00000"/>
-                    </a:solidFill>
-                  </a:rPr>
-                  <a:t> </a:t>
-                </a:r>
-                <a:r>
-                  <a:rPr lang="en-US" dirty="0"/>
-                  <a:t>for</a:t>
-                </a:r>
-                <a:r>
-                  <a:rPr lang="en-US" dirty="0">
-                    <a:solidFill>
-                      <a:srgbClr val="C00000"/>
-                    </a:solidFill>
-                  </a:rPr>
-                  <a:t> </a:t>
-                </a:r>
-                <a14:m>
-                  <m:oMath xmlns:m="http://schemas.openxmlformats.org/officeDocument/2006/math">
-                    <m:r>
-                      <a:rPr lang="en-US" i="1" dirty="0">
-                        <a:solidFill>
-                          <a:srgbClr val="C00000"/>
-                        </a:solidFill>
-                        <a:latin typeface="Cambria Math" panose="02040503050406030204" pitchFamily="18" charset="0"/>
-                      </a:rPr>
-                      <m:t>𝑛</m:t>
-                    </m:r>
-                    <m:r>
-                      <a:rPr lang="en-US" b="0" i="0" dirty="0" smtClean="0">
-                        <a:solidFill>
-                          <a:srgbClr val="C00000"/>
-                        </a:solidFill>
-                        <a:latin typeface="Cambria Math" panose="02040503050406030204" pitchFamily="18" charset="0"/>
-                      </a:rPr>
-                      <m:t>=6</m:t>
-                    </m:r>
-                  </m:oMath>
-                </a14:m>
-                <a:endParaRPr lang="en-US" dirty="0">
-                  <a:solidFill>
-                    <a:srgbClr val="C00000"/>
-                  </a:solidFill>
-                </a:endParaRPr>
-              </a:p>
-              <a:p>
-                <a:pPr>
-                  <a:buClr>
-                    <a:schemeClr val="tx1"/>
-                  </a:buClr>
-                </a:pPr>
-                <a:endParaRPr lang="en-US" dirty="0"/>
-              </a:p>
-              <a:p>
-                <a:pPr>
-                  <a:buClr>
-                    <a:schemeClr val="tx1"/>
-                  </a:buClr>
-                </a:pPr>
-                <a14:m>
-                  <m:oMath xmlns:m="http://schemas.openxmlformats.org/officeDocument/2006/math">
-                    <m:r>
-                      <m:rPr>
-                        <m:sty m:val="p"/>
-                      </m:rPr>
-                      <a:rPr lang="en-US" dirty="0">
-                        <a:solidFill>
-                          <a:srgbClr val="C00000"/>
-                        </a:solidFill>
-                        <a:latin typeface="Cambria Math" panose="02040503050406030204" pitchFamily="18" charset="0"/>
-                      </a:rPr>
-                      <m:t>Θ</m:t>
-                    </m:r>
-                    <m:d>
-                      <m:dPr>
-                        <m:ctrlPr>
-                          <a:rPr lang="en-US" b="0" i="1" dirty="0" smtClean="0">
-                            <a:solidFill>
-                              <a:srgbClr val="C00000"/>
-                            </a:solidFill>
-                            <a:latin typeface="Cambria Math" panose="02040503050406030204" pitchFamily="18" charset="0"/>
-                          </a:rPr>
-                        </m:ctrlPr>
-                      </m:dPr>
-                      <m:e>
-                        <m:r>
-                          <a:rPr lang="en-US" b="0" i="1" dirty="0" smtClean="0">
-                            <a:solidFill>
-                              <a:srgbClr val="C00000"/>
-                            </a:solidFill>
-                            <a:latin typeface="Cambria Math" panose="02040503050406030204" pitchFamily="18" charset="0"/>
-                          </a:rPr>
-                          <m:t>𝑛</m:t>
-                        </m:r>
-                      </m:e>
-                    </m:d>
-                  </m:oMath>
-                </a14:m>
-                <a:endParaRPr lang="en-US" b="0" dirty="0">
-                  <a:solidFill>
-                    <a:srgbClr val="C00000"/>
-                  </a:solidFill>
-                </a:endParaRPr>
-              </a:p>
-              <a:p>
-                <a:pPr>
-                  <a:buClr>
-                    <a:schemeClr val="tx1"/>
-                  </a:buClr>
-                </a:pPr>
-                <a14:m>
-                  <m:oMath xmlns:m="http://schemas.openxmlformats.org/officeDocument/2006/math">
-                    <m:r>
-                      <m:rPr>
-                        <m:sty m:val="p"/>
-                      </m:rPr>
-                      <a:rPr lang="en-US" dirty="0">
-                        <a:solidFill>
-                          <a:srgbClr val="C00000"/>
-                        </a:solidFill>
-                        <a:latin typeface="Cambria Math" panose="02040503050406030204" pitchFamily="18" charset="0"/>
-                      </a:rPr>
-                      <m:t>Θ</m:t>
-                    </m:r>
-                    <m:d>
-                      <m:dPr>
-                        <m:ctrlPr>
-                          <a:rPr lang="en-US" b="0" i="1" dirty="0" smtClean="0">
-                            <a:solidFill>
-                              <a:srgbClr val="C00000"/>
-                            </a:solidFill>
-                            <a:latin typeface="Cambria Math" panose="02040503050406030204" pitchFamily="18" charset="0"/>
-                          </a:rPr>
-                        </m:ctrlPr>
-                      </m:dPr>
-                      <m:e>
-                        <m:r>
-                          <a:rPr lang="en-US" b="0" i="1" dirty="0" smtClean="0">
-                            <a:solidFill>
-                              <a:srgbClr val="C00000"/>
-                            </a:solidFill>
-                            <a:latin typeface="Cambria Math" panose="02040503050406030204" pitchFamily="18" charset="0"/>
-                          </a:rPr>
-                          <m:t>𝑛</m:t>
-                        </m:r>
-                        <m:func>
-                          <m:funcPr>
-                            <m:ctrlPr>
-                              <a:rPr lang="en-US" b="0" i="1" dirty="0" smtClean="0">
-                                <a:solidFill>
-                                  <a:srgbClr val="C00000"/>
-                                </a:solidFill>
-                                <a:latin typeface="Cambria Math" panose="02040503050406030204" pitchFamily="18" charset="0"/>
-                              </a:rPr>
-                            </m:ctrlPr>
-                          </m:funcPr>
-                          <m:fName>
-                            <m:r>
-                              <m:rPr>
-                                <m:sty m:val="p"/>
-                              </m:rPr>
-                              <a:rPr lang="en-US" b="0" i="0" dirty="0" smtClean="0">
-                                <a:solidFill>
-                                  <a:srgbClr val="C00000"/>
-                                </a:solidFill>
-                                <a:latin typeface="Cambria Math" panose="02040503050406030204" pitchFamily="18" charset="0"/>
-                              </a:rPr>
-                              <m:t>log</m:t>
-                            </m:r>
-                          </m:fName>
-                          <m:e>
-                            <m:r>
-                              <a:rPr lang="en-US" b="0" i="1" dirty="0" smtClean="0">
-                                <a:solidFill>
-                                  <a:srgbClr val="C00000"/>
-                                </a:solidFill>
-                                <a:latin typeface="Cambria Math" panose="02040503050406030204" pitchFamily="18" charset="0"/>
-                              </a:rPr>
-                              <m:t>𝑛</m:t>
-                            </m:r>
-                          </m:e>
-                        </m:func>
-                      </m:e>
-                    </m:d>
-                  </m:oMath>
-                </a14:m>
-                <a:endParaRPr lang="en-US" b="0" dirty="0">
-                  <a:solidFill>
-                    <a:srgbClr val="C00000"/>
-                  </a:solidFill>
-                </a:endParaRPr>
-              </a:p>
-              <a:p>
-                <a:pPr>
-                  <a:buClr>
-                    <a:schemeClr val="tx1"/>
-                  </a:buClr>
-                </a:pPr>
-                <a14:m>
-                  <m:oMath xmlns:m="http://schemas.openxmlformats.org/officeDocument/2006/math">
-                    <m:r>
-                      <m:rPr>
-                        <m:sty m:val="p"/>
-                      </m:rPr>
-                      <a:rPr lang="en-US" dirty="0">
-                        <a:solidFill>
-                          <a:srgbClr val="C00000"/>
-                        </a:solidFill>
-                        <a:latin typeface="Cambria Math" panose="02040503050406030204" pitchFamily="18" charset="0"/>
-                      </a:rPr>
-                      <m:t>Θ</m:t>
-                    </m:r>
-                    <m:d>
-                      <m:dPr>
-                        <m:ctrlPr>
-                          <a:rPr lang="en-US" b="0" i="1" dirty="0" smtClean="0">
-                            <a:solidFill>
-                              <a:srgbClr val="C00000"/>
-                            </a:solidFill>
-                            <a:latin typeface="Cambria Math" panose="02040503050406030204" pitchFamily="18" charset="0"/>
-                          </a:rPr>
-                        </m:ctrlPr>
-                      </m:dPr>
-                      <m:e>
-                        <m:r>
-                          <a:rPr lang="en-US" b="0" i="1" dirty="0" smtClean="0">
-                            <a:solidFill>
-                              <a:srgbClr val="C00000"/>
-                            </a:solidFill>
-                            <a:latin typeface="Cambria Math" panose="02040503050406030204" pitchFamily="18" charset="0"/>
-                          </a:rPr>
-                          <m:t>𝑛</m:t>
-                        </m:r>
-                        <m:rad>
-                          <m:radPr>
-                            <m:degHide m:val="on"/>
-                            <m:ctrlPr>
-                              <a:rPr lang="en-US" b="0" i="1" dirty="0" smtClean="0">
-                                <a:solidFill>
-                                  <a:srgbClr val="C00000"/>
-                                </a:solidFill>
-                                <a:latin typeface="Cambria Math" panose="02040503050406030204" pitchFamily="18" charset="0"/>
-                              </a:rPr>
-                            </m:ctrlPr>
-                          </m:radPr>
-                          <m:deg/>
-                          <m:e>
-                            <m:r>
-                              <a:rPr lang="en-US" b="0" i="1" dirty="0" smtClean="0">
-                                <a:solidFill>
-                                  <a:srgbClr val="C00000"/>
-                                </a:solidFill>
-                                <a:latin typeface="Cambria Math" panose="02040503050406030204" pitchFamily="18" charset="0"/>
-                              </a:rPr>
-                              <m:t>𝑛</m:t>
-                            </m:r>
-                          </m:e>
-                        </m:rad>
-                      </m:e>
-                    </m:d>
-                  </m:oMath>
-                </a14:m>
-                <a:endParaRPr lang="en-US" b="0" dirty="0">
-                  <a:solidFill>
-                    <a:srgbClr val="C00000"/>
-                  </a:solidFill>
-                </a:endParaRPr>
-              </a:p>
-              <a:p>
-                <a:pPr>
-                  <a:buClr>
-                    <a:schemeClr val="tx1"/>
-                  </a:buClr>
-                </a:pPr>
-                <a14:m>
-                  <m:oMath xmlns:m="http://schemas.openxmlformats.org/officeDocument/2006/math">
-                    <m:r>
-                      <m:rPr>
-                        <m:sty m:val="p"/>
-                      </m:rPr>
-                      <a:rPr lang="en-US" dirty="0">
-                        <a:solidFill>
-                          <a:srgbClr val="C00000"/>
-                        </a:solidFill>
-                        <a:latin typeface="Cambria Math" panose="02040503050406030204" pitchFamily="18" charset="0"/>
-                      </a:rPr>
-                      <m:t>Θ</m:t>
-                    </m:r>
-                    <m:d>
-                      <m:dPr>
-                        <m:ctrlPr>
-                          <a:rPr lang="en-US" b="0" i="1" dirty="0" smtClean="0">
-                            <a:solidFill>
-                              <a:srgbClr val="C00000"/>
-                            </a:solidFill>
-                            <a:latin typeface="Cambria Math" panose="02040503050406030204" pitchFamily="18" charset="0"/>
-                          </a:rPr>
-                        </m:ctrlPr>
-                      </m:dPr>
-                      <m:e>
-                        <m:sSup>
-                          <m:sSupPr>
-                            <m:ctrlPr>
-                              <a:rPr lang="en-US" b="0" i="1" dirty="0" smtClean="0">
-                                <a:solidFill>
-                                  <a:srgbClr val="C00000"/>
-                                </a:solidFill>
-                                <a:latin typeface="Cambria Math" panose="02040503050406030204" pitchFamily="18" charset="0"/>
-                              </a:rPr>
-                            </m:ctrlPr>
-                          </m:sSupPr>
-                          <m:e>
-                            <m:r>
-                              <a:rPr lang="en-US" b="0" i="1" dirty="0" smtClean="0">
-                                <a:solidFill>
-                                  <a:srgbClr val="C00000"/>
-                                </a:solidFill>
-                                <a:latin typeface="Cambria Math" panose="02040503050406030204" pitchFamily="18" charset="0"/>
-                              </a:rPr>
-                              <m:t>𝑛</m:t>
-                            </m:r>
-                          </m:e>
-                          <m:sup>
-                            <m:r>
-                              <a:rPr lang="en-US" b="0" i="1" dirty="0" smtClean="0">
-                                <a:solidFill>
-                                  <a:srgbClr val="C00000"/>
-                                </a:solidFill>
-                                <a:latin typeface="Cambria Math" panose="02040503050406030204" pitchFamily="18" charset="0"/>
-                              </a:rPr>
-                              <m:t>2</m:t>
-                            </m:r>
-                          </m:sup>
-                        </m:sSup>
-                      </m:e>
-                    </m:d>
-                  </m:oMath>
-                </a14:m>
-                <a:endParaRPr lang="en-US" dirty="0"/>
-              </a:p>
-            </p:txBody>
-          </p:sp>
-        </mc:Choice>
-        <mc:Fallback xmlns="">
-          <p:sp>
-            <p:nvSpPr>
-              <p:cNvPr id="3" name="Content Placeholder 2">
-                <a:extLst>
-                  <a:ext uri="{FF2B5EF4-FFF2-40B4-BE49-F238E27FC236}">
-                    <a16:creationId xmlns:a16="http://schemas.microsoft.com/office/drawing/2014/main" id="{76F2126B-4AA6-302B-7E5A-170FFAAB8BD1}"/>
-                  </a:ext>
-                </a:extLst>
-              </p:cNvPr>
-              <p:cNvSpPr>
-                <a:spLocks noGrp="1" noRot="1" noChangeAspect="1" noMove="1" noResize="1" noEditPoints="1" noAdjustHandles="1" noChangeArrowheads="1" noChangeShapeType="1" noTextEdit="1"/>
-              </p:cNvSpPr>
-              <p:nvPr>
-                <p:ph idx="1"/>
-              </p:nvPr>
-            </p:nvSpPr>
-            <p:spPr>
-              <a:blipFill>
-                <a:blip r:embed="rId2"/>
-                <a:stretch>
-                  <a:fillRect l="-1043" t="-2241"/>
-                </a:stretch>
-              </a:blipFill>
-            </p:spPr>
-            <p:txBody>
-              <a:bodyPr/>
-              <a:lstStyle/>
-              <a:p>
-                <a:r>
-                  <a:rPr lang="en-US">
-                    <a:noFill/>
-                  </a:rPr>
-                  <a:t> </a:t>
-                </a:r>
-              </a:p>
-            </p:txBody>
-          </p:sp>
-        </mc:Fallback>
-      </mc:AlternateContent>
-    </p:spTree>
-    <p:extLst>
-      <p:ext uri="{BB962C8B-B14F-4D97-AF65-F5344CB8AC3E}">
-        <p14:creationId xmlns:p14="http://schemas.microsoft.com/office/powerpoint/2010/main" val="4099368253"/>
-      </p:ext>
-    </p:extLst>
-  </p:cSld>
-  <p:clrMapOvr>
-    <a:masterClrMapping/>
-  </p:clrMapOvr>
-</p:sld>
-</file>
-
-<file path=ppt/slides/slide15.xml><?xml version="1.0" encoding="utf-8"?>
-<p:sld xmlns:a="http://schemas.openxmlformats.org/drawingml/2006/main" xmlns:r="http://schemas.openxmlformats.org/officeDocument/2006/relationships" xmlns:p="http://schemas.openxmlformats.org/presentationml/2006/main">
-  <p:cSld>
-    <p:spTree>
-      <p:nvGrpSpPr>
-        <p:cNvPr id="1" name=""/>
-        <p:cNvGrpSpPr/>
-        <p:nvPr/>
-      </p:nvGrpSpPr>
-      <p:grpSpPr>
-        <a:xfrm>
-          <a:off x="0" y="0"/>
-          <a:ext cx="0" cy="0"/>
-          <a:chOff x="0" y="0"/>
-          <a:chExt cx="0" cy="0"/>
-        </a:xfrm>
-      </p:grpSpPr>
-      <p:sp>
-        <p:nvSpPr>
-          <p:cNvPr id="2" name="Title 1">
-            <a:extLst>
-              <a:ext uri="{FF2B5EF4-FFF2-40B4-BE49-F238E27FC236}">
                 <a16:creationId xmlns:a16="http://schemas.microsoft.com/office/drawing/2014/main" id="{A49DDC00-2744-B7F9-8394-609BE1AEC413}"/>
               </a:ext>
             </a:extLst>
@@ -7367,7 +6095,7 @@
 </p:sld>
 </file>
 
-<file path=ppt/slides/slide16.xml><?xml version="1.0" encoding="utf-8"?>
+<file path=ppt/slides/slide14.xml><?xml version="1.0" encoding="utf-8"?>
 <p:sld xmlns:a="http://schemas.openxmlformats.org/drawingml/2006/main" xmlns:r="http://schemas.openxmlformats.org/officeDocument/2006/relationships" xmlns:p="http://schemas.openxmlformats.org/presentationml/2006/main">
   <p:cSld>
     <p:spTree>
@@ -7928,7 +6656,7 @@
 </p:sld>
 </file>
 
-<file path=ppt/slides/slide17.xml><?xml version="1.0" encoding="utf-8"?>
+<file path=ppt/slides/slide15.xml><?xml version="1.0" encoding="utf-8"?>
 <p:sld xmlns:a="http://schemas.openxmlformats.org/drawingml/2006/main" xmlns:r="http://schemas.openxmlformats.org/officeDocument/2006/relationships" xmlns:p="http://schemas.openxmlformats.org/presentationml/2006/main">
   <p:cSld>
     <p:spTree>
@@ -8159,7 +6887,7 @@
 </p:sld>
 </file>
 
-<file path=ppt/slides/slide18.xml><?xml version="1.0" encoding="utf-8"?>
+<file path=ppt/slides/slide16.xml><?xml version="1.0" encoding="utf-8"?>
 <p:sld xmlns:a="http://schemas.openxmlformats.org/drawingml/2006/main" xmlns:r="http://schemas.openxmlformats.org/officeDocument/2006/relationships" xmlns:p="http://schemas.openxmlformats.org/presentationml/2006/main">
   <p:cSld>
     <p:spTree>
@@ -9029,7 +7757,7 @@
 </p:sld>
 </file>
 
-<file path=ppt/slides/slide19.xml><?xml version="1.0" encoding="utf-8"?>
+<file path=ppt/slides/slide17.xml><?xml version="1.0" encoding="utf-8"?>
 <p:sld xmlns:a="http://schemas.openxmlformats.org/drawingml/2006/main" xmlns:r="http://schemas.openxmlformats.org/officeDocument/2006/relationships" xmlns:p="http://schemas.openxmlformats.org/presentationml/2006/main">
   <p:cSld>
     <p:spTree>
@@ -10320,166 +9048,7 @@
 </p:sld>
 </file>
 
-<file path=ppt/slides/slide2.xml><?xml version="1.0" encoding="utf-8"?>
-<p:sld xmlns:a="http://schemas.openxmlformats.org/drawingml/2006/main" xmlns:r="http://schemas.openxmlformats.org/officeDocument/2006/relationships" xmlns:p="http://schemas.openxmlformats.org/presentationml/2006/main">
-  <p:cSld>
-    <p:spTree>
-      <p:nvGrpSpPr>
-        <p:cNvPr id="1" name=""/>
-        <p:cNvGrpSpPr/>
-        <p:nvPr/>
-      </p:nvGrpSpPr>
-      <p:grpSpPr>
-        <a:xfrm>
-          <a:off x="0" y="0"/>
-          <a:ext cx="0" cy="0"/>
-          <a:chOff x="0" y="0"/>
-          <a:chExt cx="0" cy="0"/>
-        </a:xfrm>
-      </p:grpSpPr>
-      <p:sp>
-        <p:nvSpPr>
-          <p:cNvPr id="2" name="Title 1">
-            <a:extLst>
-              <a:ext uri="{FF2B5EF4-FFF2-40B4-BE49-F238E27FC236}">
-                <a16:creationId xmlns:a16="http://schemas.microsoft.com/office/drawing/2014/main" id="{FCA5AC62-A5FD-2A5B-018F-859A378AA1D4}"/>
-              </a:ext>
-            </a:extLst>
-          </p:cNvPr>
-          <p:cNvSpPr>
-            <a:spLocks noGrp="1"/>
-          </p:cNvSpPr>
-          <p:nvPr>
-            <p:ph type="title"/>
-          </p:nvPr>
-        </p:nvSpPr>
-        <p:spPr/>
-        <p:txBody>
-          <a:bodyPr/>
-          <a:lstStyle/>
-          <a:p>
-            <a:r>
-              <a:rPr lang="en-US" dirty="0">
-                <a:solidFill>
-                  <a:srgbClr val="C00000"/>
-                </a:solidFill>
-              </a:rPr>
-              <a:t>Present and Future</a:t>
-            </a:r>
-          </a:p>
-        </p:txBody>
-      </p:sp>
-      <p:sp>
-        <p:nvSpPr>
-          <p:cNvPr id="3" name="Content Placeholder 2">
-            <a:extLst>
-              <a:ext uri="{FF2B5EF4-FFF2-40B4-BE49-F238E27FC236}">
-                <a16:creationId xmlns:a16="http://schemas.microsoft.com/office/drawing/2014/main" id="{76F2126B-4AA6-302B-7E5A-170FFAAB8BD1}"/>
-              </a:ext>
-            </a:extLst>
-          </p:cNvPr>
-          <p:cNvSpPr>
-            <a:spLocks noGrp="1"/>
-          </p:cNvSpPr>
-          <p:nvPr>
-            <p:ph idx="1"/>
-          </p:nvPr>
-        </p:nvSpPr>
-        <p:spPr/>
-        <p:txBody>
-          <a:bodyPr>
-            <a:normAutofit/>
-          </a:bodyPr>
-          <a:lstStyle/>
-          <a:p>
-            <a:pPr>
-              <a:buClr>
-                <a:schemeClr val="tx1"/>
-              </a:buClr>
-            </a:pPr>
-            <a:r>
-              <a:rPr lang="en-US" dirty="0">
-                <a:solidFill>
-                  <a:srgbClr val="00B050"/>
-                </a:solidFill>
-              </a:rPr>
-              <a:t>Wednesday</a:t>
-            </a:r>
-            <a:r>
-              <a:rPr lang="en-US" dirty="0"/>
-              <a:t>: Discuss potential project groups</a:t>
-            </a:r>
-          </a:p>
-          <a:p>
-            <a:pPr>
-              <a:buClr>
-                <a:schemeClr val="tx1"/>
-              </a:buClr>
-            </a:pPr>
-            <a:r>
-              <a:rPr lang="en-US" dirty="0">
-                <a:solidFill>
-                  <a:srgbClr val="00B050"/>
-                </a:solidFill>
-              </a:rPr>
-              <a:t>Friday</a:t>
-            </a:r>
-            <a:r>
-              <a:rPr lang="en-US" dirty="0"/>
-              <a:t>: Email me the members/group name</a:t>
-            </a:r>
-          </a:p>
-          <a:p>
-            <a:pPr>
-              <a:buClr>
-                <a:schemeClr val="tx1"/>
-              </a:buClr>
-            </a:pPr>
-            <a:endParaRPr lang="en-US" dirty="0"/>
-          </a:p>
-          <a:p>
-            <a:pPr>
-              <a:buClr>
-                <a:schemeClr val="tx1"/>
-              </a:buClr>
-            </a:pPr>
-            <a:endParaRPr lang="en-US" dirty="0"/>
-          </a:p>
-          <a:p>
-            <a:pPr>
-              <a:buClr>
-                <a:schemeClr val="tx1"/>
-              </a:buClr>
-            </a:pPr>
-            <a:r>
-              <a:rPr lang="en-US" dirty="0">
-                <a:solidFill>
-                  <a:srgbClr val="00B050"/>
-                </a:solidFill>
-              </a:rPr>
-              <a:t>Future</a:t>
-            </a:r>
-            <a:r>
-              <a:rPr lang="en-US" dirty="0"/>
-              <a:t>: Set up meetings to discuss proposed projects</a:t>
-            </a:r>
-          </a:p>
-        </p:txBody>
-      </p:sp>
-    </p:spTree>
-    <p:extLst>
-      <p:ext uri="{BB962C8B-B14F-4D97-AF65-F5344CB8AC3E}">
-        <p14:creationId xmlns:p14="http://schemas.microsoft.com/office/powerpoint/2010/main" val="985833114"/>
-      </p:ext>
-    </p:extLst>
-  </p:cSld>
-  <p:clrMapOvr>
-    <a:masterClrMapping/>
-  </p:clrMapOvr>
-</p:sld>
-</file>
-
-<file path=ppt/slides/slide20.xml><?xml version="1.0" encoding="utf-8"?>
+<file path=ppt/slides/slide18.xml><?xml version="1.0" encoding="utf-8"?>
 <p:sld xmlns:a="http://schemas.openxmlformats.org/drawingml/2006/main" xmlns:r="http://schemas.openxmlformats.org/officeDocument/2006/relationships" xmlns:p="http://schemas.openxmlformats.org/presentationml/2006/main">
   <p:cSld>
     <p:spTree>
@@ -11333,7 +9902,7 @@
 </p:sld>
 </file>
 
-<file path=ppt/slides/slide21.xml><?xml version="1.0" encoding="utf-8"?>
+<file path=ppt/slides/slide19.xml><?xml version="1.0" encoding="utf-8"?>
 <p:sld xmlns:a="http://schemas.openxmlformats.org/drawingml/2006/main" xmlns:r="http://schemas.openxmlformats.org/officeDocument/2006/relationships" xmlns:p="http://schemas.openxmlformats.org/presentationml/2006/main">
   <p:cSld>
     <p:spTree>
@@ -11943,7 +10512,166 @@
 </p:sld>
 </file>
 
-<file path=ppt/slides/slide22.xml><?xml version="1.0" encoding="utf-8"?>
+<file path=ppt/slides/slide2.xml><?xml version="1.0" encoding="utf-8"?>
+<p:sld xmlns:a="http://schemas.openxmlformats.org/drawingml/2006/main" xmlns:r="http://schemas.openxmlformats.org/officeDocument/2006/relationships" xmlns:p="http://schemas.openxmlformats.org/presentationml/2006/main">
+  <p:cSld>
+    <p:spTree>
+      <p:nvGrpSpPr>
+        <p:cNvPr id="1" name=""/>
+        <p:cNvGrpSpPr/>
+        <p:nvPr/>
+      </p:nvGrpSpPr>
+      <p:grpSpPr>
+        <a:xfrm>
+          <a:off x="0" y="0"/>
+          <a:ext cx="0" cy="0"/>
+          <a:chOff x="0" y="0"/>
+          <a:chExt cx="0" cy="0"/>
+        </a:xfrm>
+      </p:grpSpPr>
+      <p:sp>
+        <p:nvSpPr>
+          <p:cNvPr id="2" name="Title 1">
+            <a:extLst>
+              <a:ext uri="{FF2B5EF4-FFF2-40B4-BE49-F238E27FC236}">
+                <a16:creationId xmlns:a16="http://schemas.microsoft.com/office/drawing/2014/main" id="{FCA5AC62-A5FD-2A5B-018F-859A378AA1D4}"/>
+              </a:ext>
+            </a:extLst>
+          </p:cNvPr>
+          <p:cNvSpPr>
+            <a:spLocks noGrp="1"/>
+          </p:cNvSpPr>
+          <p:nvPr>
+            <p:ph type="title"/>
+          </p:nvPr>
+        </p:nvSpPr>
+        <p:spPr/>
+        <p:txBody>
+          <a:bodyPr/>
+          <a:lstStyle/>
+          <a:p>
+            <a:r>
+              <a:rPr lang="en-US" dirty="0">
+                <a:solidFill>
+                  <a:srgbClr val="C00000"/>
+                </a:solidFill>
+              </a:rPr>
+              <a:t>Present and Future</a:t>
+            </a:r>
+          </a:p>
+        </p:txBody>
+      </p:sp>
+      <p:sp>
+        <p:nvSpPr>
+          <p:cNvPr id="3" name="Content Placeholder 2">
+            <a:extLst>
+              <a:ext uri="{FF2B5EF4-FFF2-40B4-BE49-F238E27FC236}">
+                <a16:creationId xmlns:a16="http://schemas.microsoft.com/office/drawing/2014/main" id="{76F2126B-4AA6-302B-7E5A-170FFAAB8BD1}"/>
+              </a:ext>
+            </a:extLst>
+          </p:cNvPr>
+          <p:cNvSpPr>
+            <a:spLocks noGrp="1"/>
+          </p:cNvSpPr>
+          <p:nvPr>
+            <p:ph idx="1"/>
+          </p:nvPr>
+        </p:nvSpPr>
+        <p:spPr/>
+        <p:txBody>
+          <a:bodyPr>
+            <a:normAutofit/>
+          </a:bodyPr>
+          <a:lstStyle/>
+          <a:p>
+            <a:pPr>
+              <a:buClr>
+                <a:schemeClr val="tx1"/>
+              </a:buClr>
+            </a:pPr>
+            <a:r>
+              <a:rPr lang="en-US" dirty="0">
+                <a:solidFill>
+                  <a:srgbClr val="00B050"/>
+                </a:solidFill>
+              </a:rPr>
+              <a:t>Today</a:t>
+            </a:r>
+            <a:r>
+              <a:rPr lang="en-US" dirty="0"/>
+              <a:t>: Discuss potential project groups</a:t>
+            </a:r>
+          </a:p>
+          <a:p>
+            <a:pPr>
+              <a:buClr>
+                <a:schemeClr val="tx1"/>
+              </a:buClr>
+            </a:pPr>
+            <a:r>
+              <a:rPr lang="en-US" dirty="0">
+                <a:solidFill>
+                  <a:srgbClr val="00B050"/>
+                </a:solidFill>
+              </a:rPr>
+              <a:t>Friday</a:t>
+            </a:r>
+            <a:r>
+              <a:rPr lang="en-US" dirty="0"/>
+              <a:t>: Email me the members/group name</a:t>
+            </a:r>
+          </a:p>
+          <a:p>
+            <a:pPr>
+              <a:buClr>
+                <a:schemeClr val="tx1"/>
+              </a:buClr>
+            </a:pPr>
+            <a:endParaRPr lang="en-US" dirty="0"/>
+          </a:p>
+          <a:p>
+            <a:pPr>
+              <a:buClr>
+                <a:schemeClr val="tx1"/>
+              </a:buClr>
+            </a:pPr>
+            <a:endParaRPr lang="en-US" dirty="0"/>
+          </a:p>
+          <a:p>
+            <a:pPr>
+              <a:buClr>
+                <a:schemeClr val="tx1"/>
+              </a:buClr>
+            </a:pPr>
+            <a:r>
+              <a:rPr lang="en-US" dirty="0">
+                <a:solidFill>
+                  <a:srgbClr val="00B050"/>
+                </a:solidFill>
+              </a:rPr>
+              <a:t>Future</a:t>
+            </a:r>
+            <a:r>
+              <a:rPr lang="en-US" dirty="0"/>
+              <a:t>: Set up meetings to discuss proposed projects</a:t>
+            </a:r>
+          </a:p>
+        </p:txBody>
+      </p:sp>
+    </p:spTree>
+    <p:extLst>
+      <p:ext uri="{BB962C8B-B14F-4D97-AF65-F5344CB8AC3E}">
+        <p14:creationId xmlns:p14="http://schemas.microsoft.com/office/powerpoint/2010/main" val="985833114"/>
+      </p:ext>
+    </p:extLst>
+  </p:cSld>
+  <p:clrMapOvr>
+    <a:masterClrMapping/>
+  </p:clrMapOvr>
+</p:sld>
+</file>
+
+<file path=ppt/slides/slide20.xml><?xml version="1.0" encoding="utf-8"?>
 <p:sld xmlns:a="http://schemas.openxmlformats.org/drawingml/2006/main" xmlns:r="http://schemas.openxmlformats.org/officeDocument/2006/relationships" xmlns:p="http://schemas.openxmlformats.org/presentationml/2006/main">
   <p:cSld>
     <p:spTree>
@@ -12739,7 +11467,7 @@
 </p:sld>
 </file>
 
-<file path=ppt/slides/slide23.xml><?xml version="1.0" encoding="utf-8"?>
+<file path=ppt/slides/slide21.xml><?xml version="1.0" encoding="utf-8"?>
 <p:sld xmlns:a="http://schemas.openxmlformats.org/drawingml/2006/main" xmlns:r="http://schemas.openxmlformats.org/officeDocument/2006/relationships" xmlns:p="http://schemas.openxmlformats.org/presentationml/2006/main">
   <p:cSld>
     <p:spTree>
@@ -14174,7 +12902,7 @@
 </p:sld>
 </file>
 
-<file path=ppt/slides/slide24.xml><?xml version="1.0" encoding="utf-8"?>
+<file path=ppt/slides/slide22.xml><?xml version="1.0" encoding="utf-8"?>
 <p:sld xmlns:a="http://schemas.openxmlformats.org/drawingml/2006/main" xmlns:r="http://schemas.openxmlformats.org/officeDocument/2006/relationships" xmlns:p="http://schemas.openxmlformats.org/presentationml/2006/main">
   <p:cSld>
     <p:spTree>
@@ -14564,7 +13292,7 @@
 </p:sld>
 </file>
 
-<file path=ppt/slides/slide25.xml><?xml version="1.0" encoding="utf-8"?>
+<file path=ppt/slides/slide23.xml><?xml version="1.0" encoding="utf-8"?>
 <p:sld xmlns:a="http://schemas.openxmlformats.org/drawingml/2006/main" xmlns:r="http://schemas.openxmlformats.org/officeDocument/2006/relationships" xmlns:p="http://schemas.openxmlformats.org/presentationml/2006/main">
   <p:cSld>
     <p:spTree>
@@ -14913,7 +13641,7 @@
 </p:sld>
 </file>
 
-<file path=ppt/slides/slide26.xml><?xml version="1.0" encoding="utf-8"?>
+<file path=ppt/slides/slide24.xml><?xml version="1.0" encoding="utf-8"?>
 <p:sld xmlns:a="http://schemas.openxmlformats.org/drawingml/2006/main" xmlns:r="http://schemas.openxmlformats.org/officeDocument/2006/relationships" xmlns:p="http://schemas.openxmlformats.org/presentationml/2006/main">
   <p:cSld>
     <p:spTree>
@@ -15410,7 +14138,7 @@
 </p:sld>
 </file>
 
-<file path=ppt/slides/slide27.xml><?xml version="1.0" encoding="utf-8"?>
+<file path=ppt/slides/slide25.xml><?xml version="1.0" encoding="utf-8"?>
 <p:sld xmlns:a="http://schemas.openxmlformats.org/drawingml/2006/main" xmlns:r="http://schemas.openxmlformats.org/officeDocument/2006/relationships" xmlns:p="http://schemas.openxmlformats.org/presentationml/2006/main">
   <p:cSld>
     <p:spTree>
@@ -16214,7 +14942,7 @@
 </p:sld>
 </file>
 
-<file path=ppt/slides/slide28.xml><?xml version="1.0" encoding="utf-8"?>
+<file path=ppt/slides/slide26.xml><?xml version="1.0" encoding="utf-8"?>
 <p:sld xmlns:a="http://schemas.openxmlformats.org/drawingml/2006/main" xmlns:r="http://schemas.openxmlformats.org/officeDocument/2006/relationships" xmlns:p="http://schemas.openxmlformats.org/presentationml/2006/main">
   <p:cSld>
     <p:spTree>
@@ -16313,6 +15041,1278 @@
     <p:extLst>
       <p:ext uri="{BB962C8B-B14F-4D97-AF65-F5344CB8AC3E}">
         <p14:creationId xmlns:p14="http://schemas.microsoft.com/office/powerpoint/2010/main" val="727119103"/>
+      </p:ext>
+    </p:extLst>
+  </p:cSld>
+  <p:clrMapOvr>
+    <a:masterClrMapping/>
+  </p:clrMapOvr>
+</p:sld>
+</file>
+
+<file path=ppt/slides/slide27.xml><?xml version="1.0" encoding="utf-8"?>
+<p:sld xmlns:a="http://schemas.openxmlformats.org/drawingml/2006/main" xmlns:r="http://schemas.openxmlformats.org/officeDocument/2006/relationships" xmlns:p="http://schemas.openxmlformats.org/presentationml/2006/main">
+  <p:cSld>
+    <p:spTree>
+      <p:nvGrpSpPr>
+        <p:cNvPr id="1" name=""/>
+        <p:cNvGrpSpPr/>
+        <p:nvPr/>
+      </p:nvGrpSpPr>
+      <p:grpSpPr>
+        <a:xfrm>
+          <a:off x="0" y="0"/>
+          <a:ext cx="0" cy="0"/>
+          <a:chOff x="0" y="0"/>
+          <a:chExt cx="0" cy="0"/>
+        </a:xfrm>
+      </p:grpSpPr>
+      <p:sp>
+        <p:nvSpPr>
+          <p:cNvPr id="2" name="Title 1">
+            <a:extLst>
+              <a:ext uri="{FF2B5EF4-FFF2-40B4-BE49-F238E27FC236}">
+                <a16:creationId xmlns:a16="http://schemas.microsoft.com/office/drawing/2014/main" id="{FCA5AC62-A5FD-2A5B-018F-859A378AA1D4}"/>
+              </a:ext>
+            </a:extLst>
+          </p:cNvPr>
+          <p:cNvSpPr>
+            <a:spLocks noGrp="1"/>
+          </p:cNvSpPr>
+          <p:nvPr>
+            <p:ph type="title"/>
+          </p:nvPr>
+        </p:nvSpPr>
+        <p:spPr/>
+        <p:txBody>
+          <a:bodyPr/>
+          <a:lstStyle/>
+          <a:p>
+            <a:r>
+              <a:rPr lang="en-US" dirty="0">
+                <a:solidFill>
+                  <a:srgbClr val="C00000"/>
+                </a:solidFill>
+              </a:rPr>
+              <a:t>Trivia Question #3 (Max Load)</a:t>
+            </a:r>
+          </a:p>
+        </p:txBody>
+      </p:sp>
+      <mc:AlternateContent xmlns:mc="http://schemas.openxmlformats.org/markup-compatibility/2006" xmlns:a14="http://schemas.microsoft.com/office/drawing/2010/main">
+        <mc:Choice Requires="a14">
+          <p:sp>
+            <p:nvSpPr>
+              <p:cNvPr id="3" name="Content Placeholder 2">
+                <a:extLst>
+                  <a:ext uri="{FF2B5EF4-FFF2-40B4-BE49-F238E27FC236}">
+                    <a16:creationId xmlns:a16="http://schemas.microsoft.com/office/drawing/2014/main" id="{76F2126B-4AA6-302B-7E5A-170FFAAB8BD1}"/>
+                  </a:ext>
+                </a:extLst>
+              </p:cNvPr>
+              <p:cNvSpPr>
+                <a:spLocks noGrp="1"/>
+              </p:cNvSpPr>
+              <p:nvPr>
+                <p:ph idx="1"/>
+              </p:nvPr>
+            </p:nvSpPr>
+            <p:spPr/>
+            <p:txBody>
+              <a:bodyPr/>
+              <a:lstStyle/>
+              <a:p>
+                <a:pPr>
+                  <a:buClr>
+                    <a:schemeClr val="tx1"/>
+                  </a:buClr>
+                </a:pPr>
+                <a:r>
+                  <a:rPr lang="en-US" dirty="0"/>
+                  <a:t>Suppose we have a fair </a:t>
+                </a:r>
+                <a14:m>
+                  <m:oMath xmlns:m="http://schemas.openxmlformats.org/officeDocument/2006/math">
+                    <m:r>
+                      <a:rPr lang="en-US" b="0" i="1" dirty="0" smtClean="0">
+                        <a:solidFill>
+                          <a:srgbClr val="C00000"/>
+                        </a:solidFill>
+                        <a:latin typeface="Cambria Math" panose="02040503050406030204" pitchFamily="18" charset="0"/>
+                      </a:rPr>
+                      <m:t>𝑛</m:t>
+                    </m:r>
+                  </m:oMath>
+                </a14:m>
+                <a:r>
+                  <a:rPr lang="en-US" dirty="0"/>
+                  <a:t>-sided die that we roll </a:t>
+                </a:r>
+                <a14:m>
+                  <m:oMath xmlns:m="http://schemas.openxmlformats.org/officeDocument/2006/math">
+                    <m:r>
+                      <a:rPr lang="en-US" i="1" dirty="0">
+                        <a:solidFill>
+                          <a:srgbClr val="C00000"/>
+                        </a:solidFill>
+                        <a:latin typeface="Cambria Math" panose="02040503050406030204" pitchFamily="18" charset="0"/>
+                      </a:rPr>
+                      <m:t>𝑛</m:t>
+                    </m:r>
+                  </m:oMath>
+                </a14:m>
+                <a:r>
+                  <a:rPr lang="en-US" dirty="0"/>
+                  <a:t> times. “On average”, what is the largest number of times any outcome is rolled? Example: </a:t>
+                </a:r>
+                <a14:m>
+                  <m:oMath xmlns:m="http://schemas.openxmlformats.org/officeDocument/2006/math">
+                    <m:r>
+                      <a:rPr lang="en-US" b="0" i="1" dirty="0" smtClean="0">
+                        <a:solidFill>
+                          <a:srgbClr val="0070C0"/>
+                        </a:solidFill>
+                        <a:latin typeface="Cambria Math" panose="02040503050406030204" pitchFamily="18" charset="0"/>
+                      </a:rPr>
+                      <m:t>1</m:t>
+                    </m:r>
+                  </m:oMath>
+                </a14:m>
+                <a:r>
+                  <a:rPr lang="en-US" dirty="0"/>
+                  <a:t>, </a:t>
+                </a:r>
+                <a14:m>
+                  <m:oMath xmlns:m="http://schemas.openxmlformats.org/officeDocument/2006/math">
+                    <m:r>
+                      <a:rPr lang="en-US" b="0" i="1" dirty="0" smtClean="0">
+                        <a:solidFill>
+                          <a:srgbClr val="C00000"/>
+                        </a:solidFill>
+                        <a:latin typeface="Cambria Math" panose="02040503050406030204" pitchFamily="18" charset="0"/>
+                      </a:rPr>
+                      <m:t>5</m:t>
+                    </m:r>
+                  </m:oMath>
+                </a14:m>
+                <a:r>
+                  <a:rPr lang="en-US" dirty="0"/>
+                  <a:t>, </a:t>
+                </a:r>
+                <a14:m>
+                  <m:oMath xmlns:m="http://schemas.openxmlformats.org/officeDocument/2006/math">
+                    <m:r>
+                      <a:rPr lang="en-US" b="0" i="1" dirty="0" smtClean="0">
+                        <a:solidFill>
+                          <a:srgbClr val="C00000"/>
+                        </a:solidFill>
+                        <a:latin typeface="Cambria Math" panose="02040503050406030204" pitchFamily="18" charset="0"/>
+                      </a:rPr>
+                      <m:t>2</m:t>
+                    </m:r>
+                  </m:oMath>
+                </a14:m>
+                <a:r>
+                  <a:rPr lang="en-US" dirty="0"/>
+                  <a:t>, </a:t>
+                </a:r>
+                <a14:m>
+                  <m:oMath xmlns:m="http://schemas.openxmlformats.org/officeDocument/2006/math">
+                    <m:r>
+                      <a:rPr lang="en-US" b="0" i="1" dirty="0" smtClean="0">
+                        <a:solidFill>
+                          <a:srgbClr val="C00000"/>
+                        </a:solidFill>
+                        <a:latin typeface="Cambria Math" panose="02040503050406030204" pitchFamily="18" charset="0"/>
+                      </a:rPr>
+                      <m:t>4</m:t>
+                    </m:r>
+                  </m:oMath>
+                </a14:m>
+                <a:r>
+                  <a:rPr lang="en-US" dirty="0"/>
+                  <a:t>,</a:t>
+                </a:r>
+                <a:r>
+                  <a:rPr lang="en-US" dirty="0">
+                    <a:solidFill>
+                      <a:srgbClr val="C00000"/>
+                    </a:solidFill>
+                  </a:rPr>
+                  <a:t> </a:t>
+                </a:r>
+                <a14:m>
+                  <m:oMath xmlns:m="http://schemas.openxmlformats.org/officeDocument/2006/math">
+                    <m:r>
+                      <a:rPr lang="en-US" b="0" i="1" smtClean="0">
+                        <a:solidFill>
+                          <a:srgbClr val="0070C0"/>
+                        </a:solidFill>
+                        <a:latin typeface="Cambria Math" panose="02040503050406030204" pitchFamily="18" charset="0"/>
+                      </a:rPr>
+                      <m:t>1</m:t>
+                    </m:r>
+                  </m:oMath>
+                </a14:m>
+                <a:r>
+                  <a:rPr lang="en-US" dirty="0"/>
+                  <a:t>, </a:t>
+                </a:r>
+                <a14:m>
+                  <m:oMath xmlns:m="http://schemas.openxmlformats.org/officeDocument/2006/math">
+                    <m:r>
+                      <a:rPr lang="en-US" b="0" i="1" dirty="0" smtClean="0">
+                        <a:solidFill>
+                          <a:srgbClr val="C00000"/>
+                        </a:solidFill>
+                        <a:latin typeface="Cambria Math" panose="02040503050406030204" pitchFamily="18" charset="0"/>
+                      </a:rPr>
+                      <m:t>3</m:t>
+                    </m:r>
+                  </m:oMath>
+                </a14:m>
+                <a:r>
+                  <a:rPr lang="en-US" dirty="0"/>
+                  <a:t>, </a:t>
+                </a:r>
+                <a14:m>
+                  <m:oMath xmlns:m="http://schemas.openxmlformats.org/officeDocument/2006/math">
+                    <m:r>
+                      <a:rPr lang="en-US" b="0" i="1" dirty="0" smtClean="0">
+                        <a:solidFill>
+                          <a:srgbClr val="0070C0"/>
+                        </a:solidFill>
+                        <a:latin typeface="Cambria Math" panose="02040503050406030204" pitchFamily="18" charset="0"/>
+                      </a:rPr>
+                      <m:t>1</m:t>
+                    </m:r>
+                  </m:oMath>
+                </a14:m>
+                <a:r>
+                  <a:rPr lang="en-US" dirty="0">
+                    <a:solidFill>
+                      <a:srgbClr val="C00000"/>
+                    </a:solidFill>
+                  </a:rPr>
+                  <a:t> </a:t>
+                </a:r>
+                <a:r>
+                  <a:rPr lang="en-US" dirty="0"/>
+                  <a:t>for</a:t>
+                </a:r>
+                <a:r>
+                  <a:rPr lang="en-US" dirty="0">
+                    <a:solidFill>
+                      <a:srgbClr val="C00000"/>
+                    </a:solidFill>
+                  </a:rPr>
+                  <a:t> </a:t>
+                </a:r>
+                <a14:m>
+                  <m:oMath xmlns:m="http://schemas.openxmlformats.org/officeDocument/2006/math">
+                    <m:r>
+                      <a:rPr lang="en-US" i="1" dirty="0">
+                        <a:solidFill>
+                          <a:srgbClr val="C00000"/>
+                        </a:solidFill>
+                        <a:latin typeface="Cambria Math" panose="02040503050406030204" pitchFamily="18" charset="0"/>
+                      </a:rPr>
+                      <m:t>𝑛</m:t>
+                    </m:r>
+                    <m:r>
+                      <a:rPr lang="en-US" b="0" i="0" dirty="0" smtClean="0">
+                        <a:solidFill>
+                          <a:srgbClr val="C00000"/>
+                        </a:solidFill>
+                        <a:latin typeface="Cambria Math" panose="02040503050406030204" pitchFamily="18" charset="0"/>
+                      </a:rPr>
+                      <m:t>=7</m:t>
+                    </m:r>
+                  </m:oMath>
+                </a14:m>
+                <a:endParaRPr lang="en-US" dirty="0">
+                  <a:solidFill>
+                    <a:srgbClr val="C00000"/>
+                  </a:solidFill>
+                </a:endParaRPr>
+              </a:p>
+              <a:p>
+                <a:pPr>
+                  <a:buClr>
+                    <a:schemeClr val="tx1"/>
+                  </a:buClr>
+                </a:pPr>
+                <a:endParaRPr lang="en-US" dirty="0"/>
+              </a:p>
+              <a:p>
+                <a:pPr>
+                  <a:buClr>
+                    <a:schemeClr val="tx1"/>
+                  </a:buClr>
+                </a:pPr>
+                <a14:m>
+                  <m:oMath xmlns:m="http://schemas.openxmlformats.org/officeDocument/2006/math">
+                    <m:r>
+                      <m:rPr>
+                        <m:sty m:val="p"/>
+                      </m:rPr>
+                      <a:rPr lang="en-US" dirty="0">
+                        <a:solidFill>
+                          <a:srgbClr val="C00000"/>
+                        </a:solidFill>
+                        <a:latin typeface="Cambria Math" panose="02040503050406030204" pitchFamily="18" charset="0"/>
+                      </a:rPr>
+                      <m:t>Θ</m:t>
+                    </m:r>
+                    <m:r>
+                      <a:rPr lang="en-US" i="1" dirty="0">
+                        <a:solidFill>
+                          <a:srgbClr val="C00000"/>
+                        </a:solidFill>
+                        <a:latin typeface="Cambria Math" panose="02040503050406030204" pitchFamily="18" charset="0"/>
+                      </a:rPr>
+                      <m:t>(1)</m:t>
+                    </m:r>
+                  </m:oMath>
+                </a14:m>
+                <a:endParaRPr lang="en-US" dirty="0"/>
+              </a:p>
+              <a:p>
+                <a:pPr>
+                  <a:buClr>
+                    <a:schemeClr val="tx1"/>
+                  </a:buClr>
+                </a:pPr>
+                <a14:m>
+                  <m:oMath xmlns:m="http://schemas.openxmlformats.org/officeDocument/2006/math">
+                    <m:acc>
+                      <m:accPr>
+                        <m:chr m:val="̃"/>
+                        <m:ctrlPr>
+                          <a:rPr lang="en-US" b="0" i="1" dirty="0" smtClean="0">
+                            <a:solidFill>
+                              <a:srgbClr val="C00000"/>
+                            </a:solidFill>
+                            <a:latin typeface="Cambria Math" panose="02040503050406030204" pitchFamily="18" charset="0"/>
+                          </a:rPr>
+                        </m:ctrlPr>
+                      </m:accPr>
+                      <m:e>
+                        <m:r>
+                          <m:rPr>
+                            <m:sty m:val="p"/>
+                          </m:rPr>
+                          <a:rPr lang="en-US" dirty="0">
+                            <a:solidFill>
+                              <a:srgbClr val="C00000"/>
+                            </a:solidFill>
+                            <a:latin typeface="Cambria Math" panose="02040503050406030204" pitchFamily="18" charset="0"/>
+                          </a:rPr>
+                          <m:t>Θ</m:t>
+                        </m:r>
+                      </m:e>
+                    </m:acc>
+                    <m:r>
+                      <a:rPr lang="en-US" i="1" dirty="0">
+                        <a:solidFill>
+                          <a:srgbClr val="C00000"/>
+                        </a:solidFill>
+                        <a:latin typeface="Cambria Math" panose="02040503050406030204" pitchFamily="18" charset="0"/>
+                      </a:rPr>
+                      <m:t>(</m:t>
+                    </m:r>
+                    <m:func>
+                      <m:funcPr>
+                        <m:ctrlPr>
+                          <a:rPr lang="en-US" i="1" dirty="0">
+                            <a:solidFill>
+                              <a:srgbClr val="C00000"/>
+                            </a:solidFill>
+                            <a:latin typeface="Cambria Math" panose="02040503050406030204" pitchFamily="18" charset="0"/>
+                          </a:rPr>
+                        </m:ctrlPr>
+                      </m:funcPr>
+                      <m:fName>
+                        <m:r>
+                          <m:rPr>
+                            <m:sty m:val="p"/>
+                          </m:rPr>
+                          <a:rPr lang="en-US" dirty="0">
+                            <a:solidFill>
+                              <a:srgbClr val="C00000"/>
+                            </a:solidFill>
+                            <a:latin typeface="Cambria Math" panose="02040503050406030204" pitchFamily="18" charset="0"/>
+                          </a:rPr>
+                          <m:t>log</m:t>
+                        </m:r>
+                      </m:fName>
+                      <m:e>
+                        <m:r>
+                          <a:rPr lang="en-US" i="1" dirty="0">
+                            <a:solidFill>
+                              <a:srgbClr val="C00000"/>
+                            </a:solidFill>
+                            <a:latin typeface="Cambria Math" panose="02040503050406030204" pitchFamily="18" charset="0"/>
+                          </a:rPr>
+                          <m:t>𝑛</m:t>
+                        </m:r>
+                      </m:e>
+                    </m:func>
+                    <m:r>
+                      <a:rPr lang="en-US" i="1" dirty="0">
+                        <a:solidFill>
+                          <a:srgbClr val="C00000"/>
+                        </a:solidFill>
+                        <a:latin typeface="Cambria Math" panose="02040503050406030204" pitchFamily="18" charset="0"/>
+                      </a:rPr>
+                      <m:t>)</m:t>
+                    </m:r>
+                  </m:oMath>
+                </a14:m>
+                <a:endParaRPr lang="en-US" i="1" dirty="0">
+                  <a:solidFill>
+                    <a:srgbClr val="C00000"/>
+                  </a:solidFill>
+                  <a:latin typeface="Cambria Math" panose="02040503050406030204" pitchFamily="18" charset="0"/>
+                </a:endParaRPr>
+              </a:p>
+              <a:p>
+                <a:pPr>
+                  <a:buClr>
+                    <a:schemeClr val="tx1"/>
+                  </a:buClr>
+                </a:pPr>
+                <a14:m>
+                  <m:oMath xmlns:m="http://schemas.openxmlformats.org/officeDocument/2006/math">
+                    <m:acc>
+                      <m:accPr>
+                        <m:chr m:val="̃"/>
+                        <m:ctrlPr>
+                          <a:rPr lang="en-US" i="1" dirty="0">
+                            <a:solidFill>
+                              <a:srgbClr val="C00000"/>
+                            </a:solidFill>
+                            <a:latin typeface="Cambria Math" panose="02040503050406030204" pitchFamily="18" charset="0"/>
+                          </a:rPr>
+                        </m:ctrlPr>
+                      </m:accPr>
+                      <m:e>
+                        <m:r>
+                          <m:rPr>
+                            <m:sty m:val="p"/>
+                          </m:rPr>
+                          <a:rPr lang="en-US" dirty="0">
+                            <a:solidFill>
+                              <a:srgbClr val="C00000"/>
+                            </a:solidFill>
+                            <a:latin typeface="Cambria Math" panose="02040503050406030204" pitchFamily="18" charset="0"/>
+                          </a:rPr>
+                          <m:t>Θ</m:t>
+                        </m:r>
+                      </m:e>
+                    </m:acc>
+                    <m:r>
+                      <a:rPr lang="en-US" i="1" dirty="0">
+                        <a:solidFill>
+                          <a:srgbClr val="C00000"/>
+                        </a:solidFill>
+                        <a:latin typeface="Cambria Math" panose="02040503050406030204" pitchFamily="18" charset="0"/>
+                      </a:rPr>
+                      <m:t>(</m:t>
+                    </m:r>
+                    <m:rad>
+                      <m:radPr>
+                        <m:degHide m:val="on"/>
+                        <m:ctrlPr>
+                          <a:rPr lang="en-US" i="1" dirty="0">
+                            <a:solidFill>
+                              <a:srgbClr val="C00000"/>
+                            </a:solidFill>
+                            <a:latin typeface="Cambria Math" panose="02040503050406030204" pitchFamily="18" charset="0"/>
+                          </a:rPr>
+                        </m:ctrlPr>
+                      </m:radPr>
+                      <m:deg/>
+                      <m:e>
+                        <m:r>
+                          <a:rPr lang="en-US" i="1" dirty="0">
+                            <a:solidFill>
+                              <a:srgbClr val="C00000"/>
+                            </a:solidFill>
+                            <a:latin typeface="Cambria Math" panose="02040503050406030204" pitchFamily="18" charset="0"/>
+                          </a:rPr>
+                          <m:t>𝑛</m:t>
+                        </m:r>
+                      </m:e>
+                    </m:rad>
+                    <m:r>
+                      <a:rPr lang="en-US" i="1" dirty="0">
+                        <a:solidFill>
+                          <a:srgbClr val="C00000"/>
+                        </a:solidFill>
+                        <a:latin typeface="Cambria Math" panose="02040503050406030204" pitchFamily="18" charset="0"/>
+                      </a:rPr>
+                      <m:t>)</m:t>
+                    </m:r>
+                  </m:oMath>
+                </a14:m>
+                <a:endParaRPr lang="en-US" i="1" dirty="0">
+                  <a:solidFill>
+                    <a:srgbClr val="C00000"/>
+                  </a:solidFill>
+                  <a:latin typeface="Cambria Math" panose="02040503050406030204" pitchFamily="18" charset="0"/>
+                </a:endParaRPr>
+              </a:p>
+              <a:p>
+                <a:pPr>
+                  <a:buClr>
+                    <a:schemeClr val="tx1"/>
+                  </a:buClr>
+                </a:pPr>
+                <a14:m>
+                  <m:oMath xmlns:m="http://schemas.openxmlformats.org/officeDocument/2006/math">
+                    <m:acc>
+                      <m:accPr>
+                        <m:chr m:val="̃"/>
+                        <m:ctrlPr>
+                          <a:rPr lang="en-US" i="1" dirty="0">
+                            <a:solidFill>
+                              <a:srgbClr val="C00000"/>
+                            </a:solidFill>
+                            <a:latin typeface="Cambria Math" panose="02040503050406030204" pitchFamily="18" charset="0"/>
+                          </a:rPr>
+                        </m:ctrlPr>
+                      </m:accPr>
+                      <m:e>
+                        <m:r>
+                          <m:rPr>
+                            <m:sty m:val="p"/>
+                          </m:rPr>
+                          <a:rPr lang="en-US" dirty="0">
+                            <a:solidFill>
+                              <a:srgbClr val="C00000"/>
+                            </a:solidFill>
+                            <a:latin typeface="Cambria Math" panose="02040503050406030204" pitchFamily="18" charset="0"/>
+                          </a:rPr>
+                          <m:t>Θ</m:t>
+                        </m:r>
+                      </m:e>
+                    </m:acc>
+                    <m:r>
+                      <a:rPr lang="en-US" i="1" dirty="0">
+                        <a:solidFill>
+                          <a:srgbClr val="C00000"/>
+                        </a:solidFill>
+                        <a:latin typeface="Cambria Math" panose="02040503050406030204" pitchFamily="18" charset="0"/>
+                      </a:rPr>
+                      <m:t>(</m:t>
+                    </m:r>
+                    <m:r>
+                      <a:rPr lang="en-US" i="1" dirty="0">
+                        <a:solidFill>
+                          <a:srgbClr val="C00000"/>
+                        </a:solidFill>
+                        <a:latin typeface="Cambria Math" panose="02040503050406030204" pitchFamily="18" charset="0"/>
+                      </a:rPr>
+                      <m:t>𝑛</m:t>
+                    </m:r>
+                    <m:r>
+                      <a:rPr lang="en-US" i="1" dirty="0">
+                        <a:solidFill>
+                          <a:srgbClr val="C00000"/>
+                        </a:solidFill>
+                        <a:latin typeface="Cambria Math" panose="02040503050406030204" pitchFamily="18" charset="0"/>
+                      </a:rPr>
+                      <m:t>)</m:t>
+                    </m:r>
+                  </m:oMath>
+                </a14:m>
+                <a:endParaRPr lang="en-US" dirty="0"/>
+              </a:p>
+            </p:txBody>
+          </p:sp>
+        </mc:Choice>
+        <mc:Fallback xmlns="">
+          <p:sp>
+            <p:nvSpPr>
+              <p:cNvPr id="3" name="Content Placeholder 2">
+                <a:extLst>
+                  <a:ext uri="{FF2B5EF4-FFF2-40B4-BE49-F238E27FC236}">
+                    <a16:creationId xmlns:a16="http://schemas.microsoft.com/office/drawing/2014/main" id="{76F2126B-4AA6-302B-7E5A-170FFAAB8BD1}"/>
+                  </a:ext>
+                </a:extLst>
+              </p:cNvPr>
+              <p:cNvSpPr>
+                <a:spLocks noGrp="1" noRot="1" noChangeAspect="1" noMove="1" noResize="1" noEditPoints="1" noAdjustHandles="1" noChangeArrowheads="1" noChangeShapeType="1" noTextEdit="1"/>
+              </p:cNvSpPr>
+              <p:nvPr>
+                <p:ph idx="1"/>
+              </p:nvPr>
+            </p:nvSpPr>
+            <p:spPr>
+              <a:blipFill>
+                <a:blip r:embed="rId2"/>
+                <a:stretch>
+                  <a:fillRect l="-1043" t="-2241" r="-1565"/>
+                </a:stretch>
+              </a:blipFill>
+            </p:spPr>
+            <p:txBody>
+              <a:bodyPr/>
+              <a:lstStyle/>
+              <a:p>
+                <a:r>
+                  <a:rPr lang="en-US">
+                    <a:noFill/>
+                  </a:rPr>
+                  <a:t> </a:t>
+                </a:r>
+              </a:p>
+            </p:txBody>
+          </p:sp>
+        </mc:Fallback>
+      </mc:AlternateContent>
+    </p:spTree>
+    <p:extLst>
+      <p:ext uri="{BB962C8B-B14F-4D97-AF65-F5344CB8AC3E}">
+        <p14:creationId xmlns:p14="http://schemas.microsoft.com/office/powerpoint/2010/main" val="725355248"/>
+      </p:ext>
+    </p:extLst>
+  </p:cSld>
+  <p:clrMapOvr>
+    <a:masterClrMapping/>
+  </p:clrMapOvr>
+</p:sld>
+</file>
+
+<file path=ppt/slides/slide28.xml><?xml version="1.0" encoding="utf-8"?>
+<p:sld xmlns:a="http://schemas.openxmlformats.org/drawingml/2006/main" xmlns:r="http://schemas.openxmlformats.org/officeDocument/2006/relationships" xmlns:p="http://schemas.openxmlformats.org/presentationml/2006/main">
+  <p:cSld>
+    <p:spTree>
+      <p:nvGrpSpPr>
+        <p:cNvPr id="1" name=""/>
+        <p:cNvGrpSpPr/>
+        <p:nvPr/>
+      </p:nvGrpSpPr>
+      <p:grpSpPr>
+        <a:xfrm>
+          <a:off x="0" y="0"/>
+          <a:ext cx="0" cy="0"/>
+          <a:chOff x="0" y="0"/>
+          <a:chExt cx="0" cy="0"/>
+        </a:xfrm>
+      </p:grpSpPr>
+      <p:sp>
+        <p:nvSpPr>
+          <p:cNvPr id="2" name="Title 1">
+            <a:extLst>
+              <a:ext uri="{FF2B5EF4-FFF2-40B4-BE49-F238E27FC236}">
+                <a16:creationId xmlns:a16="http://schemas.microsoft.com/office/drawing/2014/main" id="{FCA5AC62-A5FD-2A5B-018F-859A378AA1D4}"/>
+              </a:ext>
+            </a:extLst>
+          </p:cNvPr>
+          <p:cNvSpPr>
+            <a:spLocks noGrp="1"/>
+          </p:cNvSpPr>
+          <p:nvPr>
+            <p:ph type="title"/>
+          </p:nvPr>
+        </p:nvSpPr>
+        <p:spPr/>
+        <p:txBody>
+          <a:bodyPr/>
+          <a:lstStyle/>
+          <a:p>
+            <a:r>
+              <a:rPr lang="en-US" dirty="0">
+                <a:solidFill>
+                  <a:srgbClr val="C00000"/>
+                </a:solidFill>
+              </a:rPr>
+              <a:t>Trivia Question #4 (Coupon Collector)</a:t>
+            </a:r>
+          </a:p>
+        </p:txBody>
+      </p:sp>
+      <mc:AlternateContent xmlns:mc="http://schemas.openxmlformats.org/markup-compatibility/2006" xmlns:a14="http://schemas.microsoft.com/office/drawing/2010/main">
+        <mc:Choice Requires="a14">
+          <p:sp>
+            <p:nvSpPr>
+              <p:cNvPr id="3" name="Content Placeholder 2">
+                <a:extLst>
+                  <a:ext uri="{FF2B5EF4-FFF2-40B4-BE49-F238E27FC236}">
+                    <a16:creationId xmlns:a16="http://schemas.microsoft.com/office/drawing/2014/main" id="{76F2126B-4AA6-302B-7E5A-170FFAAB8BD1}"/>
+                  </a:ext>
+                </a:extLst>
+              </p:cNvPr>
+              <p:cNvSpPr>
+                <a:spLocks noGrp="1"/>
+              </p:cNvSpPr>
+              <p:nvPr>
+                <p:ph idx="1"/>
+              </p:nvPr>
+            </p:nvSpPr>
+            <p:spPr/>
+            <p:txBody>
+              <a:bodyPr/>
+              <a:lstStyle/>
+              <a:p>
+                <a:pPr>
+                  <a:buClr>
+                    <a:schemeClr val="tx1"/>
+                  </a:buClr>
+                </a:pPr>
+                <a:r>
+                  <a:rPr lang="en-US" dirty="0"/>
+                  <a:t>Suppose we have a fair </a:t>
+                </a:r>
+                <a14:m>
+                  <m:oMath xmlns:m="http://schemas.openxmlformats.org/officeDocument/2006/math">
+                    <m:r>
+                      <a:rPr lang="en-US" b="0" i="1" dirty="0" smtClean="0">
+                        <a:solidFill>
+                          <a:srgbClr val="C00000"/>
+                        </a:solidFill>
+                        <a:latin typeface="Cambria Math" panose="02040503050406030204" pitchFamily="18" charset="0"/>
+                      </a:rPr>
+                      <m:t>𝑛</m:t>
+                    </m:r>
+                  </m:oMath>
+                </a14:m>
+                <a:r>
+                  <a:rPr lang="en-US" dirty="0"/>
+                  <a:t>-sided die. “On average”, how many times should we roll the die before we all possible outcomes among the rolls? Example: </a:t>
+                </a:r>
+                <a14:m>
+                  <m:oMath xmlns:m="http://schemas.openxmlformats.org/officeDocument/2006/math">
+                    <m:r>
+                      <a:rPr lang="en-US" b="0" i="1" dirty="0" smtClean="0">
+                        <a:solidFill>
+                          <a:srgbClr val="C00000"/>
+                        </a:solidFill>
+                        <a:latin typeface="Cambria Math" panose="02040503050406030204" pitchFamily="18" charset="0"/>
+                      </a:rPr>
+                      <m:t>1</m:t>
+                    </m:r>
+                  </m:oMath>
+                </a14:m>
+                <a:r>
+                  <a:rPr lang="en-US" dirty="0"/>
+                  <a:t>, </a:t>
+                </a:r>
+                <a14:m>
+                  <m:oMath xmlns:m="http://schemas.openxmlformats.org/officeDocument/2006/math">
+                    <m:r>
+                      <a:rPr lang="en-US" b="0" i="1" dirty="0" smtClean="0">
+                        <a:solidFill>
+                          <a:srgbClr val="C00000"/>
+                        </a:solidFill>
+                        <a:latin typeface="Cambria Math" panose="02040503050406030204" pitchFamily="18" charset="0"/>
+                      </a:rPr>
+                      <m:t>5</m:t>
+                    </m:r>
+                  </m:oMath>
+                </a14:m>
+                <a:r>
+                  <a:rPr lang="en-US" dirty="0"/>
+                  <a:t>, </a:t>
+                </a:r>
+                <a14:m>
+                  <m:oMath xmlns:m="http://schemas.openxmlformats.org/officeDocument/2006/math">
+                    <m:r>
+                      <a:rPr lang="en-US" b="0" i="1" dirty="0" smtClean="0">
+                        <a:solidFill>
+                          <a:srgbClr val="C00000"/>
+                        </a:solidFill>
+                        <a:latin typeface="Cambria Math" panose="02040503050406030204" pitchFamily="18" charset="0"/>
+                      </a:rPr>
+                      <m:t>2</m:t>
+                    </m:r>
+                  </m:oMath>
+                </a14:m>
+                <a:r>
+                  <a:rPr lang="en-US" dirty="0"/>
+                  <a:t>, </a:t>
+                </a:r>
+                <a14:m>
+                  <m:oMath xmlns:m="http://schemas.openxmlformats.org/officeDocument/2006/math">
+                    <m:r>
+                      <a:rPr lang="en-US" b="0" i="1" dirty="0" smtClean="0">
+                        <a:solidFill>
+                          <a:srgbClr val="C00000"/>
+                        </a:solidFill>
+                        <a:latin typeface="Cambria Math" panose="02040503050406030204" pitchFamily="18" charset="0"/>
+                      </a:rPr>
+                      <m:t>4</m:t>
+                    </m:r>
+                  </m:oMath>
+                </a14:m>
+                <a:r>
+                  <a:rPr lang="en-US" dirty="0"/>
+                  <a:t>,</a:t>
+                </a:r>
+                <a:r>
+                  <a:rPr lang="en-US" dirty="0">
+                    <a:solidFill>
+                      <a:srgbClr val="C00000"/>
+                    </a:solidFill>
+                  </a:rPr>
+                  <a:t> </a:t>
+                </a:r>
+                <a14:m>
+                  <m:oMath xmlns:m="http://schemas.openxmlformats.org/officeDocument/2006/math">
+                    <m:r>
+                      <a:rPr lang="en-US" b="0" i="1" smtClean="0">
+                        <a:solidFill>
+                          <a:srgbClr val="C00000"/>
+                        </a:solidFill>
+                        <a:latin typeface="Cambria Math" panose="02040503050406030204" pitchFamily="18" charset="0"/>
+                      </a:rPr>
+                      <m:t>1</m:t>
+                    </m:r>
+                  </m:oMath>
+                </a14:m>
+                <a:r>
+                  <a:rPr lang="en-US" dirty="0"/>
+                  <a:t>, </a:t>
+                </a:r>
+                <a14:m>
+                  <m:oMath xmlns:m="http://schemas.openxmlformats.org/officeDocument/2006/math">
+                    <m:r>
+                      <a:rPr lang="en-US" b="0" i="1" dirty="0" smtClean="0">
+                        <a:solidFill>
+                          <a:srgbClr val="C00000"/>
+                        </a:solidFill>
+                        <a:latin typeface="Cambria Math" panose="02040503050406030204" pitchFamily="18" charset="0"/>
+                      </a:rPr>
+                      <m:t>3</m:t>
+                    </m:r>
+                  </m:oMath>
+                </a14:m>
+                <a:r>
+                  <a:rPr lang="en-US" dirty="0"/>
+                  <a:t>, </a:t>
+                </a:r>
+                <a14:m>
+                  <m:oMath xmlns:m="http://schemas.openxmlformats.org/officeDocument/2006/math">
+                    <m:r>
+                      <a:rPr lang="en-US" b="0" i="1" dirty="0" smtClean="0">
+                        <a:solidFill>
+                          <a:srgbClr val="C00000"/>
+                        </a:solidFill>
+                        <a:latin typeface="Cambria Math" panose="02040503050406030204" pitchFamily="18" charset="0"/>
+                      </a:rPr>
+                      <m:t>1</m:t>
+                    </m:r>
+                  </m:oMath>
+                </a14:m>
+                <a:r>
+                  <a:rPr lang="en-US" dirty="0"/>
+                  <a:t>, </a:t>
+                </a:r>
+                <a14:m>
+                  <m:oMath xmlns:m="http://schemas.openxmlformats.org/officeDocument/2006/math">
+                    <m:r>
+                      <a:rPr lang="en-US" b="0" i="1" dirty="0" smtClean="0">
+                        <a:solidFill>
+                          <a:srgbClr val="0070C0"/>
+                        </a:solidFill>
+                        <a:latin typeface="Cambria Math" panose="02040503050406030204" pitchFamily="18" charset="0"/>
+                      </a:rPr>
+                      <m:t>6</m:t>
+                    </m:r>
+                  </m:oMath>
+                </a14:m>
+                <a:r>
+                  <a:rPr lang="en-US" dirty="0">
+                    <a:solidFill>
+                      <a:srgbClr val="C00000"/>
+                    </a:solidFill>
+                  </a:rPr>
+                  <a:t> </a:t>
+                </a:r>
+                <a:r>
+                  <a:rPr lang="en-US" dirty="0"/>
+                  <a:t>for</a:t>
+                </a:r>
+                <a:r>
+                  <a:rPr lang="en-US" dirty="0">
+                    <a:solidFill>
+                      <a:srgbClr val="C00000"/>
+                    </a:solidFill>
+                  </a:rPr>
+                  <a:t> </a:t>
+                </a:r>
+                <a14:m>
+                  <m:oMath xmlns:m="http://schemas.openxmlformats.org/officeDocument/2006/math">
+                    <m:r>
+                      <a:rPr lang="en-US" i="1" dirty="0">
+                        <a:solidFill>
+                          <a:srgbClr val="C00000"/>
+                        </a:solidFill>
+                        <a:latin typeface="Cambria Math" panose="02040503050406030204" pitchFamily="18" charset="0"/>
+                      </a:rPr>
+                      <m:t>𝑛</m:t>
+                    </m:r>
+                    <m:r>
+                      <a:rPr lang="en-US" b="0" i="0" dirty="0" smtClean="0">
+                        <a:solidFill>
+                          <a:srgbClr val="C00000"/>
+                        </a:solidFill>
+                        <a:latin typeface="Cambria Math" panose="02040503050406030204" pitchFamily="18" charset="0"/>
+                      </a:rPr>
+                      <m:t>=6</m:t>
+                    </m:r>
+                  </m:oMath>
+                </a14:m>
+                <a:endParaRPr lang="en-US" dirty="0">
+                  <a:solidFill>
+                    <a:srgbClr val="C00000"/>
+                  </a:solidFill>
+                </a:endParaRPr>
+              </a:p>
+              <a:p>
+                <a:pPr>
+                  <a:buClr>
+                    <a:schemeClr val="tx1"/>
+                  </a:buClr>
+                </a:pPr>
+                <a:endParaRPr lang="en-US" dirty="0"/>
+              </a:p>
+              <a:p>
+                <a:pPr>
+                  <a:buClr>
+                    <a:schemeClr val="tx1"/>
+                  </a:buClr>
+                </a:pPr>
+                <a14:m>
+                  <m:oMath xmlns:m="http://schemas.openxmlformats.org/officeDocument/2006/math">
+                    <m:r>
+                      <m:rPr>
+                        <m:sty m:val="p"/>
+                      </m:rPr>
+                      <a:rPr lang="en-US" dirty="0">
+                        <a:solidFill>
+                          <a:srgbClr val="C00000"/>
+                        </a:solidFill>
+                        <a:latin typeface="Cambria Math" panose="02040503050406030204" pitchFamily="18" charset="0"/>
+                      </a:rPr>
+                      <m:t>Θ</m:t>
+                    </m:r>
+                    <m:d>
+                      <m:dPr>
+                        <m:ctrlPr>
+                          <a:rPr lang="en-US" b="0" i="1" dirty="0" smtClean="0">
+                            <a:solidFill>
+                              <a:srgbClr val="C00000"/>
+                            </a:solidFill>
+                            <a:latin typeface="Cambria Math" panose="02040503050406030204" pitchFamily="18" charset="0"/>
+                          </a:rPr>
+                        </m:ctrlPr>
+                      </m:dPr>
+                      <m:e>
+                        <m:r>
+                          <a:rPr lang="en-US" b="0" i="1" dirty="0" smtClean="0">
+                            <a:solidFill>
+                              <a:srgbClr val="C00000"/>
+                            </a:solidFill>
+                            <a:latin typeface="Cambria Math" panose="02040503050406030204" pitchFamily="18" charset="0"/>
+                          </a:rPr>
+                          <m:t>𝑛</m:t>
+                        </m:r>
+                      </m:e>
+                    </m:d>
+                  </m:oMath>
+                </a14:m>
+                <a:endParaRPr lang="en-US" b="0" dirty="0">
+                  <a:solidFill>
+                    <a:srgbClr val="C00000"/>
+                  </a:solidFill>
+                </a:endParaRPr>
+              </a:p>
+              <a:p>
+                <a:pPr>
+                  <a:buClr>
+                    <a:schemeClr val="tx1"/>
+                  </a:buClr>
+                </a:pPr>
+                <a14:m>
+                  <m:oMath xmlns:m="http://schemas.openxmlformats.org/officeDocument/2006/math">
+                    <m:r>
+                      <m:rPr>
+                        <m:sty m:val="p"/>
+                      </m:rPr>
+                      <a:rPr lang="en-US" dirty="0">
+                        <a:solidFill>
+                          <a:srgbClr val="C00000"/>
+                        </a:solidFill>
+                        <a:latin typeface="Cambria Math" panose="02040503050406030204" pitchFamily="18" charset="0"/>
+                      </a:rPr>
+                      <m:t>Θ</m:t>
+                    </m:r>
+                    <m:d>
+                      <m:dPr>
+                        <m:ctrlPr>
+                          <a:rPr lang="en-US" b="0" i="1" dirty="0" smtClean="0">
+                            <a:solidFill>
+                              <a:srgbClr val="C00000"/>
+                            </a:solidFill>
+                            <a:latin typeface="Cambria Math" panose="02040503050406030204" pitchFamily="18" charset="0"/>
+                          </a:rPr>
+                        </m:ctrlPr>
+                      </m:dPr>
+                      <m:e>
+                        <m:r>
+                          <a:rPr lang="en-US" b="0" i="1" dirty="0" smtClean="0">
+                            <a:solidFill>
+                              <a:srgbClr val="C00000"/>
+                            </a:solidFill>
+                            <a:latin typeface="Cambria Math" panose="02040503050406030204" pitchFamily="18" charset="0"/>
+                          </a:rPr>
+                          <m:t>𝑛</m:t>
+                        </m:r>
+                        <m:func>
+                          <m:funcPr>
+                            <m:ctrlPr>
+                              <a:rPr lang="en-US" b="0" i="1" dirty="0" smtClean="0">
+                                <a:solidFill>
+                                  <a:srgbClr val="C00000"/>
+                                </a:solidFill>
+                                <a:latin typeface="Cambria Math" panose="02040503050406030204" pitchFamily="18" charset="0"/>
+                              </a:rPr>
+                            </m:ctrlPr>
+                          </m:funcPr>
+                          <m:fName>
+                            <m:r>
+                              <m:rPr>
+                                <m:sty m:val="p"/>
+                              </m:rPr>
+                              <a:rPr lang="en-US" b="0" i="0" dirty="0" smtClean="0">
+                                <a:solidFill>
+                                  <a:srgbClr val="C00000"/>
+                                </a:solidFill>
+                                <a:latin typeface="Cambria Math" panose="02040503050406030204" pitchFamily="18" charset="0"/>
+                              </a:rPr>
+                              <m:t>log</m:t>
+                            </m:r>
+                          </m:fName>
+                          <m:e>
+                            <m:r>
+                              <a:rPr lang="en-US" b="0" i="1" dirty="0" smtClean="0">
+                                <a:solidFill>
+                                  <a:srgbClr val="C00000"/>
+                                </a:solidFill>
+                                <a:latin typeface="Cambria Math" panose="02040503050406030204" pitchFamily="18" charset="0"/>
+                              </a:rPr>
+                              <m:t>𝑛</m:t>
+                            </m:r>
+                          </m:e>
+                        </m:func>
+                      </m:e>
+                    </m:d>
+                  </m:oMath>
+                </a14:m>
+                <a:endParaRPr lang="en-US" b="0" dirty="0">
+                  <a:solidFill>
+                    <a:srgbClr val="C00000"/>
+                  </a:solidFill>
+                </a:endParaRPr>
+              </a:p>
+              <a:p>
+                <a:pPr>
+                  <a:buClr>
+                    <a:schemeClr val="tx1"/>
+                  </a:buClr>
+                </a:pPr>
+                <a14:m>
+                  <m:oMath xmlns:m="http://schemas.openxmlformats.org/officeDocument/2006/math">
+                    <m:r>
+                      <m:rPr>
+                        <m:sty m:val="p"/>
+                      </m:rPr>
+                      <a:rPr lang="en-US" dirty="0">
+                        <a:solidFill>
+                          <a:srgbClr val="C00000"/>
+                        </a:solidFill>
+                        <a:latin typeface="Cambria Math" panose="02040503050406030204" pitchFamily="18" charset="0"/>
+                      </a:rPr>
+                      <m:t>Θ</m:t>
+                    </m:r>
+                    <m:d>
+                      <m:dPr>
+                        <m:ctrlPr>
+                          <a:rPr lang="en-US" b="0" i="1" dirty="0" smtClean="0">
+                            <a:solidFill>
+                              <a:srgbClr val="C00000"/>
+                            </a:solidFill>
+                            <a:latin typeface="Cambria Math" panose="02040503050406030204" pitchFamily="18" charset="0"/>
+                          </a:rPr>
+                        </m:ctrlPr>
+                      </m:dPr>
+                      <m:e>
+                        <m:r>
+                          <a:rPr lang="en-US" b="0" i="1" dirty="0" smtClean="0">
+                            <a:solidFill>
+                              <a:srgbClr val="C00000"/>
+                            </a:solidFill>
+                            <a:latin typeface="Cambria Math" panose="02040503050406030204" pitchFamily="18" charset="0"/>
+                          </a:rPr>
+                          <m:t>𝑛</m:t>
+                        </m:r>
+                        <m:rad>
+                          <m:radPr>
+                            <m:degHide m:val="on"/>
+                            <m:ctrlPr>
+                              <a:rPr lang="en-US" b="0" i="1" dirty="0" smtClean="0">
+                                <a:solidFill>
+                                  <a:srgbClr val="C00000"/>
+                                </a:solidFill>
+                                <a:latin typeface="Cambria Math" panose="02040503050406030204" pitchFamily="18" charset="0"/>
+                              </a:rPr>
+                            </m:ctrlPr>
+                          </m:radPr>
+                          <m:deg/>
+                          <m:e>
+                            <m:r>
+                              <a:rPr lang="en-US" b="0" i="1" dirty="0" smtClean="0">
+                                <a:solidFill>
+                                  <a:srgbClr val="C00000"/>
+                                </a:solidFill>
+                                <a:latin typeface="Cambria Math" panose="02040503050406030204" pitchFamily="18" charset="0"/>
+                              </a:rPr>
+                              <m:t>𝑛</m:t>
+                            </m:r>
+                          </m:e>
+                        </m:rad>
+                      </m:e>
+                    </m:d>
+                  </m:oMath>
+                </a14:m>
+                <a:endParaRPr lang="en-US" b="0" dirty="0">
+                  <a:solidFill>
+                    <a:srgbClr val="C00000"/>
+                  </a:solidFill>
+                </a:endParaRPr>
+              </a:p>
+              <a:p>
+                <a:pPr>
+                  <a:buClr>
+                    <a:schemeClr val="tx1"/>
+                  </a:buClr>
+                </a:pPr>
+                <a14:m>
+                  <m:oMath xmlns:m="http://schemas.openxmlformats.org/officeDocument/2006/math">
+                    <m:r>
+                      <m:rPr>
+                        <m:sty m:val="p"/>
+                      </m:rPr>
+                      <a:rPr lang="en-US" dirty="0">
+                        <a:solidFill>
+                          <a:srgbClr val="C00000"/>
+                        </a:solidFill>
+                        <a:latin typeface="Cambria Math" panose="02040503050406030204" pitchFamily="18" charset="0"/>
+                      </a:rPr>
+                      <m:t>Θ</m:t>
+                    </m:r>
+                    <m:d>
+                      <m:dPr>
+                        <m:ctrlPr>
+                          <a:rPr lang="en-US" b="0" i="1" dirty="0" smtClean="0">
+                            <a:solidFill>
+                              <a:srgbClr val="C00000"/>
+                            </a:solidFill>
+                            <a:latin typeface="Cambria Math" panose="02040503050406030204" pitchFamily="18" charset="0"/>
+                          </a:rPr>
+                        </m:ctrlPr>
+                      </m:dPr>
+                      <m:e>
+                        <m:sSup>
+                          <m:sSupPr>
+                            <m:ctrlPr>
+                              <a:rPr lang="en-US" b="0" i="1" dirty="0" smtClean="0">
+                                <a:solidFill>
+                                  <a:srgbClr val="C00000"/>
+                                </a:solidFill>
+                                <a:latin typeface="Cambria Math" panose="02040503050406030204" pitchFamily="18" charset="0"/>
+                              </a:rPr>
+                            </m:ctrlPr>
+                          </m:sSupPr>
+                          <m:e>
+                            <m:r>
+                              <a:rPr lang="en-US" b="0" i="1" dirty="0" smtClean="0">
+                                <a:solidFill>
+                                  <a:srgbClr val="C00000"/>
+                                </a:solidFill>
+                                <a:latin typeface="Cambria Math" panose="02040503050406030204" pitchFamily="18" charset="0"/>
+                              </a:rPr>
+                              <m:t>𝑛</m:t>
+                            </m:r>
+                          </m:e>
+                          <m:sup>
+                            <m:r>
+                              <a:rPr lang="en-US" b="0" i="1" dirty="0" smtClean="0">
+                                <a:solidFill>
+                                  <a:srgbClr val="C00000"/>
+                                </a:solidFill>
+                                <a:latin typeface="Cambria Math" panose="02040503050406030204" pitchFamily="18" charset="0"/>
+                              </a:rPr>
+                              <m:t>2</m:t>
+                            </m:r>
+                          </m:sup>
+                        </m:sSup>
+                      </m:e>
+                    </m:d>
+                  </m:oMath>
+                </a14:m>
+                <a:endParaRPr lang="en-US" dirty="0"/>
+              </a:p>
+            </p:txBody>
+          </p:sp>
+        </mc:Choice>
+        <mc:Fallback xmlns="">
+          <p:sp>
+            <p:nvSpPr>
+              <p:cNvPr id="3" name="Content Placeholder 2">
+                <a:extLst>
+                  <a:ext uri="{FF2B5EF4-FFF2-40B4-BE49-F238E27FC236}">
+                    <a16:creationId xmlns:a16="http://schemas.microsoft.com/office/drawing/2014/main" id="{76F2126B-4AA6-302B-7E5A-170FFAAB8BD1}"/>
+                  </a:ext>
+                </a:extLst>
+              </p:cNvPr>
+              <p:cNvSpPr>
+                <a:spLocks noGrp="1" noRot="1" noChangeAspect="1" noMove="1" noResize="1" noEditPoints="1" noAdjustHandles="1" noChangeArrowheads="1" noChangeShapeType="1" noTextEdit="1"/>
+              </p:cNvSpPr>
+              <p:nvPr>
+                <p:ph idx="1"/>
+              </p:nvPr>
+            </p:nvSpPr>
+            <p:spPr>
+              <a:blipFill>
+                <a:blip r:embed="rId2"/>
+                <a:stretch>
+                  <a:fillRect l="-1043" t="-2241"/>
+                </a:stretch>
+              </a:blipFill>
+            </p:spPr>
+            <p:txBody>
+              <a:bodyPr/>
+              <a:lstStyle/>
+              <a:p>
+                <a:r>
+                  <a:rPr lang="en-US">
+                    <a:noFill/>
+                  </a:rPr>
+                  <a:t> </a:t>
+                </a:r>
+              </a:p>
+            </p:txBody>
+          </p:sp>
+        </mc:Fallback>
+      </mc:AlternateContent>
+    </p:spTree>
+    <p:extLst>
+      <p:ext uri="{BB962C8B-B14F-4D97-AF65-F5344CB8AC3E}">
+        <p14:creationId xmlns:p14="http://schemas.microsoft.com/office/powerpoint/2010/main" val="883209316"/>
       </p:ext>
     </p:extLst>
   </p:cSld>
@@ -25765,8 +25765,8 @@
           </a:p>
         </p:txBody>
       </p:sp>
-      <mc:AlternateContent xmlns:mc="http://schemas.openxmlformats.org/markup-compatibility/2006">
-        <mc:Choice xmlns:a14="http://schemas.microsoft.com/office/drawing/2010/main" Requires="a14">
+      <mc:AlternateContent xmlns:mc="http://schemas.openxmlformats.org/markup-compatibility/2006" xmlns:a14="http://schemas.microsoft.com/office/drawing/2010/main">
+        <mc:Choice Requires="a14">
           <p:sp>
             <p:nvSpPr>
               <p:cNvPr id="3" name="Content Placeholder 2">
@@ -26433,7 +26433,7 @@
             </p:txBody>
           </p:sp>
         </mc:Choice>
-        <mc:Fallback>
+        <mc:Fallback xmlns="">
           <p:sp>
             <p:nvSpPr>
               <p:cNvPr id="3" name="Content Placeholder 2">

--- a/CSCE689-23/L5.pptx
+++ b/CSCE689-23/L5.pptx
@@ -24,26 +24,28 @@
     <p:sldId id="832" r:id="rId18"/>
     <p:sldId id="833" r:id="rId19"/>
     <p:sldId id="834" r:id="rId20"/>
-    <p:sldId id="835" r:id="rId21"/>
-    <p:sldId id="836" r:id="rId22"/>
-    <p:sldId id="838" r:id="rId23"/>
-    <p:sldId id="837" r:id="rId24"/>
-    <p:sldId id="840" r:id="rId25"/>
-    <p:sldId id="839" r:id="rId26"/>
-    <p:sldId id="853" r:id="rId27"/>
-    <p:sldId id="769" r:id="rId28"/>
-    <p:sldId id="767" r:id="rId29"/>
-    <p:sldId id="841" r:id="rId30"/>
-    <p:sldId id="843" r:id="rId31"/>
-    <p:sldId id="844" r:id="rId32"/>
-    <p:sldId id="845" r:id="rId33"/>
-    <p:sldId id="849" r:id="rId34"/>
-    <p:sldId id="847" r:id="rId35"/>
-    <p:sldId id="850" r:id="rId36"/>
-    <p:sldId id="855" r:id="rId37"/>
-    <p:sldId id="856" r:id="rId38"/>
-    <p:sldId id="857" r:id="rId39"/>
-    <p:sldId id="858" r:id="rId40"/>
+    <p:sldId id="860" r:id="rId21"/>
+    <p:sldId id="861" r:id="rId22"/>
+    <p:sldId id="835" r:id="rId23"/>
+    <p:sldId id="836" r:id="rId24"/>
+    <p:sldId id="838" r:id="rId25"/>
+    <p:sldId id="837" r:id="rId26"/>
+    <p:sldId id="840" r:id="rId27"/>
+    <p:sldId id="839" r:id="rId28"/>
+    <p:sldId id="853" r:id="rId29"/>
+    <p:sldId id="769" r:id="rId30"/>
+    <p:sldId id="767" r:id="rId31"/>
+    <p:sldId id="841" r:id="rId32"/>
+    <p:sldId id="843" r:id="rId33"/>
+    <p:sldId id="844" r:id="rId34"/>
+    <p:sldId id="845" r:id="rId35"/>
+    <p:sldId id="849" r:id="rId36"/>
+    <p:sldId id="847" r:id="rId37"/>
+    <p:sldId id="850" r:id="rId38"/>
+    <p:sldId id="855" r:id="rId39"/>
+    <p:sldId id="856" r:id="rId40"/>
+    <p:sldId id="857" r:id="rId41"/>
+    <p:sldId id="858" r:id="rId42"/>
   </p:sldIdLst>
   <p:sldSz cx="12192000" cy="6858000"/>
   <p:notesSz cx="6858000" cy="9144000"/>
@@ -9098,8 +9100,8 @@
           </a:p>
         </p:txBody>
       </p:sp>
-      <mc:AlternateContent xmlns:mc="http://schemas.openxmlformats.org/markup-compatibility/2006" xmlns:a14="http://schemas.microsoft.com/office/drawing/2010/main">
-        <mc:Choice Requires="a14">
+      <mc:AlternateContent xmlns:mc="http://schemas.openxmlformats.org/markup-compatibility/2006">
+        <mc:Choice xmlns:a14="http://schemas.microsoft.com/office/drawing/2010/main" Requires="a14">
           <p:sp>
             <p:nvSpPr>
               <p:cNvPr id="3" name="Content Placeholder 2">
@@ -9240,15 +9242,7 @@
                 </a:pPr>
                 <a:r>
                   <a:rPr lang="en-US" dirty="0"/>
-                  <a:t>Compare to </a:t>
-                </a:r>
-                <a:r>
-                  <a:rPr lang="en-US" dirty="0" err="1"/>
-                  <a:t>Cheybshev’s</a:t>
-                </a:r>
-                <a:r>
-                  <a:rPr lang="en-US" dirty="0"/>
-                  <a:t> inequality:</a:t>
+                  <a:t>Compare to Chebyshev’s inequality:</a:t>
                 </a:r>
               </a:p>
               <a:p>
@@ -9289,7 +9283,7 @@
             </p:txBody>
           </p:sp>
         </mc:Choice>
-        <mc:Fallback xmlns="">
+        <mc:Fallback>
           <p:sp>
             <p:nvSpPr>
               <p:cNvPr id="3" name="Content Placeholder 2">
@@ -10672,6 +10666,1550 @@
 </file>
 
 <file path=ppt/slides/slide20.xml><?xml version="1.0" encoding="utf-8"?>
+<p:sld xmlns:a="http://schemas.openxmlformats.org/drawingml/2006/main" xmlns:r="http://schemas.openxmlformats.org/officeDocument/2006/relationships" xmlns:p="http://schemas.openxmlformats.org/presentationml/2006/main">
+  <p:cSld>
+    <p:spTree>
+      <p:nvGrpSpPr>
+        <p:cNvPr id="1" name=""/>
+        <p:cNvGrpSpPr/>
+        <p:nvPr/>
+      </p:nvGrpSpPr>
+      <p:grpSpPr>
+        <a:xfrm>
+          <a:off x="0" y="0"/>
+          <a:ext cx="0" cy="0"/>
+          <a:chOff x="0" y="0"/>
+          <a:chExt cx="0" cy="0"/>
+        </a:xfrm>
+      </p:grpSpPr>
+      <p:sp>
+        <p:nvSpPr>
+          <p:cNvPr id="2" name="Title 1">
+            <a:extLst>
+              <a:ext uri="{FF2B5EF4-FFF2-40B4-BE49-F238E27FC236}">
+                <a16:creationId xmlns:a16="http://schemas.microsoft.com/office/drawing/2014/main" id="{A49DDC00-2744-B7F9-8394-609BE1AEC413}"/>
+              </a:ext>
+            </a:extLst>
+          </p:cNvPr>
+          <p:cNvSpPr>
+            <a:spLocks noGrp="1"/>
+          </p:cNvSpPr>
+          <p:nvPr>
+            <p:ph type="title"/>
+          </p:nvPr>
+        </p:nvSpPr>
+        <p:spPr/>
+        <p:txBody>
+          <a:bodyPr/>
+          <a:lstStyle/>
+          <a:p>
+            <a:r>
+              <a:rPr lang="en-US" dirty="0">
+                <a:solidFill>
+                  <a:srgbClr val="C00000"/>
+                </a:solidFill>
+              </a:rPr>
+              <a:t>Bernstein’s Inequality</a:t>
+            </a:r>
+            <a:endParaRPr lang="en-US" dirty="0"/>
+          </a:p>
+        </p:txBody>
+      </p:sp>
+      <mc:AlternateContent xmlns:mc="http://schemas.openxmlformats.org/markup-compatibility/2006">
+        <mc:Choice xmlns:a14="http://schemas.microsoft.com/office/drawing/2010/main" Requires="a14">
+          <p:sp>
+            <p:nvSpPr>
+              <p:cNvPr id="3" name="Content Placeholder 2">
+                <a:extLst>
+                  <a:ext uri="{FF2B5EF4-FFF2-40B4-BE49-F238E27FC236}">
+                    <a16:creationId xmlns:a16="http://schemas.microsoft.com/office/drawing/2014/main" id="{6666941B-6AAA-DFD0-8896-ACB1B4FE2AC6}"/>
+                  </a:ext>
+                </a:extLst>
+              </p:cNvPr>
+              <p:cNvSpPr>
+                <a:spLocks noGrp="1"/>
+              </p:cNvSpPr>
+              <p:nvPr>
+                <p:ph idx="1"/>
+              </p:nvPr>
+            </p:nvSpPr>
+            <p:spPr>
+              <a:xfrm>
+                <a:off x="838200" y="1825625"/>
+                <a:ext cx="10515600" cy="1823010"/>
+              </a:xfrm>
+            </p:spPr>
+            <p:txBody>
+              <a:bodyPr>
+                <a:normAutofit/>
+              </a:bodyPr>
+              <a:lstStyle/>
+              <a:p>
+                <a:pPr>
+                  <a:buClr>
+                    <a:schemeClr val="tx1"/>
+                  </a:buClr>
+                </a:pPr>
+                <a:r>
+                  <a:rPr lang="en-US" dirty="0"/>
+                  <a:t>Suppose </a:t>
+                </a:r>
+                <a14:m>
+                  <m:oMath xmlns:m="http://schemas.openxmlformats.org/officeDocument/2006/math">
+                    <m:r>
+                      <a:rPr lang="en-US" sz="2800" b="0" i="1" dirty="0" smtClean="0">
+                        <a:solidFill>
+                          <a:srgbClr val="C00000"/>
+                        </a:solidFill>
+                        <a:latin typeface="Cambria Math" panose="02040503050406030204" pitchFamily="18" charset="0"/>
+                      </a:rPr>
+                      <m:t>𝑀</m:t>
+                    </m:r>
+                    <m:r>
+                      <a:rPr lang="en-US" sz="2800" b="0" i="0" dirty="0" smtClean="0">
+                        <a:solidFill>
+                          <a:srgbClr val="C00000"/>
+                        </a:solidFill>
+                        <a:latin typeface="Cambria Math" panose="02040503050406030204" pitchFamily="18" charset="0"/>
+                      </a:rPr>
+                      <m:t>=1</m:t>
+                    </m:r>
+                  </m:oMath>
+                </a14:m>
+                <a:r>
+                  <a:rPr lang="en-US" dirty="0"/>
+                  <a:t> and let </a:t>
+                </a:r>
+                <a14:m>
+                  <m:oMath xmlns:m="http://schemas.openxmlformats.org/officeDocument/2006/math">
+                    <m:r>
+                      <a:rPr lang="en-US" b="0" i="1" dirty="0" smtClean="0">
+                        <a:solidFill>
+                          <a:srgbClr val="C00000"/>
+                        </a:solidFill>
+                        <a:latin typeface="Cambria Math" panose="02040503050406030204" pitchFamily="18" charset="0"/>
+                      </a:rPr>
+                      <m:t>𝑡</m:t>
+                    </m:r>
+                    <m:r>
+                      <a:rPr lang="en-US" b="0" i="1" dirty="0" smtClean="0">
+                        <a:solidFill>
+                          <a:srgbClr val="C00000"/>
+                        </a:solidFill>
+                        <a:latin typeface="Cambria Math" panose="02040503050406030204" pitchFamily="18" charset="0"/>
+                      </a:rPr>
+                      <m:t>=</m:t>
+                    </m:r>
+                    <m:r>
+                      <a:rPr lang="en-US" b="0" i="1" dirty="0" smtClean="0">
+                        <a:solidFill>
+                          <a:srgbClr val="C00000"/>
+                        </a:solidFill>
+                        <a:latin typeface="Cambria Math" panose="02040503050406030204" pitchFamily="18" charset="0"/>
+                      </a:rPr>
+                      <m:t>𝑘</m:t>
+                    </m:r>
+                    <m:r>
+                      <a:rPr lang="en-US" b="0" i="1" dirty="0" smtClean="0">
+                        <a:solidFill>
+                          <a:srgbClr val="C00000"/>
+                        </a:solidFill>
+                        <a:latin typeface="Cambria Math" panose="02040503050406030204" pitchFamily="18" charset="0"/>
+                      </a:rPr>
+                      <m:t>𝜎</m:t>
+                    </m:r>
+                  </m:oMath>
+                </a14:m>
+                <a:r>
+                  <a:rPr lang="en-US" dirty="0"/>
+                  <a:t>. Then</a:t>
+                </a:r>
+              </a:p>
+              <a:p>
+                <a:pPr>
+                  <a:buClr>
+                    <a:schemeClr val="tx1"/>
+                  </a:buClr>
+                </a:pPr>
+                <a:endParaRPr lang="en-US" dirty="0"/>
+              </a:p>
+              <a:p>
+                <a:pPr>
+                  <a:buClr>
+                    <a:schemeClr val="tx1"/>
+                  </a:buClr>
+                </a:pPr>
+                <a:endParaRPr lang="en-US" dirty="0"/>
+              </a:p>
+              <a:p>
+                <a:pPr>
+                  <a:buClr>
+                    <a:schemeClr val="tx1"/>
+                  </a:buClr>
+                </a:pPr>
+                <a:endParaRPr lang="en-US" dirty="0"/>
+              </a:p>
+              <a:p>
+                <a:pPr>
+                  <a:buClr>
+                    <a:schemeClr val="tx1"/>
+                  </a:buClr>
+                </a:pPr>
+                <a:endParaRPr lang="en-US" dirty="0"/>
+              </a:p>
+              <a:p>
+                <a:pPr>
+                  <a:buClr>
+                    <a:schemeClr val="tx1"/>
+                  </a:buClr>
+                </a:pPr>
+                <a:endParaRPr lang="en-US" dirty="0"/>
+              </a:p>
+            </p:txBody>
+          </p:sp>
+        </mc:Choice>
+        <mc:Fallback>
+          <p:sp>
+            <p:nvSpPr>
+              <p:cNvPr id="3" name="Content Placeholder 2">
+                <a:extLst>
+                  <a:ext uri="{FF2B5EF4-FFF2-40B4-BE49-F238E27FC236}">
+                    <a16:creationId xmlns:a16="http://schemas.microsoft.com/office/drawing/2014/main" id="{6666941B-6AAA-DFD0-8896-ACB1B4FE2AC6}"/>
+                  </a:ext>
+                </a:extLst>
+              </p:cNvPr>
+              <p:cNvSpPr>
+                <a:spLocks noGrp="1" noRot="1" noChangeAspect="1" noMove="1" noResize="1" noEditPoints="1" noAdjustHandles="1" noChangeArrowheads="1" noChangeShapeType="1" noTextEdit="1"/>
+              </p:cNvSpPr>
+              <p:nvPr>
+                <p:ph idx="1"/>
+              </p:nvPr>
+            </p:nvSpPr>
+            <p:spPr>
+              <a:xfrm>
+                <a:off x="838200" y="1825625"/>
+                <a:ext cx="10515600" cy="1823010"/>
+              </a:xfrm>
+              <a:blipFill>
+                <a:blip r:embed="rId2"/>
+                <a:stretch>
+                  <a:fillRect l="-1043" t="-5333"/>
+                </a:stretch>
+              </a:blipFill>
+            </p:spPr>
+            <p:txBody>
+              <a:bodyPr/>
+              <a:lstStyle/>
+              <a:p>
+                <a:r>
+                  <a:rPr lang="en-US">
+                    <a:noFill/>
+                  </a:rPr>
+                  <a:t> </a:t>
+                </a:r>
+              </a:p>
+            </p:txBody>
+          </p:sp>
+        </mc:Fallback>
+      </mc:AlternateContent>
+      <mc:AlternateContent xmlns:mc="http://schemas.openxmlformats.org/markup-compatibility/2006" xmlns:a14="http://schemas.microsoft.com/office/drawing/2010/main">
+        <mc:Choice Requires="a14">
+          <p:sp>
+            <p:nvSpPr>
+              <p:cNvPr id="6" name="TextBox 5">
+                <a:extLst>
+                  <a:ext uri="{FF2B5EF4-FFF2-40B4-BE49-F238E27FC236}">
+                    <a16:creationId xmlns:a16="http://schemas.microsoft.com/office/drawing/2014/main" id="{A222DF65-936D-78EA-36D0-5C8A40331A9C}"/>
+                  </a:ext>
+                </a:extLst>
+              </p:cNvPr>
+              <p:cNvSpPr txBox="1"/>
+              <p:nvPr/>
+            </p:nvSpPr>
+            <p:spPr>
+              <a:xfrm>
+                <a:off x="1479177" y="2220208"/>
+                <a:ext cx="8937812" cy="1208792"/>
+              </a:xfrm>
+              <a:prstGeom prst="rect">
+                <a:avLst/>
+              </a:prstGeom>
+              <a:noFill/>
+            </p:spPr>
+            <p:txBody>
+              <a:bodyPr wrap="square">
+                <a:spAutoFit/>
+              </a:bodyPr>
+              <a:lstStyle/>
+              <a:p>
+                <a:pPr/>
+                <a14:m>
+                  <m:oMathPara xmlns:m="http://schemas.openxmlformats.org/officeDocument/2006/math">
+                    <m:oMathParaPr>
+                      <m:jc m:val="centerGroup"/>
+                    </m:oMathParaPr>
+                    <m:oMath xmlns:m="http://schemas.openxmlformats.org/officeDocument/2006/math">
+                      <m:r>
+                        <m:rPr>
+                          <m:sty m:val="p"/>
+                        </m:rPr>
+                        <a:rPr lang="en-US" sz="3200" b="0" i="0" dirty="0" smtClean="0">
+                          <a:solidFill>
+                            <a:srgbClr val="C00000"/>
+                          </a:solidFill>
+                          <a:latin typeface="Cambria Math" panose="02040503050406030204" pitchFamily="18" charset="0"/>
+                        </a:rPr>
+                        <m:t>Pr</m:t>
+                      </m:r>
+                      <m:d>
+                        <m:dPr>
+                          <m:begChr m:val="["/>
+                          <m:endChr m:val="]"/>
+                          <m:ctrlPr>
+                            <a:rPr lang="en-US" sz="3200" b="0" i="1" dirty="0" smtClean="0">
+                              <a:solidFill>
+                                <a:srgbClr val="C00000"/>
+                              </a:solidFill>
+                              <a:latin typeface="Cambria Math" panose="02040503050406030204" pitchFamily="18" charset="0"/>
+                            </a:rPr>
+                          </m:ctrlPr>
+                        </m:dPr>
+                        <m:e>
+                          <m:d>
+                            <m:dPr>
+                              <m:begChr m:val="|"/>
+                              <m:endChr m:val="|"/>
+                              <m:ctrlPr>
+                                <a:rPr lang="en-US" sz="3200" b="0" i="1" dirty="0" smtClean="0">
+                                  <a:solidFill>
+                                    <a:srgbClr val="C00000"/>
+                                  </a:solidFill>
+                                  <a:latin typeface="Cambria Math" panose="02040503050406030204" pitchFamily="18" charset="0"/>
+                                </a:rPr>
+                              </m:ctrlPr>
+                            </m:dPr>
+                            <m:e>
+                              <m:r>
+                                <a:rPr lang="en-US" sz="3200" b="0" i="1" dirty="0" smtClean="0">
+                                  <a:solidFill>
+                                    <a:srgbClr val="C00000"/>
+                                  </a:solidFill>
+                                  <a:latin typeface="Cambria Math" panose="02040503050406030204" pitchFamily="18" charset="0"/>
+                                </a:rPr>
+                                <m:t>𝑋</m:t>
+                              </m:r>
+                              <m:r>
+                                <a:rPr lang="en-US" sz="3200" b="0" i="1" dirty="0" smtClean="0">
+                                  <a:solidFill>
+                                    <a:srgbClr val="C00000"/>
+                                  </a:solidFill>
+                                  <a:latin typeface="Cambria Math" panose="02040503050406030204" pitchFamily="18" charset="0"/>
+                                </a:rPr>
+                                <m:t>−</m:t>
+                              </m:r>
+                              <m:r>
+                                <a:rPr lang="en-US" sz="3200" b="0" i="1" dirty="0" smtClean="0">
+                                  <a:solidFill>
+                                    <a:srgbClr val="C00000"/>
+                                  </a:solidFill>
+                                  <a:latin typeface="Cambria Math" panose="02040503050406030204" pitchFamily="18" charset="0"/>
+                                </a:rPr>
+                                <m:t>𝜇</m:t>
+                              </m:r>
+                            </m:e>
+                          </m:d>
+                          <m:r>
+                            <a:rPr lang="en-US" sz="3200" b="0" i="1" dirty="0" smtClean="0">
+                              <a:solidFill>
+                                <a:srgbClr val="C00000"/>
+                              </a:solidFill>
+                              <a:latin typeface="Cambria Math" panose="02040503050406030204" pitchFamily="18" charset="0"/>
+                            </a:rPr>
+                            <m:t>≥</m:t>
+                          </m:r>
+                          <m:r>
+                            <a:rPr lang="en-US" sz="3200" b="0" i="1" dirty="0" smtClean="0">
+                              <a:solidFill>
+                                <a:schemeClr val="accent1"/>
+                              </a:solidFill>
+                              <a:latin typeface="Cambria Math" panose="02040503050406030204" pitchFamily="18" charset="0"/>
+                            </a:rPr>
+                            <m:t>𝑘</m:t>
+                          </m:r>
+                          <m:r>
+                            <a:rPr lang="en-US" sz="3200" b="0" i="1" dirty="0" smtClean="0">
+                              <a:solidFill>
+                                <a:schemeClr val="accent1"/>
+                              </a:solidFill>
+                              <a:latin typeface="Cambria Math" panose="02040503050406030204" pitchFamily="18" charset="0"/>
+                            </a:rPr>
+                            <m:t>𝜎</m:t>
+                          </m:r>
+                        </m:e>
+                      </m:d>
+                      <m:r>
+                        <a:rPr lang="en-US" sz="3200" b="0" i="1" dirty="0" smtClean="0">
+                          <a:solidFill>
+                            <a:schemeClr val="tx1"/>
+                          </a:solidFill>
+                          <a:latin typeface="Cambria Math" panose="02040503050406030204" pitchFamily="18" charset="0"/>
+                        </a:rPr>
+                        <m:t>≤</m:t>
+                      </m:r>
+                      <m:r>
+                        <a:rPr lang="en-US" sz="3200" b="0" i="0" dirty="0" smtClean="0">
+                          <a:solidFill>
+                            <a:schemeClr val="accent1"/>
+                          </a:solidFill>
+                          <a:latin typeface="Cambria Math" panose="02040503050406030204" pitchFamily="18" charset="0"/>
+                        </a:rPr>
+                        <m:t>2</m:t>
+                      </m:r>
+                      <m:r>
+                        <m:rPr>
+                          <m:sty m:val="p"/>
+                        </m:rPr>
+                        <a:rPr lang="en-US" sz="3200" b="0" i="0" dirty="0" smtClean="0">
+                          <a:solidFill>
+                            <a:schemeClr val="accent1"/>
+                          </a:solidFill>
+                          <a:latin typeface="Cambria Math" panose="02040503050406030204" pitchFamily="18" charset="0"/>
+                        </a:rPr>
+                        <m:t>exp</m:t>
+                      </m:r>
+                      <m:d>
+                        <m:dPr>
+                          <m:ctrlPr>
+                            <a:rPr lang="en-US" sz="3200" b="0" i="1" dirty="0" smtClean="0">
+                              <a:solidFill>
+                                <a:schemeClr val="accent1"/>
+                              </a:solidFill>
+                              <a:latin typeface="Cambria Math" panose="02040503050406030204" pitchFamily="18" charset="0"/>
+                            </a:rPr>
+                          </m:ctrlPr>
+                        </m:dPr>
+                        <m:e>
+                          <m:r>
+                            <a:rPr lang="en-US" sz="3200" dirty="0">
+                              <a:solidFill>
+                                <a:schemeClr val="accent1"/>
+                              </a:solidFill>
+                              <a:latin typeface="Cambria Math" panose="02040503050406030204" pitchFamily="18" charset="0"/>
+                            </a:rPr>
+                            <m:t>−</m:t>
+                          </m:r>
+                          <m:f>
+                            <m:fPr>
+                              <m:ctrlPr>
+                                <a:rPr lang="en-US" sz="3200" i="1" dirty="0">
+                                  <a:solidFill>
+                                    <a:schemeClr val="accent1"/>
+                                  </a:solidFill>
+                                  <a:latin typeface="Cambria Math" panose="02040503050406030204" pitchFamily="18" charset="0"/>
+                                </a:rPr>
+                              </m:ctrlPr>
+                            </m:fPr>
+                            <m:num>
+                              <m:sSup>
+                                <m:sSupPr>
+                                  <m:ctrlPr>
+                                    <a:rPr lang="en-US" sz="3200" i="1" dirty="0">
+                                      <a:solidFill>
+                                        <a:schemeClr val="accent1"/>
+                                      </a:solidFill>
+                                      <a:latin typeface="Cambria Math" panose="02040503050406030204" pitchFamily="18" charset="0"/>
+                                    </a:rPr>
+                                  </m:ctrlPr>
+                                </m:sSupPr>
+                                <m:e>
+                                  <m:r>
+                                    <a:rPr lang="en-US" sz="3200" i="1" dirty="0">
+                                      <a:solidFill>
+                                        <a:schemeClr val="accent1"/>
+                                      </a:solidFill>
+                                      <a:latin typeface="Cambria Math" panose="02040503050406030204" pitchFamily="18" charset="0"/>
+                                    </a:rPr>
+                                    <m:t>𝑘</m:t>
+                                  </m:r>
+                                </m:e>
+                                <m:sup>
+                                  <m:r>
+                                    <a:rPr lang="en-US" sz="3200" dirty="0">
+                                      <a:solidFill>
+                                        <a:schemeClr val="accent1"/>
+                                      </a:solidFill>
+                                      <a:latin typeface="Cambria Math" panose="02040503050406030204" pitchFamily="18" charset="0"/>
+                                    </a:rPr>
+                                    <m:t>2</m:t>
+                                  </m:r>
+                                </m:sup>
+                              </m:sSup>
+                            </m:num>
+                            <m:den>
+                              <m:r>
+                                <a:rPr lang="en-US" sz="3200" dirty="0">
+                                  <a:solidFill>
+                                    <a:schemeClr val="accent1"/>
+                                  </a:solidFill>
+                                  <a:latin typeface="Cambria Math" panose="02040503050406030204" pitchFamily="18" charset="0"/>
+                                </a:rPr>
+                                <m:t>4</m:t>
+                              </m:r>
+                            </m:den>
+                          </m:f>
+                        </m:e>
+                      </m:d>
+                    </m:oMath>
+                  </m:oMathPara>
+                </a14:m>
+                <a:endParaRPr lang="en-US" sz="3200" dirty="0"/>
+              </a:p>
+            </p:txBody>
+          </p:sp>
+        </mc:Choice>
+        <mc:Fallback xmlns="">
+          <p:sp>
+            <p:nvSpPr>
+              <p:cNvPr id="6" name="TextBox 5">
+                <a:extLst>
+                  <a:ext uri="{FF2B5EF4-FFF2-40B4-BE49-F238E27FC236}">
+                    <a16:creationId xmlns:a16="http://schemas.microsoft.com/office/drawing/2014/main" id="{A222DF65-936D-78EA-36D0-5C8A40331A9C}"/>
+                  </a:ext>
+                </a:extLst>
+              </p:cNvPr>
+              <p:cNvSpPr txBox="1">
+                <a:spLocks noRot="1" noChangeAspect="1" noMove="1" noResize="1" noEditPoints="1" noAdjustHandles="1" noChangeArrowheads="1" noChangeShapeType="1" noTextEdit="1"/>
+              </p:cNvSpPr>
+              <p:nvPr/>
+            </p:nvSpPr>
+            <p:spPr>
+              <a:xfrm>
+                <a:off x="1479177" y="2220208"/>
+                <a:ext cx="8937812" cy="1208792"/>
+              </a:xfrm>
+              <a:prstGeom prst="rect">
+                <a:avLst/>
+              </a:prstGeom>
+              <a:blipFill>
+                <a:blip r:embed="rId3"/>
+                <a:stretch>
+                  <a:fillRect/>
+                </a:stretch>
+              </a:blipFill>
+            </p:spPr>
+            <p:txBody>
+              <a:bodyPr/>
+              <a:lstStyle/>
+              <a:p>
+                <a:r>
+                  <a:rPr lang="en-US">
+                    <a:noFill/>
+                  </a:rPr>
+                  <a:t> </a:t>
+                </a:r>
+              </a:p>
+            </p:txBody>
+          </p:sp>
+        </mc:Fallback>
+      </mc:AlternateContent>
+      <p:pic>
+        <p:nvPicPr>
+          <p:cNvPr id="9" name="Picture 8">
+            <a:extLst>
+              <a:ext uri="{FF2B5EF4-FFF2-40B4-BE49-F238E27FC236}">
+                <a16:creationId xmlns:a16="http://schemas.microsoft.com/office/drawing/2014/main" id="{E6FAAD63-A3B0-B95A-9FCB-F222504FEA1E}"/>
+              </a:ext>
+            </a:extLst>
+          </p:cNvPr>
+          <p:cNvPicPr>
+            <a:picLocks noChangeAspect="1"/>
+          </p:cNvPicPr>
+          <p:nvPr/>
+        </p:nvPicPr>
+        <p:blipFill>
+          <a:blip r:embed="rId4"/>
+          <a:stretch>
+            <a:fillRect/>
+          </a:stretch>
+        </p:blipFill>
+        <p:spPr>
+          <a:xfrm>
+            <a:off x="6642846" y="3728157"/>
+            <a:ext cx="3684495" cy="2864437"/>
+          </a:xfrm>
+          <a:prstGeom prst="rect">
+            <a:avLst/>
+          </a:prstGeom>
+        </p:spPr>
+      </p:pic>
+      <mc:AlternateContent xmlns:mc="http://schemas.openxmlformats.org/markup-compatibility/2006">
+        <mc:Choice xmlns:a14="http://schemas.microsoft.com/office/drawing/2010/main" Requires="a14">
+          <p:sp>
+            <p:nvSpPr>
+              <p:cNvPr id="4" name="Content Placeholder 2">
+                <a:extLst>
+                  <a:ext uri="{FF2B5EF4-FFF2-40B4-BE49-F238E27FC236}">
+                    <a16:creationId xmlns:a16="http://schemas.microsoft.com/office/drawing/2014/main" id="{BF4D244E-D9C6-1335-D28F-8FE0821C87C3}"/>
+                  </a:ext>
+                </a:extLst>
+              </p:cNvPr>
+              <p:cNvSpPr txBox="1">
+                <a:spLocks/>
+              </p:cNvSpPr>
+              <p:nvPr/>
+            </p:nvSpPr>
+            <p:spPr>
+              <a:xfrm>
+                <a:off x="838200" y="3242049"/>
+                <a:ext cx="5804646" cy="2011269"/>
+              </a:xfrm>
+              <a:prstGeom prst="rect">
+                <a:avLst/>
+              </a:prstGeom>
+            </p:spPr>
+            <p:txBody>
+              <a:bodyPr vert="horz" lIns="91440" tIns="45720" rIns="91440" bIns="45720" rtlCol="0">
+                <a:normAutofit/>
+              </a:bodyPr>
+              <a:lstStyle>
+                <a:lvl1pPr marL="228600" indent="-228600" algn="l" defTabSz="914400" rtl="0" eaLnBrk="1" latinLnBrk="0" hangingPunct="1">
+                  <a:lnSpc>
+                    <a:spcPct val="90000"/>
+                  </a:lnSpc>
+                  <a:spcBef>
+                    <a:spcPts val="1000"/>
+                  </a:spcBef>
+                  <a:buFont typeface="Arial" panose="020B0604020202020204" pitchFamily="34" charset="0"/>
+                  <a:buChar char="•"/>
+                  <a:defRPr sz="2800" kern="1200">
+                    <a:solidFill>
+                      <a:schemeClr val="tx1"/>
+                    </a:solidFill>
+                    <a:latin typeface="+mn-lt"/>
+                    <a:ea typeface="+mn-ea"/>
+                    <a:cs typeface="+mn-cs"/>
+                  </a:defRPr>
+                </a:lvl1pPr>
+                <a:lvl2pPr marL="685800" indent="-228600" algn="l" defTabSz="914400" rtl="0" eaLnBrk="1" latinLnBrk="0" hangingPunct="1">
+                  <a:lnSpc>
+                    <a:spcPct val="90000"/>
+                  </a:lnSpc>
+                  <a:spcBef>
+                    <a:spcPts val="500"/>
+                  </a:spcBef>
+                  <a:buFont typeface="Arial" panose="020B0604020202020204" pitchFamily="34" charset="0"/>
+                  <a:buChar char="•"/>
+                  <a:defRPr sz="2400" kern="1200">
+                    <a:solidFill>
+                      <a:schemeClr val="tx1"/>
+                    </a:solidFill>
+                    <a:latin typeface="+mn-lt"/>
+                    <a:ea typeface="+mn-ea"/>
+                    <a:cs typeface="+mn-cs"/>
+                  </a:defRPr>
+                </a:lvl2pPr>
+                <a:lvl3pPr marL="1143000" indent="-228600" algn="l" defTabSz="914400" rtl="0" eaLnBrk="1" latinLnBrk="0" hangingPunct="1">
+                  <a:lnSpc>
+                    <a:spcPct val="90000"/>
+                  </a:lnSpc>
+                  <a:spcBef>
+                    <a:spcPts val="500"/>
+                  </a:spcBef>
+                  <a:buFont typeface="Arial" panose="020B0604020202020204" pitchFamily="34" charset="0"/>
+                  <a:buChar char="•"/>
+                  <a:defRPr sz="2000" kern="1200">
+                    <a:solidFill>
+                      <a:schemeClr val="tx1"/>
+                    </a:solidFill>
+                    <a:latin typeface="+mn-lt"/>
+                    <a:ea typeface="+mn-ea"/>
+                    <a:cs typeface="+mn-cs"/>
+                  </a:defRPr>
+                </a:lvl3pPr>
+                <a:lvl4pPr marL="1600200" indent="-228600" algn="l" defTabSz="914400" rtl="0" eaLnBrk="1" latinLnBrk="0" hangingPunct="1">
+                  <a:lnSpc>
+                    <a:spcPct val="90000"/>
+                  </a:lnSpc>
+                  <a:spcBef>
+                    <a:spcPts val="500"/>
+                  </a:spcBef>
+                  <a:buFont typeface="Arial" panose="020B0604020202020204" pitchFamily="34" charset="0"/>
+                  <a:buChar char="•"/>
+                  <a:defRPr sz="1800" kern="1200">
+                    <a:solidFill>
+                      <a:schemeClr val="tx1"/>
+                    </a:solidFill>
+                    <a:latin typeface="+mn-lt"/>
+                    <a:ea typeface="+mn-ea"/>
+                    <a:cs typeface="+mn-cs"/>
+                  </a:defRPr>
+                </a:lvl4pPr>
+                <a:lvl5pPr marL="2057400" indent="-228600" algn="l" defTabSz="914400" rtl="0" eaLnBrk="1" latinLnBrk="0" hangingPunct="1">
+                  <a:lnSpc>
+                    <a:spcPct val="90000"/>
+                  </a:lnSpc>
+                  <a:spcBef>
+                    <a:spcPts val="500"/>
+                  </a:spcBef>
+                  <a:buFont typeface="Arial" panose="020B0604020202020204" pitchFamily="34" charset="0"/>
+                  <a:buChar char="•"/>
+                  <a:defRPr sz="1800" kern="1200">
+                    <a:solidFill>
+                      <a:schemeClr val="tx1"/>
+                    </a:solidFill>
+                    <a:latin typeface="+mn-lt"/>
+                    <a:ea typeface="+mn-ea"/>
+                    <a:cs typeface="+mn-cs"/>
+                  </a:defRPr>
+                </a:lvl5pPr>
+                <a:lvl6pPr marL="2514600" indent="-228600" algn="l" defTabSz="914400" rtl="0" eaLnBrk="1" latinLnBrk="0" hangingPunct="1">
+                  <a:lnSpc>
+                    <a:spcPct val="90000"/>
+                  </a:lnSpc>
+                  <a:spcBef>
+                    <a:spcPts val="500"/>
+                  </a:spcBef>
+                  <a:buFont typeface="Arial" panose="020B0604020202020204" pitchFamily="34" charset="0"/>
+                  <a:buChar char="•"/>
+                  <a:defRPr sz="1800" kern="1200">
+                    <a:solidFill>
+                      <a:schemeClr val="tx1"/>
+                    </a:solidFill>
+                    <a:latin typeface="+mn-lt"/>
+                    <a:ea typeface="+mn-ea"/>
+                    <a:cs typeface="+mn-cs"/>
+                  </a:defRPr>
+                </a:lvl6pPr>
+                <a:lvl7pPr marL="2971800" indent="-228600" algn="l" defTabSz="914400" rtl="0" eaLnBrk="1" latinLnBrk="0" hangingPunct="1">
+                  <a:lnSpc>
+                    <a:spcPct val="90000"/>
+                  </a:lnSpc>
+                  <a:spcBef>
+                    <a:spcPts val="500"/>
+                  </a:spcBef>
+                  <a:buFont typeface="Arial" panose="020B0604020202020204" pitchFamily="34" charset="0"/>
+                  <a:buChar char="•"/>
+                  <a:defRPr sz="1800" kern="1200">
+                    <a:solidFill>
+                      <a:schemeClr val="tx1"/>
+                    </a:solidFill>
+                    <a:latin typeface="+mn-lt"/>
+                    <a:ea typeface="+mn-ea"/>
+                    <a:cs typeface="+mn-cs"/>
+                  </a:defRPr>
+                </a:lvl7pPr>
+                <a:lvl8pPr marL="3429000" indent="-228600" algn="l" defTabSz="914400" rtl="0" eaLnBrk="1" latinLnBrk="0" hangingPunct="1">
+                  <a:lnSpc>
+                    <a:spcPct val="90000"/>
+                  </a:lnSpc>
+                  <a:spcBef>
+                    <a:spcPts val="500"/>
+                  </a:spcBef>
+                  <a:buFont typeface="Arial" panose="020B0604020202020204" pitchFamily="34" charset="0"/>
+                  <a:buChar char="•"/>
+                  <a:defRPr sz="1800" kern="1200">
+                    <a:solidFill>
+                      <a:schemeClr val="tx1"/>
+                    </a:solidFill>
+                    <a:latin typeface="+mn-lt"/>
+                    <a:ea typeface="+mn-ea"/>
+                    <a:cs typeface="+mn-cs"/>
+                  </a:defRPr>
+                </a:lvl8pPr>
+                <a:lvl9pPr marL="3886200" indent="-228600" algn="l" defTabSz="914400" rtl="0" eaLnBrk="1" latinLnBrk="0" hangingPunct="1">
+                  <a:lnSpc>
+                    <a:spcPct val="90000"/>
+                  </a:lnSpc>
+                  <a:spcBef>
+                    <a:spcPts val="500"/>
+                  </a:spcBef>
+                  <a:buFont typeface="Arial" panose="020B0604020202020204" pitchFamily="34" charset="0"/>
+                  <a:buChar char="•"/>
+                  <a:defRPr sz="1800" kern="1200">
+                    <a:solidFill>
+                      <a:schemeClr val="tx1"/>
+                    </a:solidFill>
+                    <a:latin typeface="+mn-lt"/>
+                    <a:ea typeface="+mn-ea"/>
+                    <a:cs typeface="+mn-cs"/>
+                  </a:defRPr>
+                </a:lvl9pPr>
+              </a:lstStyle>
+              <a:p>
+                <a:pPr>
+                  <a:buClr>
+                    <a:schemeClr val="tx1"/>
+                  </a:buClr>
+                </a:pPr>
+                <a:r>
+                  <a:rPr lang="en-US" dirty="0"/>
+                  <a:t>Plot across values of </a:t>
+                </a:r>
+                <a14:m>
+                  <m:oMath xmlns:m="http://schemas.openxmlformats.org/officeDocument/2006/math">
+                    <m:r>
+                      <a:rPr lang="en-US" i="1" dirty="0" smtClean="0">
+                        <a:solidFill>
+                          <a:srgbClr val="C00000"/>
+                        </a:solidFill>
+                        <a:latin typeface="Cambria Math" panose="02040503050406030204" pitchFamily="18" charset="0"/>
+                      </a:rPr>
+                      <m:t>𝑘</m:t>
+                    </m:r>
+                  </m:oMath>
+                </a14:m>
+                <a:r>
+                  <a:rPr lang="en-US" dirty="0"/>
+                  <a:t> looks like normal random variable</a:t>
+                </a:r>
+              </a:p>
+              <a:p>
+                <a:pPr>
+                  <a:buClr>
+                    <a:schemeClr val="tx1"/>
+                  </a:buClr>
+                </a:pPr>
+                <a:endParaRPr lang="en-US" dirty="0"/>
+              </a:p>
+              <a:p>
+                <a:pPr>
+                  <a:buClr>
+                    <a:schemeClr val="tx1"/>
+                  </a:buClr>
+                </a:pPr>
+                <a:r>
+                  <a:rPr lang="en-US" dirty="0"/>
+                  <a:t>PDF of Gaussian </a:t>
+                </a:r>
+                <a14:m>
+                  <m:oMath xmlns:m="http://schemas.openxmlformats.org/officeDocument/2006/math">
+                    <m:r>
+                      <m:rPr>
+                        <m:sty m:val="p"/>
+                      </m:rPr>
+                      <a:rPr lang="en-US" sz="2800" b="0" i="0" dirty="0" smtClean="0">
+                        <a:solidFill>
+                          <a:srgbClr val="C00000"/>
+                        </a:solidFill>
+                        <a:latin typeface="Cambria Math" panose="02040503050406030204" pitchFamily="18" charset="0"/>
+                      </a:rPr>
+                      <m:t>N</m:t>
+                    </m:r>
+                    <m:d>
+                      <m:dPr>
+                        <m:ctrlPr>
+                          <a:rPr lang="en-US" sz="2800" b="0" i="0" dirty="0" smtClean="0">
+                            <a:solidFill>
+                              <a:srgbClr val="C00000"/>
+                            </a:solidFill>
+                            <a:latin typeface="Cambria Math" panose="02040503050406030204" pitchFamily="18" charset="0"/>
+                          </a:rPr>
+                        </m:ctrlPr>
+                      </m:dPr>
+                      <m:e>
+                        <m:r>
+                          <a:rPr lang="en-US" sz="2800" b="0" i="0" dirty="0" smtClean="0">
+                            <a:solidFill>
+                              <a:srgbClr val="C00000"/>
+                            </a:solidFill>
+                            <a:latin typeface="Cambria Math" panose="02040503050406030204" pitchFamily="18" charset="0"/>
+                          </a:rPr>
+                          <m:t>0,</m:t>
+                        </m:r>
+                        <m:sSup>
+                          <m:sSupPr>
+                            <m:ctrlPr>
+                              <a:rPr lang="en-US" sz="2800" b="0" i="1" dirty="0" smtClean="0">
+                                <a:solidFill>
+                                  <a:srgbClr val="C00000"/>
+                                </a:solidFill>
+                                <a:latin typeface="Cambria Math" panose="02040503050406030204" pitchFamily="18" charset="0"/>
+                              </a:rPr>
+                            </m:ctrlPr>
+                          </m:sSupPr>
+                          <m:e>
+                            <m:r>
+                              <a:rPr lang="en-US" sz="2800" b="0" i="1" dirty="0" smtClean="0">
+                                <a:solidFill>
+                                  <a:srgbClr val="C00000"/>
+                                </a:solidFill>
+                                <a:latin typeface="Cambria Math" panose="02040503050406030204" pitchFamily="18" charset="0"/>
+                              </a:rPr>
+                              <m:t>𝜎</m:t>
+                            </m:r>
+                          </m:e>
+                          <m:sup>
+                            <m:r>
+                              <a:rPr lang="en-US" sz="2800" b="0" i="1" dirty="0" smtClean="0">
+                                <a:solidFill>
+                                  <a:srgbClr val="C00000"/>
+                                </a:solidFill>
+                                <a:latin typeface="Cambria Math" panose="02040503050406030204" pitchFamily="18" charset="0"/>
+                              </a:rPr>
+                              <m:t>2</m:t>
+                            </m:r>
+                          </m:sup>
+                        </m:sSup>
+                      </m:e>
+                    </m:d>
+                  </m:oMath>
+                </a14:m>
+                <a:r>
+                  <a:rPr lang="en-US" dirty="0"/>
+                  <a:t> is</a:t>
+                </a:r>
+              </a:p>
+              <a:p>
+                <a:pPr>
+                  <a:buClr>
+                    <a:schemeClr val="tx1"/>
+                  </a:buClr>
+                </a:pPr>
+                <a:endParaRPr lang="en-US" dirty="0"/>
+              </a:p>
+            </p:txBody>
+          </p:sp>
+        </mc:Choice>
+        <mc:Fallback>
+          <p:sp>
+            <p:nvSpPr>
+              <p:cNvPr id="4" name="Content Placeholder 2">
+                <a:extLst>
+                  <a:ext uri="{FF2B5EF4-FFF2-40B4-BE49-F238E27FC236}">
+                    <a16:creationId xmlns:a16="http://schemas.microsoft.com/office/drawing/2014/main" id="{BF4D244E-D9C6-1335-D28F-8FE0821C87C3}"/>
+                  </a:ext>
+                </a:extLst>
+              </p:cNvPr>
+              <p:cNvSpPr txBox="1">
+                <a:spLocks noRot="1" noChangeAspect="1" noMove="1" noResize="1" noEditPoints="1" noAdjustHandles="1" noChangeArrowheads="1" noChangeShapeType="1" noTextEdit="1"/>
+              </p:cNvSpPr>
+              <p:nvPr/>
+            </p:nvSpPr>
+            <p:spPr>
+              <a:xfrm>
+                <a:off x="838200" y="3242049"/>
+                <a:ext cx="5804646" cy="2011269"/>
+              </a:xfrm>
+              <a:prstGeom prst="rect">
+                <a:avLst/>
+              </a:prstGeom>
+              <a:blipFill>
+                <a:blip r:embed="rId5"/>
+                <a:stretch>
+                  <a:fillRect l="-1891" t="-5152" b="-2424"/>
+                </a:stretch>
+              </a:blipFill>
+            </p:spPr>
+            <p:txBody>
+              <a:bodyPr/>
+              <a:lstStyle/>
+              <a:p>
+                <a:r>
+                  <a:rPr lang="en-US">
+                    <a:noFill/>
+                  </a:rPr>
+                  <a:t> </a:t>
+                </a:r>
+              </a:p>
+            </p:txBody>
+          </p:sp>
+        </mc:Fallback>
+      </mc:AlternateContent>
+      <mc:AlternateContent xmlns:mc="http://schemas.openxmlformats.org/markup-compatibility/2006">
+        <mc:Choice xmlns:a14="http://schemas.microsoft.com/office/drawing/2010/main" Requires="a14">
+          <p:sp>
+            <p:nvSpPr>
+              <p:cNvPr id="5" name="TextBox 4">
+                <a:extLst>
+                  <a:ext uri="{FF2B5EF4-FFF2-40B4-BE49-F238E27FC236}">
+                    <a16:creationId xmlns:a16="http://schemas.microsoft.com/office/drawing/2014/main" id="{68167096-C457-539D-FB61-7E30B6731264}"/>
+                  </a:ext>
+                </a:extLst>
+              </p:cNvPr>
+              <p:cNvSpPr txBox="1"/>
+              <p:nvPr/>
+            </p:nvSpPr>
+            <p:spPr>
+              <a:xfrm>
+                <a:off x="1896033" y="5160375"/>
+                <a:ext cx="4392707" cy="1189108"/>
+              </a:xfrm>
+              <a:prstGeom prst="rect">
+                <a:avLst/>
+              </a:prstGeom>
+              <a:noFill/>
+            </p:spPr>
+            <p:txBody>
+              <a:bodyPr wrap="square">
+                <a:spAutoFit/>
+              </a:bodyPr>
+              <a:lstStyle/>
+              <a:p>
+                <a:pPr/>
+                <a14:m>
+                  <m:oMathPara xmlns:m="http://schemas.openxmlformats.org/officeDocument/2006/math">
+                    <m:oMathParaPr>
+                      <m:jc m:val="centerGroup"/>
+                    </m:oMathParaPr>
+                    <m:oMath xmlns:m="http://schemas.openxmlformats.org/officeDocument/2006/math">
+                      <m:r>
+                        <a:rPr lang="en-US" sz="3200" b="0" i="1" dirty="0" smtClean="0">
+                          <a:solidFill>
+                            <a:srgbClr val="C00000"/>
+                          </a:solidFill>
+                          <a:latin typeface="Cambria Math" panose="02040503050406030204" pitchFamily="18" charset="0"/>
+                        </a:rPr>
+                        <m:t>𝑝</m:t>
+                      </m:r>
+                      <m:d>
+                        <m:dPr>
+                          <m:ctrlPr>
+                            <a:rPr lang="en-US" sz="3200" b="0" i="1" dirty="0" smtClean="0">
+                              <a:solidFill>
+                                <a:srgbClr val="C00000"/>
+                              </a:solidFill>
+                              <a:latin typeface="Cambria Math" panose="02040503050406030204" pitchFamily="18" charset="0"/>
+                            </a:rPr>
+                          </m:ctrlPr>
+                        </m:dPr>
+                        <m:e>
+                          <m:r>
+                            <a:rPr lang="en-US" sz="3200" b="0" i="1" dirty="0" smtClean="0">
+                              <a:solidFill>
+                                <a:srgbClr val="C00000"/>
+                              </a:solidFill>
+                              <a:latin typeface="Cambria Math" panose="02040503050406030204" pitchFamily="18" charset="0"/>
+                            </a:rPr>
+                            <m:t>𝑥</m:t>
+                          </m:r>
+                        </m:e>
+                      </m:d>
+                      <m:r>
+                        <a:rPr lang="en-US" sz="3200" b="0" i="1" dirty="0" smtClean="0">
+                          <a:solidFill>
+                            <a:srgbClr val="C00000"/>
+                          </a:solidFill>
+                          <a:latin typeface="Cambria Math" panose="02040503050406030204" pitchFamily="18" charset="0"/>
+                        </a:rPr>
+                        <m:t>=</m:t>
+                      </m:r>
+                      <m:f>
+                        <m:fPr>
+                          <m:ctrlPr>
+                            <a:rPr lang="en-US" sz="3200" b="0" i="1" dirty="0" smtClean="0">
+                              <a:solidFill>
+                                <a:srgbClr val="C00000"/>
+                              </a:solidFill>
+                              <a:latin typeface="Cambria Math" panose="02040503050406030204" pitchFamily="18" charset="0"/>
+                            </a:rPr>
+                          </m:ctrlPr>
+                        </m:fPr>
+                        <m:num>
+                          <m:r>
+                            <a:rPr lang="en-US" sz="3200" b="0" i="1" dirty="0" smtClean="0">
+                              <a:solidFill>
+                                <a:srgbClr val="C00000"/>
+                              </a:solidFill>
+                              <a:latin typeface="Cambria Math" panose="02040503050406030204" pitchFamily="18" charset="0"/>
+                            </a:rPr>
+                            <m:t>1</m:t>
+                          </m:r>
+                        </m:num>
+                        <m:den>
+                          <m:rad>
+                            <m:radPr>
+                              <m:degHide m:val="on"/>
+                              <m:ctrlPr>
+                                <a:rPr lang="en-US" sz="3200" b="0" i="1" dirty="0" smtClean="0">
+                                  <a:solidFill>
+                                    <a:srgbClr val="C00000"/>
+                                  </a:solidFill>
+                                  <a:latin typeface="Cambria Math" panose="02040503050406030204" pitchFamily="18" charset="0"/>
+                                </a:rPr>
+                              </m:ctrlPr>
+                            </m:radPr>
+                            <m:deg/>
+                            <m:e>
+                              <m:r>
+                                <a:rPr lang="en-US" sz="3200" b="0" i="1" dirty="0" smtClean="0">
+                                  <a:solidFill>
+                                    <a:srgbClr val="C00000"/>
+                                  </a:solidFill>
+                                  <a:latin typeface="Cambria Math" panose="02040503050406030204" pitchFamily="18" charset="0"/>
+                                </a:rPr>
+                                <m:t>2</m:t>
+                              </m:r>
+                              <m:r>
+                                <a:rPr lang="en-US" sz="3200" b="0" i="1" dirty="0" smtClean="0">
+                                  <a:solidFill>
+                                    <a:srgbClr val="C00000"/>
+                                  </a:solidFill>
+                                  <a:latin typeface="Cambria Math" panose="02040503050406030204" pitchFamily="18" charset="0"/>
+                                </a:rPr>
+                                <m:t>𝜋</m:t>
+                              </m:r>
+                              <m:sSup>
+                                <m:sSupPr>
+                                  <m:ctrlPr>
+                                    <a:rPr lang="en-US" sz="3200" b="0" i="1" dirty="0" smtClean="0">
+                                      <a:solidFill>
+                                        <a:srgbClr val="C00000"/>
+                                      </a:solidFill>
+                                      <a:latin typeface="Cambria Math" panose="02040503050406030204" pitchFamily="18" charset="0"/>
+                                    </a:rPr>
+                                  </m:ctrlPr>
+                                </m:sSupPr>
+                                <m:e>
+                                  <m:r>
+                                    <a:rPr lang="en-US" sz="3200" b="0" i="1" dirty="0" smtClean="0">
+                                      <a:solidFill>
+                                        <a:srgbClr val="C00000"/>
+                                      </a:solidFill>
+                                      <a:latin typeface="Cambria Math" panose="02040503050406030204" pitchFamily="18" charset="0"/>
+                                    </a:rPr>
+                                    <m:t>𝜎</m:t>
+                                  </m:r>
+                                </m:e>
+                                <m:sup>
+                                  <m:r>
+                                    <a:rPr lang="en-US" sz="3200" b="0" i="1" dirty="0" smtClean="0">
+                                      <a:solidFill>
+                                        <a:srgbClr val="C00000"/>
+                                      </a:solidFill>
+                                      <a:latin typeface="Cambria Math" panose="02040503050406030204" pitchFamily="18" charset="0"/>
+                                    </a:rPr>
+                                    <m:t>2</m:t>
+                                  </m:r>
+                                </m:sup>
+                              </m:sSup>
+                            </m:e>
+                          </m:rad>
+                        </m:den>
+                      </m:f>
+                      <m:sSup>
+                        <m:sSupPr>
+                          <m:ctrlPr>
+                            <a:rPr lang="en-US" sz="3200" b="0" i="1" dirty="0" smtClean="0">
+                              <a:solidFill>
+                                <a:srgbClr val="C00000"/>
+                              </a:solidFill>
+                              <a:latin typeface="Cambria Math" panose="02040503050406030204" pitchFamily="18" charset="0"/>
+                            </a:rPr>
+                          </m:ctrlPr>
+                        </m:sSupPr>
+                        <m:e>
+                          <m:r>
+                            <a:rPr lang="en-US" sz="3200" b="0" i="1" dirty="0" smtClean="0">
+                              <a:solidFill>
+                                <a:srgbClr val="C00000"/>
+                              </a:solidFill>
+                              <a:latin typeface="Cambria Math" panose="02040503050406030204" pitchFamily="18" charset="0"/>
+                            </a:rPr>
+                            <m:t>𝑒</m:t>
+                          </m:r>
+                        </m:e>
+                        <m:sup>
+                          <m:r>
+                            <a:rPr lang="en-US" sz="3200" b="0" i="1" dirty="0" smtClean="0">
+                              <a:solidFill>
+                                <a:srgbClr val="C00000"/>
+                              </a:solidFill>
+                              <a:latin typeface="Cambria Math" panose="02040503050406030204" pitchFamily="18" charset="0"/>
+                            </a:rPr>
+                            <m:t>−</m:t>
+                          </m:r>
+                          <m:f>
+                            <m:fPr>
+                              <m:ctrlPr>
+                                <a:rPr lang="en-US" sz="3200" b="0" i="1" dirty="0" smtClean="0">
+                                  <a:solidFill>
+                                    <a:srgbClr val="C00000"/>
+                                  </a:solidFill>
+                                  <a:latin typeface="Cambria Math" panose="02040503050406030204" pitchFamily="18" charset="0"/>
+                                </a:rPr>
+                              </m:ctrlPr>
+                            </m:fPr>
+                            <m:num>
+                              <m:sSup>
+                                <m:sSupPr>
+                                  <m:ctrlPr>
+                                    <a:rPr lang="en-US" sz="3200" b="0" i="1" dirty="0" smtClean="0">
+                                      <a:solidFill>
+                                        <a:srgbClr val="C00000"/>
+                                      </a:solidFill>
+                                      <a:latin typeface="Cambria Math" panose="02040503050406030204" pitchFamily="18" charset="0"/>
+                                    </a:rPr>
+                                  </m:ctrlPr>
+                                </m:sSupPr>
+                                <m:e>
+                                  <m:r>
+                                    <a:rPr lang="en-US" sz="3200" b="0" i="1" dirty="0" smtClean="0">
+                                      <a:solidFill>
+                                        <a:srgbClr val="C00000"/>
+                                      </a:solidFill>
+                                      <a:latin typeface="Cambria Math" panose="02040503050406030204" pitchFamily="18" charset="0"/>
+                                    </a:rPr>
+                                    <m:t>𝑥</m:t>
+                                  </m:r>
+                                </m:e>
+                                <m:sup>
+                                  <m:r>
+                                    <a:rPr lang="en-US" sz="3200" b="0" i="1" dirty="0" smtClean="0">
+                                      <a:solidFill>
+                                        <a:srgbClr val="C00000"/>
+                                      </a:solidFill>
+                                      <a:latin typeface="Cambria Math" panose="02040503050406030204" pitchFamily="18" charset="0"/>
+                                    </a:rPr>
+                                    <m:t>2</m:t>
+                                  </m:r>
+                                </m:sup>
+                              </m:sSup>
+                            </m:num>
+                            <m:den>
+                              <m:r>
+                                <a:rPr lang="en-US" sz="3200" b="0" i="1" dirty="0" smtClean="0">
+                                  <a:solidFill>
+                                    <a:srgbClr val="C00000"/>
+                                  </a:solidFill>
+                                  <a:latin typeface="Cambria Math" panose="02040503050406030204" pitchFamily="18" charset="0"/>
+                                </a:rPr>
+                                <m:t>2</m:t>
+                              </m:r>
+                              <m:sSup>
+                                <m:sSupPr>
+                                  <m:ctrlPr>
+                                    <a:rPr lang="en-US" sz="3200" b="0" i="1" dirty="0" smtClean="0">
+                                      <a:solidFill>
+                                        <a:srgbClr val="C00000"/>
+                                      </a:solidFill>
+                                      <a:latin typeface="Cambria Math" panose="02040503050406030204" pitchFamily="18" charset="0"/>
+                                    </a:rPr>
+                                  </m:ctrlPr>
+                                </m:sSupPr>
+                                <m:e>
+                                  <m:r>
+                                    <a:rPr lang="en-US" sz="3200" b="0" i="1" dirty="0" smtClean="0">
+                                      <a:solidFill>
+                                        <a:srgbClr val="C00000"/>
+                                      </a:solidFill>
+                                      <a:latin typeface="Cambria Math" panose="02040503050406030204" pitchFamily="18" charset="0"/>
+                                    </a:rPr>
+                                    <m:t>𝜎</m:t>
+                                  </m:r>
+                                </m:e>
+                                <m:sup>
+                                  <m:r>
+                                    <a:rPr lang="en-US" sz="3200" b="0" i="1" dirty="0" smtClean="0">
+                                      <a:solidFill>
+                                        <a:srgbClr val="C00000"/>
+                                      </a:solidFill>
+                                      <a:latin typeface="Cambria Math" panose="02040503050406030204" pitchFamily="18" charset="0"/>
+                                    </a:rPr>
+                                    <m:t>2</m:t>
+                                  </m:r>
+                                </m:sup>
+                              </m:sSup>
+                            </m:den>
+                          </m:f>
+                        </m:sup>
+                      </m:sSup>
+                    </m:oMath>
+                  </m:oMathPara>
+                </a14:m>
+                <a:endParaRPr lang="en-US" sz="3200" dirty="0"/>
+              </a:p>
+            </p:txBody>
+          </p:sp>
+        </mc:Choice>
+        <mc:Fallback>
+          <p:sp>
+            <p:nvSpPr>
+              <p:cNvPr id="5" name="TextBox 4">
+                <a:extLst>
+                  <a:ext uri="{FF2B5EF4-FFF2-40B4-BE49-F238E27FC236}">
+                    <a16:creationId xmlns:a16="http://schemas.microsoft.com/office/drawing/2014/main" id="{68167096-C457-539D-FB61-7E30B6731264}"/>
+                  </a:ext>
+                </a:extLst>
+              </p:cNvPr>
+              <p:cNvSpPr txBox="1">
+                <a:spLocks noRot="1" noChangeAspect="1" noMove="1" noResize="1" noEditPoints="1" noAdjustHandles="1" noChangeArrowheads="1" noChangeShapeType="1" noTextEdit="1"/>
+              </p:cNvSpPr>
+              <p:nvPr/>
+            </p:nvSpPr>
+            <p:spPr>
+              <a:xfrm>
+                <a:off x="1896033" y="5160375"/>
+                <a:ext cx="4392707" cy="1189108"/>
+              </a:xfrm>
+              <a:prstGeom prst="rect">
+                <a:avLst/>
+              </a:prstGeom>
+              <a:blipFill>
+                <a:blip r:embed="rId6"/>
+                <a:stretch>
+                  <a:fillRect/>
+                </a:stretch>
+              </a:blipFill>
+            </p:spPr>
+            <p:txBody>
+              <a:bodyPr/>
+              <a:lstStyle/>
+              <a:p>
+                <a:r>
+                  <a:rPr lang="en-US">
+                    <a:noFill/>
+                  </a:rPr>
+                  <a:t> </a:t>
+                </a:r>
+              </a:p>
+            </p:txBody>
+          </p:sp>
+        </mc:Fallback>
+      </mc:AlternateContent>
+    </p:spTree>
+    <p:extLst>
+      <p:ext uri="{BB962C8B-B14F-4D97-AF65-F5344CB8AC3E}">
+        <p14:creationId xmlns:p14="http://schemas.microsoft.com/office/powerpoint/2010/main" val="2656911462"/>
+      </p:ext>
+    </p:extLst>
+  </p:cSld>
+  <p:clrMapOvr>
+    <a:masterClrMapping/>
+  </p:clrMapOvr>
+</p:sld>
+</file>
+
+<file path=ppt/slides/slide21.xml><?xml version="1.0" encoding="utf-8"?>
+<p:sld xmlns:a="http://schemas.openxmlformats.org/drawingml/2006/main" xmlns:r="http://schemas.openxmlformats.org/officeDocument/2006/relationships" xmlns:p="http://schemas.openxmlformats.org/presentationml/2006/main">
+  <p:cSld>
+    <p:spTree>
+      <p:nvGrpSpPr>
+        <p:cNvPr id="1" name=""/>
+        <p:cNvGrpSpPr/>
+        <p:nvPr/>
+      </p:nvGrpSpPr>
+      <p:grpSpPr>
+        <a:xfrm>
+          <a:off x="0" y="0"/>
+          <a:ext cx="0" cy="0"/>
+          <a:chOff x="0" y="0"/>
+          <a:chExt cx="0" cy="0"/>
+        </a:xfrm>
+      </p:grpSpPr>
+      <p:sp>
+        <p:nvSpPr>
+          <p:cNvPr id="2" name="Title 1">
+            <a:extLst>
+              <a:ext uri="{FF2B5EF4-FFF2-40B4-BE49-F238E27FC236}">
+                <a16:creationId xmlns:a16="http://schemas.microsoft.com/office/drawing/2014/main" id="{A49DDC00-2744-B7F9-8394-609BE1AEC413}"/>
+              </a:ext>
+            </a:extLst>
+          </p:cNvPr>
+          <p:cNvSpPr>
+            <a:spLocks noGrp="1"/>
+          </p:cNvSpPr>
+          <p:nvPr>
+            <p:ph type="title"/>
+          </p:nvPr>
+        </p:nvSpPr>
+        <p:spPr/>
+        <p:txBody>
+          <a:bodyPr/>
+          <a:lstStyle/>
+          <a:p>
+            <a:r>
+              <a:rPr lang="en-US" dirty="0">
+                <a:solidFill>
+                  <a:srgbClr val="C00000"/>
+                </a:solidFill>
+              </a:rPr>
+              <a:t>Central Limit Theorem</a:t>
+            </a:r>
+            <a:endParaRPr lang="en-US" dirty="0"/>
+          </a:p>
+        </p:txBody>
+      </p:sp>
+      <mc:AlternateContent xmlns:mc="http://schemas.openxmlformats.org/markup-compatibility/2006">
+        <mc:Choice xmlns:a14="http://schemas.microsoft.com/office/drawing/2010/main" Requires="a14">
+          <p:sp>
+            <p:nvSpPr>
+              <p:cNvPr id="3" name="Content Placeholder 2">
+                <a:extLst>
+                  <a:ext uri="{FF2B5EF4-FFF2-40B4-BE49-F238E27FC236}">
+                    <a16:creationId xmlns:a16="http://schemas.microsoft.com/office/drawing/2014/main" id="{6666941B-6AAA-DFD0-8896-ACB1B4FE2AC6}"/>
+                  </a:ext>
+                </a:extLst>
+              </p:cNvPr>
+              <p:cNvSpPr>
+                <a:spLocks noGrp="1"/>
+              </p:cNvSpPr>
+              <p:nvPr>
+                <p:ph idx="1"/>
+              </p:nvPr>
+            </p:nvSpPr>
+            <p:spPr>
+              <a:xfrm>
+                <a:off x="838200" y="1825624"/>
+                <a:ext cx="10515600" cy="4667251"/>
+              </a:xfrm>
+            </p:spPr>
+            <p:txBody>
+              <a:bodyPr>
+                <a:normAutofit/>
+              </a:bodyPr>
+              <a:lstStyle/>
+              <a:p>
+                <a:pPr>
+                  <a:buClr>
+                    <a:schemeClr val="tx1"/>
+                  </a:buClr>
+                </a:pPr>
+                <a:r>
+                  <a:rPr lang="en-US" dirty="0">
+                    <a:solidFill>
+                      <a:srgbClr val="00B050"/>
+                    </a:solidFill>
+                  </a:rPr>
+                  <a:t>Stronger Central Limit Theorem</a:t>
+                </a:r>
+                <a:r>
+                  <a:rPr lang="en-US" dirty="0"/>
+                  <a:t>: The distribution of the sum of </a:t>
+                </a:r>
+                <a14:m>
+                  <m:oMath xmlns:m="http://schemas.openxmlformats.org/officeDocument/2006/math">
+                    <m:r>
+                      <a:rPr lang="en-US" b="0" i="1" dirty="0" smtClean="0">
+                        <a:solidFill>
+                          <a:srgbClr val="C00000"/>
+                        </a:solidFill>
+                        <a:latin typeface="Cambria Math" panose="02040503050406030204" pitchFamily="18" charset="0"/>
+                      </a:rPr>
+                      <m:t>𝑛</m:t>
+                    </m:r>
+                  </m:oMath>
+                </a14:m>
+                <a:r>
+                  <a:rPr lang="en-US" dirty="0"/>
+                  <a:t> bounded independent random variables converges to a Gaussian (normal) distribution as </a:t>
+                </a:r>
+                <a14:m>
+                  <m:oMath xmlns:m="http://schemas.openxmlformats.org/officeDocument/2006/math">
+                    <m:r>
+                      <a:rPr lang="en-US" i="1" dirty="0">
+                        <a:solidFill>
+                          <a:srgbClr val="C00000"/>
+                        </a:solidFill>
+                        <a:latin typeface="Cambria Math" panose="02040503050406030204" pitchFamily="18" charset="0"/>
+                      </a:rPr>
+                      <m:t>𝑛</m:t>
+                    </m:r>
+                  </m:oMath>
+                </a14:m>
+                <a:r>
+                  <a:rPr lang="en-US" dirty="0"/>
+                  <a:t> goes to infinity</a:t>
+                </a:r>
+              </a:p>
+              <a:p>
+                <a:pPr>
+                  <a:buClr>
+                    <a:schemeClr val="tx1"/>
+                  </a:buClr>
+                </a:pPr>
+                <a:endParaRPr lang="en-US" dirty="0"/>
+              </a:p>
+              <a:p>
+                <a:pPr>
+                  <a:buClr>
+                    <a:schemeClr val="tx1"/>
+                  </a:buClr>
+                </a:pPr>
+                <a:r>
+                  <a:rPr lang="en-US" dirty="0"/>
+                  <a:t>Why is the Gaussian distribution is so important in statistics, data science, ML, etc.?</a:t>
+                </a:r>
+              </a:p>
+              <a:p>
+                <a:pPr>
+                  <a:buClr>
+                    <a:schemeClr val="tx1"/>
+                  </a:buClr>
+                </a:pPr>
+                <a:endParaRPr lang="en-US" dirty="0"/>
+              </a:p>
+              <a:p>
+                <a:pPr>
+                  <a:buClr>
+                    <a:schemeClr val="tx1"/>
+                  </a:buClr>
+                </a:pPr>
+                <a:r>
+                  <a:rPr lang="en-US" dirty="0"/>
+                  <a:t>Many random variables can be approximated as the sum of a large number of small and roughly independent random effects. Thus, their distribution looks Gaussian by CLT.</a:t>
+                </a:r>
+              </a:p>
+            </p:txBody>
+          </p:sp>
+        </mc:Choice>
+        <mc:Fallback>
+          <p:sp>
+            <p:nvSpPr>
+              <p:cNvPr id="3" name="Content Placeholder 2">
+                <a:extLst>
+                  <a:ext uri="{FF2B5EF4-FFF2-40B4-BE49-F238E27FC236}">
+                    <a16:creationId xmlns:a16="http://schemas.microsoft.com/office/drawing/2014/main" id="{6666941B-6AAA-DFD0-8896-ACB1B4FE2AC6}"/>
+                  </a:ext>
+                </a:extLst>
+              </p:cNvPr>
+              <p:cNvSpPr>
+                <a:spLocks noGrp="1" noRot="1" noChangeAspect="1" noMove="1" noResize="1" noEditPoints="1" noAdjustHandles="1" noChangeArrowheads="1" noChangeShapeType="1" noTextEdit="1"/>
+              </p:cNvSpPr>
+              <p:nvPr>
+                <p:ph idx="1"/>
+              </p:nvPr>
+            </p:nvSpPr>
+            <p:spPr>
+              <a:xfrm>
+                <a:off x="838200" y="1825624"/>
+                <a:ext cx="10515600" cy="4667251"/>
+              </a:xfrm>
+              <a:blipFill>
+                <a:blip r:embed="rId2"/>
+                <a:stretch>
+                  <a:fillRect l="-1043" t="-2089" r="-1507"/>
+                </a:stretch>
+              </a:blipFill>
+            </p:spPr>
+            <p:txBody>
+              <a:bodyPr/>
+              <a:lstStyle/>
+              <a:p>
+                <a:r>
+                  <a:rPr lang="en-US">
+                    <a:noFill/>
+                  </a:rPr>
+                  <a:t> </a:t>
+                </a:r>
+              </a:p>
+            </p:txBody>
+          </p:sp>
+        </mc:Fallback>
+      </mc:AlternateContent>
+    </p:spTree>
+    <p:extLst>
+      <p:ext uri="{BB962C8B-B14F-4D97-AF65-F5344CB8AC3E}">
+        <p14:creationId xmlns:p14="http://schemas.microsoft.com/office/powerpoint/2010/main" val="2690653282"/>
+      </p:ext>
+    </p:extLst>
+  </p:cSld>
+  <p:clrMapOvr>
+    <a:masterClrMapping/>
+  </p:clrMapOvr>
+</p:sld>
+</file>
+
+<file path=ppt/slides/slide22.xml><?xml version="1.0" encoding="utf-8"?>
 <p:sld xmlns:a="http://schemas.openxmlformats.org/drawingml/2006/main" xmlns:r="http://schemas.openxmlformats.org/officeDocument/2006/relationships" xmlns:p="http://schemas.openxmlformats.org/presentationml/2006/main">
   <p:cSld>
     <p:spTree>
@@ -11467,7 +13005,7 @@
 </p:sld>
 </file>
 
-<file path=ppt/slides/slide21.xml><?xml version="1.0" encoding="utf-8"?>
+<file path=ppt/slides/slide23.xml><?xml version="1.0" encoding="utf-8"?>
 <p:sld xmlns:a="http://schemas.openxmlformats.org/drawingml/2006/main" xmlns:r="http://schemas.openxmlformats.org/officeDocument/2006/relationships" xmlns:p="http://schemas.openxmlformats.org/presentationml/2006/main">
   <p:cSld>
     <p:spTree>
@@ -12902,7 +14440,7 @@
 </p:sld>
 </file>
 
-<file path=ppt/slides/slide22.xml><?xml version="1.0" encoding="utf-8"?>
+<file path=ppt/slides/slide24.xml><?xml version="1.0" encoding="utf-8"?>
 <p:sld xmlns:a="http://schemas.openxmlformats.org/drawingml/2006/main" xmlns:r="http://schemas.openxmlformats.org/officeDocument/2006/relationships" xmlns:p="http://schemas.openxmlformats.org/presentationml/2006/main">
   <p:cSld>
     <p:spTree>
@@ -13292,7 +14830,7 @@
 </p:sld>
 </file>
 
-<file path=ppt/slides/slide23.xml><?xml version="1.0" encoding="utf-8"?>
+<file path=ppt/slides/slide25.xml><?xml version="1.0" encoding="utf-8"?>
 <p:sld xmlns:a="http://schemas.openxmlformats.org/drawingml/2006/main" xmlns:r="http://schemas.openxmlformats.org/officeDocument/2006/relationships" xmlns:p="http://schemas.openxmlformats.org/presentationml/2006/main">
   <p:cSld>
     <p:spTree>
@@ -13641,7 +15179,7 @@
 </p:sld>
 </file>
 
-<file path=ppt/slides/slide24.xml><?xml version="1.0" encoding="utf-8"?>
+<file path=ppt/slides/slide26.xml><?xml version="1.0" encoding="utf-8"?>
 <p:sld xmlns:a="http://schemas.openxmlformats.org/drawingml/2006/main" xmlns:r="http://schemas.openxmlformats.org/officeDocument/2006/relationships" xmlns:p="http://schemas.openxmlformats.org/presentationml/2006/main">
   <p:cSld>
     <p:spTree>
@@ -14138,7 +15676,7 @@
 </p:sld>
 </file>
 
-<file path=ppt/slides/slide25.xml><?xml version="1.0" encoding="utf-8"?>
+<file path=ppt/slides/slide27.xml><?xml version="1.0" encoding="utf-8"?>
 <p:sld xmlns:a="http://schemas.openxmlformats.org/drawingml/2006/main" xmlns:r="http://schemas.openxmlformats.org/officeDocument/2006/relationships" xmlns:p="http://schemas.openxmlformats.org/presentationml/2006/main">
   <p:cSld>
     <p:spTree>
@@ -14942,7 +16480,7 @@
 </p:sld>
 </file>
 
-<file path=ppt/slides/slide26.xml><?xml version="1.0" encoding="utf-8"?>
+<file path=ppt/slides/slide28.xml><?xml version="1.0" encoding="utf-8"?>
 <p:sld xmlns:a="http://schemas.openxmlformats.org/drawingml/2006/main" xmlns:r="http://schemas.openxmlformats.org/officeDocument/2006/relationships" xmlns:p="http://schemas.openxmlformats.org/presentationml/2006/main">
   <p:cSld>
     <p:spTree>
@@ -15050,7 +16588,7 @@
 </p:sld>
 </file>
 
-<file path=ppt/slides/slide27.xml><?xml version="1.0" encoding="utf-8"?>
+<file path=ppt/slides/slide29.xml><?xml version="1.0" encoding="utf-8"?>
 <p:sld xmlns:a="http://schemas.openxmlformats.org/drawingml/2006/main" xmlns:r="http://schemas.openxmlformats.org/officeDocument/2006/relationships" xmlns:p="http://schemas.openxmlformats.org/presentationml/2006/main">
   <p:cSld>
     <p:spTree>
@@ -15676,1334 +17214,6 @@
     <p:extLst>
       <p:ext uri="{BB962C8B-B14F-4D97-AF65-F5344CB8AC3E}">
         <p14:creationId xmlns:p14="http://schemas.microsoft.com/office/powerpoint/2010/main" val="725355248"/>
-      </p:ext>
-    </p:extLst>
-  </p:cSld>
-  <p:clrMapOvr>
-    <a:masterClrMapping/>
-  </p:clrMapOvr>
-</p:sld>
-</file>
-
-<file path=ppt/slides/slide28.xml><?xml version="1.0" encoding="utf-8"?>
-<p:sld xmlns:a="http://schemas.openxmlformats.org/drawingml/2006/main" xmlns:r="http://schemas.openxmlformats.org/officeDocument/2006/relationships" xmlns:p="http://schemas.openxmlformats.org/presentationml/2006/main">
-  <p:cSld>
-    <p:spTree>
-      <p:nvGrpSpPr>
-        <p:cNvPr id="1" name=""/>
-        <p:cNvGrpSpPr/>
-        <p:nvPr/>
-      </p:nvGrpSpPr>
-      <p:grpSpPr>
-        <a:xfrm>
-          <a:off x="0" y="0"/>
-          <a:ext cx="0" cy="0"/>
-          <a:chOff x="0" y="0"/>
-          <a:chExt cx="0" cy="0"/>
-        </a:xfrm>
-      </p:grpSpPr>
-      <p:sp>
-        <p:nvSpPr>
-          <p:cNvPr id="2" name="Title 1">
-            <a:extLst>
-              <a:ext uri="{FF2B5EF4-FFF2-40B4-BE49-F238E27FC236}">
-                <a16:creationId xmlns:a16="http://schemas.microsoft.com/office/drawing/2014/main" id="{FCA5AC62-A5FD-2A5B-018F-859A378AA1D4}"/>
-              </a:ext>
-            </a:extLst>
-          </p:cNvPr>
-          <p:cNvSpPr>
-            <a:spLocks noGrp="1"/>
-          </p:cNvSpPr>
-          <p:nvPr>
-            <p:ph type="title"/>
-          </p:nvPr>
-        </p:nvSpPr>
-        <p:spPr/>
-        <p:txBody>
-          <a:bodyPr/>
-          <a:lstStyle/>
-          <a:p>
-            <a:r>
-              <a:rPr lang="en-US" dirty="0">
-                <a:solidFill>
-                  <a:srgbClr val="C00000"/>
-                </a:solidFill>
-              </a:rPr>
-              <a:t>Trivia Question #4 (Coupon Collector)</a:t>
-            </a:r>
-          </a:p>
-        </p:txBody>
-      </p:sp>
-      <mc:AlternateContent xmlns:mc="http://schemas.openxmlformats.org/markup-compatibility/2006" xmlns:a14="http://schemas.microsoft.com/office/drawing/2010/main">
-        <mc:Choice Requires="a14">
-          <p:sp>
-            <p:nvSpPr>
-              <p:cNvPr id="3" name="Content Placeholder 2">
-                <a:extLst>
-                  <a:ext uri="{FF2B5EF4-FFF2-40B4-BE49-F238E27FC236}">
-                    <a16:creationId xmlns:a16="http://schemas.microsoft.com/office/drawing/2014/main" id="{76F2126B-4AA6-302B-7E5A-170FFAAB8BD1}"/>
-                  </a:ext>
-                </a:extLst>
-              </p:cNvPr>
-              <p:cNvSpPr>
-                <a:spLocks noGrp="1"/>
-              </p:cNvSpPr>
-              <p:nvPr>
-                <p:ph idx="1"/>
-              </p:nvPr>
-            </p:nvSpPr>
-            <p:spPr/>
-            <p:txBody>
-              <a:bodyPr/>
-              <a:lstStyle/>
-              <a:p>
-                <a:pPr>
-                  <a:buClr>
-                    <a:schemeClr val="tx1"/>
-                  </a:buClr>
-                </a:pPr>
-                <a:r>
-                  <a:rPr lang="en-US" dirty="0"/>
-                  <a:t>Suppose we have a fair </a:t>
-                </a:r>
-                <a14:m>
-                  <m:oMath xmlns:m="http://schemas.openxmlformats.org/officeDocument/2006/math">
-                    <m:r>
-                      <a:rPr lang="en-US" b="0" i="1" dirty="0" smtClean="0">
-                        <a:solidFill>
-                          <a:srgbClr val="C00000"/>
-                        </a:solidFill>
-                        <a:latin typeface="Cambria Math" panose="02040503050406030204" pitchFamily="18" charset="0"/>
-                      </a:rPr>
-                      <m:t>𝑛</m:t>
-                    </m:r>
-                  </m:oMath>
-                </a14:m>
-                <a:r>
-                  <a:rPr lang="en-US" dirty="0"/>
-                  <a:t>-sided die. “On average”, how many times should we roll the die before we all possible outcomes among the rolls? Example: </a:t>
-                </a:r>
-                <a14:m>
-                  <m:oMath xmlns:m="http://schemas.openxmlformats.org/officeDocument/2006/math">
-                    <m:r>
-                      <a:rPr lang="en-US" b="0" i="1" dirty="0" smtClean="0">
-                        <a:solidFill>
-                          <a:srgbClr val="C00000"/>
-                        </a:solidFill>
-                        <a:latin typeface="Cambria Math" panose="02040503050406030204" pitchFamily="18" charset="0"/>
-                      </a:rPr>
-                      <m:t>1</m:t>
-                    </m:r>
-                  </m:oMath>
-                </a14:m>
-                <a:r>
-                  <a:rPr lang="en-US" dirty="0"/>
-                  <a:t>, </a:t>
-                </a:r>
-                <a14:m>
-                  <m:oMath xmlns:m="http://schemas.openxmlformats.org/officeDocument/2006/math">
-                    <m:r>
-                      <a:rPr lang="en-US" b="0" i="1" dirty="0" smtClean="0">
-                        <a:solidFill>
-                          <a:srgbClr val="C00000"/>
-                        </a:solidFill>
-                        <a:latin typeface="Cambria Math" panose="02040503050406030204" pitchFamily="18" charset="0"/>
-                      </a:rPr>
-                      <m:t>5</m:t>
-                    </m:r>
-                  </m:oMath>
-                </a14:m>
-                <a:r>
-                  <a:rPr lang="en-US" dirty="0"/>
-                  <a:t>, </a:t>
-                </a:r>
-                <a14:m>
-                  <m:oMath xmlns:m="http://schemas.openxmlformats.org/officeDocument/2006/math">
-                    <m:r>
-                      <a:rPr lang="en-US" b="0" i="1" dirty="0" smtClean="0">
-                        <a:solidFill>
-                          <a:srgbClr val="C00000"/>
-                        </a:solidFill>
-                        <a:latin typeface="Cambria Math" panose="02040503050406030204" pitchFamily="18" charset="0"/>
-                      </a:rPr>
-                      <m:t>2</m:t>
-                    </m:r>
-                  </m:oMath>
-                </a14:m>
-                <a:r>
-                  <a:rPr lang="en-US" dirty="0"/>
-                  <a:t>, </a:t>
-                </a:r>
-                <a14:m>
-                  <m:oMath xmlns:m="http://schemas.openxmlformats.org/officeDocument/2006/math">
-                    <m:r>
-                      <a:rPr lang="en-US" b="0" i="1" dirty="0" smtClean="0">
-                        <a:solidFill>
-                          <a:srgbClr val="C00000"/>
-                        </a:solidFill>
-                        <a:latin typeface="Cambria Math" panose="02040503050406030204" pitchFamily="18" charset="0"/>
-                      </a:rPr>
-                      <m:t>4</m:t>
-                    </m:r>
-                  </m:oMath>
-                </a14:m>
-                <a:r>
-                  <a:rPr lang="en-US" dirty="0"/>
-                  <a:t>,</a:t>
-                </a:r>
-                <a:r>
-                  <a:rPr lang="en-US" dirty="0">
-                    <a:solidFill>
-                      <a:srgbClr val="C00000"/>
-                    </a:solidFill>
-                  </a:rPr>
-                  <a:t> </a:t>
-                </a:r>
-                <a14:m>
-                  <m:oMath xmlns:m="http://schemas.openxmlformats.org/officeDocument/2006/math">
-                    <m:r>
-                      <a:rPr lang="en-US" b="0" i="1" smtClean="0">
-                        <a:solidFill>
-                          <a:srgbClr val="C00000"/>
-                        </a:solidFill>
-                        <a:latin typeface="Cambria Math" panose="02040503050406030204" pitchFamily="18" charset="0"/>
-                      </a:rPr>
-                      <m:t>1</m:t>
-                    </m:r>
-                  </m:oMath>
-                </a14:m>
-                <a:r>
-                  <a:rPr lang="en-US" dirty="0"/>
-                  <a:t>, </a:t>
-                </a:r>
-                <a14:m>
-                  <m:oMath xmlns:m="http://schemas.openxmlformats.org/officeDocument/2006/math">
-                    <m:r>
-                      <a:rPr lang="en-US" b="0" i="1" dirty="0" smtClean="0">
-                        <a:solidFill>
-                          <a:srgbClr val="C00000"/>
-                        </a:solidFill>
-                        <a:latin typeface="Cambria Math" panose="02040503050406030204" pitchFamily="18" charset="0"/>
-                      </a:rPr>
-                      <m:t>3</m:t>
-                    </m:r>
-                  </m:oMath>
-                </a14:m>
-                <a:r>
-                  <a:rPr lang="en-US" dirty="0"/>
-                  <a:t>, </a:t>
-                </a:r>
-                <a14:m>
-                  <m:oMath xmlns:m="http://schemas.openxmlformats.org/officeDocument/2006/math">
-                    <m:r>
-                      <a:rPr lang="en-US" b="0" i="1" dirty="0" smtClean="0">
-                        <a:solidFill>
-                          <a:srgbClr val="C00000"/>
-                        </a:solidFill>
-                        <a:latin typeface="Cambria Math" panose="02040503050406030204" pitchFamily="18" charset="0"/>
-                      </a:rPr>
-                      <m:t>1</m:t>
-                    </m:r>
-                  </m:oMath>
-                </a14:m>
-                <a:r>
-                  <a:rPr lang="en-US" dirty="0"/>
-                  <a:t>, </a:t>
-                </a:r>
-                <a14:m>
-                  <m:oMath xmlns:m="http://schemas.openxmlformats.org/officeDocument/2006/math">
-                    <m:r>
-                      <a:rPr lang="en-US" b="0" i="1" dirty="0" smtClean="0">
-                        <a:solidFill>
-                          <a:srgbClr val="0070C0"/>
-                        </a:solidFill>
-                        <a:latin typeface="Cambria Math" panose="02040503050406030204" pitchFamily="18" charset="0"/>
-                      </a:rPr>
-                      <m:t>6</m:t>
-                    </m:r>
-                  </m:oMath>
-                </a14:m>
-                <a:r>
-                  <a:rPr lang="en-US" dirty="0">
-                    <a:solidFill>
-                      <a:srgbClr val="C00000"/>
-                    </a:solidFill>
-                  </a:rPr>
-                  <a:t> </a:t>
-                </a:r>
-                <a:r>
-                  <a:rPr lang="en-US" dirty="0"/>
-                  <a:t>for</a:t>
-                </a:r>
-                <a:r>
-                  <a:rPr lang="en-US" dirty="0">
-                    <a:solidFill>
-                      <a:srgbClr val="C00000"/>
-                    </a:solidFill>
-                  </a:rPr>
-                  <a:t> </a:t>
-                </a:r>
-                <a14:m>
-                  <m:oMath xmlns:m="http://schemas.openxmlformats.org/officeDocument/2006/math">
-                    <m:r>
-                      <a:rPr lang="en-US" i="1" dirty="0">
-                        <a:solidFill>
-                          <a:srgbClr val="C00000"/>
-                        </a:solidFill>
-                        <a:latin typeface="Cambria Math" panose="02040503050406030204" pitchFamily="18" charset="0"/>
-                      </a:rPr>
-                      <m:t>𝑛</m:t>
-                    </m:r>
-                    <m:r>
-                      <a:rPr lang="en-US" b="0" i="0" dirty="0" smtClean="0">
-                        <a:solidFill>
-                          <a:srgbClr val="C00000"/>
-                        </a:solidFill>
-                        <a:latin typeface="Cambria Math" panose="02040503050406030204" pitchFamily="18" charset="0"/>
-                      </a:rPr>
-                      <m:t>=6</m:t>
-                    </m:r>
-                  </m:oMath>
-                </a14:m>
-                <a:endParaRPr lang="en-US" dirty="0">
-                  <a:solidFill>
-                    <a:srgbClr val="C00000"/>
-                  </a:solidFill>
-                </a:endParaRPr>
-              </a:p>
-              <a:p>
-                <a:pPr>
-                  <a:buClr>
-                    <a:schemeClr val="tx1"/>
-                  </a:buClr>
-                </a:pPr>
-                <a:endParaRPr lang="en-US" dirty="0"/>
-              </a:p>
-              <a:p>
-                <a:pPr>
-                  <a:buClr>
-                    <a:schemeClr val="tx1"/>
-                  </a:buClr>
-                </a:pPr>
-                <a14:m>
-                  <m:oMath xmlns:m="http://schemas.openxmlformats.org/officeDocument/2006/math">
-                    <m:r>
-                      <m:rPr>
-                        <m:sty m:val="p"/>
-                      </m:rPr>
-                      <a:rPr lang="en-US" dirty="0">
-                        <a:solidFill>
-                          <a:srgbClr val="C00000"/>
-                        </a:solidFill>
-                        <a:latin typeface="Cambria Math" panose="02040503050406030204" pitchFamily="18" charset="0"/>
-                      </a:rPr>
-                      <m:t>Θ</m:t>
-                    </m:r>
-                    <m:d>
-                      <m:dPr>
-                        <m:ctrlPr>
-                          <a:rPr lang="en-US" b="0" i="1" dirty="0" smtClean="0">
-                            <a:solidFill>
-                              <a:srgbClr val="C00000"/>
-                            </a:solidFill>
-                            <a:latin typeface="Cambria Math" panose="02040503050406030204" pitchFamily="18" charset="0"/>
-                          </a:rPr>
-                        </m:ctrlPr>
-                      </m:dPr>
-                      <m:e>
-                        <m:r>
-                          <a:rPr lang="en-US" b="0" i="1" dirty="0" smtClean="0">
-                            <a:solidFill>
-                              <a:srgbClr val="C00000"/>
-                            </a:solidFill>
-                            <a:latin typeface="Cambria Math" panose="02040503050406030204" pitchFamily="18" charset="0"/>
-                          </a:rPr>
-                          <m:t>𝑛</m:t>
-                        </m:r>
-                      </m:e>
-                    </m:d>
-                  </m:oMath>
-                </a14:m>
-                <a:endParaRPr lang="en-US" b="0" dirty="0">
-                  <a:solidFill>
-                    <a:srgbClr val="C00000"/>
-                  </a:solidFill>
-                </a:endParaRPr>
-              </a:p>
-              <a:p>
-                <a:pPr>
-                  <a:buClr>
-                    <a:schemeClr val="tx1"/>
-                  </a:buClr>
-                </a:pPr>
-                <a14:m>
-                  <m:oMath xmlns:m="http://schemas.openxmlformats.org/officeDocument/2006/math">
-                    <m:r>
-                      <m:rPr>
-                        <m:sty m:val="p"/>
-                      </m:rPr>
-                      <a:rPr lang="en-US" dirty="0">
-                        <a:solidFill>
-                          <a:srgbClr val="C00000"/>
-                        </a:solidFill>
-                        <a:latin typeface="Cambria Math" panose="02040503050406030204" pitchFamily="18" charset="0"/>
-                      </a:rPr>
-                      <m:t>Θ</m:t>
-                    </m:r>
-                    <m:d>
-                      <m:dPr>
-                        <m:ctrlPr>
-                          <a:rPr lang="en-US" b="0" i="1" dirty="0" smtClean="0">
-                            <a:solidFill>
-                              <a:srgbClr val="C00000"/>
-                            </a:solidFill>
-                            <a:latin typeface="Cambria Math" panose="02040503050406030204" pitchFamily="18" charset="0"/>
-                          </a:rPr>
-                        </m:ctrlPr>
-                      </m:dPr>
-                      <m:e>
-                        <m:r>
-                          <a:rPr lang="en-US" b="0" i="1" dirty="0" smtClean="0">
-                            <a:solidFill>
-                              <a:srgbClr val="C00000"/>
-                            </a:solidFill>
-                            <a:latin typeface="Cambria Math" panose="02040503050406030204" pitchFamily="18" charset="0"/>
-                          </a:rPr>
-                          <m:t>𝑛</m:t>
-                        </m:r>
-                        <m:func>
-                          <m:funcPr>
-                            <m:ctrlPr>
-                              <a:rPr lang="en-US" b="0" i="1" dirty="0" smtClean="0">
-                                <a:solidFill>
-                                  <a:srgbClr val="C00000"/>
-                                </a:solidFill>
-                                <a:latin typeface="Cambria Math" panose="02040503050406030204" pitchFamily="18" charset="0"/>
-                              </a:rPr>
-                            </m:ctrlPr>
-                          </m:funcPr>
-                          <m:fName>
-                            <m:r>
-                              <m:rPr>
-                                <m:sty m:val="p"/>
-                              </m:rPr>
-                              <a:rPr lang="en-US" b="0" i="0" dirty="0" smtClean="0">
-                                <a:solidFill>
-                                  <a:srgbClr val="C00000"/>
-                                </a:solidFill>
-                                <a:latin typeface="Cambria Math" panose="02040503050406030204" pitchFamily="18" charset="0"/>
-                              </a:rPr>
-                              <m:t>log</m:t>
-                            </m:r>
-                          </m:fName>
-                          <m:e>
-                            <m:r>
-                              <a:rPr lang="en-US" b="0" i="1" dirty="0" smtClean="0">
-                                <a:solidFill>
-                                  <a:srgbClr val="C00000"/>
-                                </a:solidFill>
-                                <a:latin typeface="Cambria Math" panose="02040503050406030204" pitchFamily="18" charset="0"/>
-                              </a:rPr>
-                              <m:t>𝑛</m:t>
-                            </m:r>
-                          </m:e>
-                        </m:func>
-                      </m:e>
-                    </m:d>
-                  </m:oMath>
-                </a14:m>
-                <a:endParaRPr lang="en-US" b="0" dirty="0">
-                  <a:solidFill>
-                    <a:srgbClr val="C00000"/>
-                  </a:solidFill>
-                </a:endParaRPr>
-              </a:p>
-              <a:p>
-                <a:pPr>
-                  <a:buClr>
-                    <a:schemeClr val="tx1"/>
-                  </a:buClr>
-                </a:pPr>
-                <a14:m>
-                  <m:oMath xmlns:m="http://schemas.openxmlformats.org/officeDocument/2006/math">
-                    <m:r>
-                      <m:rPr>
-                        <m:sty m:val="p"/>
-                      </m:rPr>
-                      <a:rPr lang="en-US" dirty="0">
-                        <a:solidFill>
-                          <a:srgbClr val="C00000"/>
-                        </a:solidFill>
-                        <a:latin typeface="Cambria Math" panose="02040503050406030204" pitchFamily="18" charset="0"/>
-                      </a:rPr>
-                      <m:t>Θ</m:t>
-                    </m:r>
-                    <m:d>
-                      <m:dPr>
-                        <m:ctrlPr>
-                          <a:rPr lang="en-US" b="0" i="1" dirty="0" smtClean="0">
-                            <a:solidFill>
-                              <a:srgbClr val="C00000"/>
-                            </a:solidFill>
-                            <a:latin typeface="Cambria Math" panose="02040503050406030204" pitchFamily="18" charset="0"/>
-                          </a:rPr>
-                        </m:ctrlPr>
-                      </m:dPr>
-                      <m:e>
-                        <m:r>
-                          <a:rPr lang="en-US" b="0" i="1" dirty="0" smtClean="0">
-                            <a:solidFill>
-                              <a:srgbClr val="C00000"/>
-                            </a:solidFill>
-                            <a:latin typeface="Cambria Math" panose="02040503050406030204" pitchFamily="18" charset="0"/>
-                          </a:rPr>
-                          <m:t>𝑛</m:t>
-                        </m:r>
-                        <m:rad>
-                          <m:radPr>
-                            <m:degHide m:val="on"/>
-                            <m:ctrlPr>
-                              <a:rPr lang="en-US" b="0" i="1" dirty="0" smtClean="0">
-                                <a:solidFill>
-                                  <a:srgbClr val="C00000"/>
-                                </a:solidFill>
-                                <a:latin typeface="Cambria Math" panose="02040503050406030204" pitchFamily="18" charset="0"/>
-                              </a:rPr>
-                            </m:ctrlPr>
-                          </m:radPr>
-                          <m:deg/>
-                          <m:e>
-                            <m:r>
-                              <a:rPr lang="en-US" b="0" i="1" dirty="0" smtClean="0">
-                                <a:solidFill>
-                                  <a:srgbClr val="C00000"/>
-                                </a:solidFill>
-                                <a:latin typeface="Cambria Math" panose="02040503050406030204" pitchFamily="18" charset="0"/>
-                              </a:rPr>
-                              <m:t>𝑛</m:t>
-                            </m:r>
-                          </m:e>
-                        </m:rad>
-                      </m:e>
-                    </m:d>
-                  </m:oMath>
-                </a14:m>
-                <a:endParaRPr lang="en-US" b="0" dirty="0">
-                  <a:solidFill>
-                    <a:srgbClr val="C00000"/>
-                  </a:solidFill>
-                </a:endParaRPr>
-              </a:p>
-              <a:p>
-                <a:pPr>
-                  <a:buClr>
-                    <a:schemeClr val="tx1"/>
-                  </a:buClr>
-                </a:pPr>
-                <a14:m>
-                  <m:oMath xmlns:m="http://schemas.openxmlformats.org/officeDocument/2006/math">
-                    <m:r>
-                      <m:rPr>
-                        <m:sty m:val="p"/>
-                      </m:rPr>
-                      <a:rPr lang="en-US" dirty="0">
-                        <a:solidFill>
-                          <a:srgbClr val="C00000"/>
-                        </a:solidFill>
-                        <a:latin typeface="Cambria Math" panose="02040503050406030204" pitchFamily="18" charset="0"/>
-                      </a:rPr>
-                      <m:t>Θ</m:t>
-                    </m:r>
-                    <m:d>
-                      <m:dPr>
-                        <m:ctrlPr>
-                          <a:rPr lang="en-US" b="0" i="1" dirty="0" smtClean="0">
-                            <a:solidFill>
-                              <a:srgbClr val="C00000"/>
-                            </a:solidFill>
-                            <a:latin typeface="Cambria Math" panose="02040503050406030204" pitchFamily="18" charset="0"/>
-                          </a:rPr>
-                        </m:ctrlPr>
-                      </m:dPr>
-                      <m:e>
-                        <m:sSup>
-                          <m:sSupPr>
-                            <m:ctrlPr>
-                              <a:rPr lang="en-US" b="0" i="1" dirty="0" smtClean="0">
-                                <a:solidFill>
-                                  <a:srgbClr val="C00000"/>
-                                </a:solidFill>
-                                <a:latin typeface="Cambria Math" panose="02040503050406030204" pitchFamily="18" charset="0"/>
-                              </a:rPr>
-                            </m:ctrlPr>
-                          </m:sSupPr>
-                          <m:e>
-                            <m:r>
-                              <a:rPr lang="en-US" b="0" i="1" dirty="0" smtClean="0">
-                                <a:solidFill>
-                                  <a:srgbClr val="C00000"/>
-                                </a:solidFill>
-                                <a:latin typeface="Cambria Math" panose="02040503050406030204" pitchFamily="18" charset="0"/>
-                              </a:rPr>
-                              <m:t>𝑛</m:t>
-                            </m:r>
-                          </m:e>
-                          <m:sup>
-                            <m:r>
-                              <a:rPr lang="en-US" b="0" i="1" dirty="0" smtClean="0">
-                                <a:solidFill>
-                                  <a:srgbClr val="C00000"/>
-                                </a:solidFill>
-                                <a:latin typeface="Cambria Math" panose="02040503050406030204" pitchFamily="18" charset="0"/>
-                              </a:rPr>
-                              <m:t>2</m:t>
-                            </m:r>
-                          </m:sup>
-                        </m:sSup>
-                      </m:e>
-                    </m:d>
-                  </m:oMath>
-                </a14:m>
-                <a:endParaRPr lang="en-US" dirty="0"/>
-              </a:p>
-            </p:txBody>
-          </p:sp>
-        </mc:Choice>
-        <mc:Fallback xmlns="">
-          <p:sp>
-            <p:nvSpPr>
-              <p:cNvPr id="3" name="Content Placeholder 2">
-                <a:extLst>
-                  <a:ext uri="{FF2B5EF4-FFF2-40B4-BE49-F238E27FC236}">
-                    <a16:creationId xmlns:a16="http://schemas.microsoft.com/office/drawing/2014/main" id="{76F2126B-4AA6-302B-7E5A-170FFAAB8BD1}"/>
-                  </a:ext>
-                </a:extLst>
-              </p:cNvPr>
-              <p:cNvSpPr>
-                <a:spLocks noGrp="1" noRot="1" noChangeAspect="1" noMove="1" noResize="1" noEditPoints="1" noAdjustHandles="1" noChangeArrowheads="1" noChangeShapeType="1" noTextEdit="1"/>
-              </p:cNvSpPr>
-              <p:nvPr>
-                <p:ph idx="1"/>
-              </p:nvPr>
-            </p:nvSpPr>
-            <p:spPr>
-              <a:blipFill>
-                <a:blip r:embed="rId2"/>
-                <a:stretch>
-                  <a:fillRect l="-1043" t="-2241"/>
-                </a:stretch>
-              </a:blipFill>
-            </p:spPr>
-            <p:txBody>
-              <a:bodyPr/>
-              <a:lstStyle/>
-              <a:p>
-                <a:r>
-                  <a:rPr lang="en-US">
-                    <a:noFill/>
-                  </a:rPr>
-                  <a:t> </a:t>
-                </a:r>
-              </a:p>
-            </p:txBody>
-          </p:sp>
-        </mc:Fallback>
-      </mc:AlternateContent>
-    </p:spTree>
-    <p:extLst>
-      <p:ext uri="{BB962C8B-B14F-4D97-AF65-F5344CB8AC3E}">
-        <p14:creationId xmlns:p14="http://schemas.microsoft.com/office/powerpoint/2010/main" val="883209316"/>
-      </p:ext>
-    </p:extLst>
-  </p:cSld>
-  <p:clrMapOvr>
-    <a:masterClrMapping/>
-  </p:clrMapOvr>
-</p:sld>
-</file>
-
-<file path=ppt/slides/slide29.xml><?xml version="1.0" encoding="utf-8"?>
-<p:sld xmlns:a="http://schemas.openxmlformats.org/drawingml/2006/main" xmlns:r="http://schemas.openxmlformats.org/officeDocument/2006/relationships" xmlns:p="http://schemas.openxmlformats.org/presentationml/2006/main">
-  <p:cSld>
-    <p:spTree>
-      <p:nvGrpSpPr>
-        <p:cNvPr id="1" name=""/>
-        <p:cNvGrpSpPr/>
-        <p:nvPr/>
-      </p:nvGrpSpPr>
-      <p:grpSpPr>
-        <a:xfrm>
-          <a:off x="0" y="0"/>
-          <a:ext cx="0" cy="0"/>
-          <a:chOff x="0" y="0"/>
-          <a:chExt cx="0" cy="0"/>
-        </a:xfrm>
-      </p:grpSpPr>
-      <p:sp>
-        <p:nvSpPr>
-          <p:cNvPr id="2" name="Title 1">
-            <a:extLst>
-              <a:ext uri="{FF2B5EF4-FFF2-40B4-BE49-F238E27FC236}">
-                <a16:creationId xmlns:a16="http://schemas.microsoft.com/office/drawing/2014/main" id="{FCA5AC62-A5FD-2A5B-018F-859A378AA1D4}"/>
-              </a:ext>
-            </a:extLst>
-          </p:cNvPr>
-          <p:cNvSpPr>
-            <a:spLocks noGrp="1"/>
-          </p:cNvSpPr>
-          <p:nvPr>
-            <p:ph type="title"/>
-          </p:nvPr>
-        </p:nvSpPr>
-        <p:spPr/>
-        <p:txBody>
-          <a:bodyPr/>
-          <a:lstStyle/>
-          <a:p>
-            <a:r>
-              <a:rPr lang="en-US" dirty="0">
-                <a:solidFill>
-                  <a:srgbClr val="C00000"/>
-                </a:solidFill>
-              </a:rPr>
-              <a:t>Max Load</a:t>
-            </a:r>
-          </a:p>
-        </p:txBody>
-      </p:sp>
-      <mc:AlternateContent xmlns:mc="http://schemas.openxmlformats.org/markup-compatibility/2006" xmlns:a14="http://schemas.microsoft.com/office/drawing/2010/main">
-        <mc:Choice Requires="a14">
-          <p:sp>
-            <p:nvSpPr>
-              <p:cNvPr id="3" name="Content Placeholder 2">
-                <a:extLst>
-                  <a:ext uri="{FF2B5EF4-FFF2-40B4-BE49-F238E27FC236}">
-                    <a16:creationId xmlns:a16="http://schemas.microsoft.com/office/drawing/2014/main" id="{76F2126B-4AA6-302B-7E5A-170FFAAB8BD1}"/>
-                  </a:ext>
-                </a:extLst>
-              </p:cNvPr>
-              <p:cNvSpPr>
-                <a:spLocks noGrp="1"/>
-              </p:cNvSpPr>
-              <p:nvPr>
-                <p:ph idx="1"/>
-              </p:nvPr>
-            </p:nvSpPr>
-            <p:spPr/>
-            <p:txBody>
-              <a:bodyPr/>
-              <a:lstStyle/>
-              <a:p>
-                <a:pPr>
-                  <a:buClr>
-                    <a:schemeClr val="tx1"/>
-                  </a:buClr>
-                </a:pPr>
-                <a:r>
-                  <a:rPr lang="en-US" dirty="0"/>
-                  <a:t>Suppose we have a fair </a:t>
-                </a:r>
-                <a14:m>
-                  <m:oMath xmlns:m="http://schemas.openxmlformats.org/officeDocument/2006/math">
-                    <m:r>
-                      <a:rPr lang="en-US" b="0" i="1" dirty="0" smtClean="0">
-                        <a:solidFill>
-                          <a:srgbClr val="C00000"/>
-                        </a:solidFill>
-                        <a:latin typeface="Cambria Math" panose="02040503050406030204" pitchFamily="18" charset="0"/>
-                      </a:rPr>
-                      <m:t>𝑛</m:t>
-                    </m:r>
-                  </m:oMath>
-                </a14:m>
-                <a:r>
-                  <a:rPr lang="en-US" dirty="0"/>
-                  <a:t>-sided die that we roll </a:t>
-                </a:r>
-                <a14:m>
-                  <m:oMath xmlns:m="http://schemas.openxmlformats.org/officeDocument/2006/math">
-                    <m:r>
-                      <a:rPr lang="en-US" i="1" dirty="0">
-                        <a:solidFill>
-                          <a:srgbClr val="C00000"/>
-                        </a:solidFill>
-                        <a:latin typeface="Cambria Math" panose="02040503050406030204" pitchFamily="18" charset="0"/>
-                      </a:rPr>
-                      <m:t>𝑛</m:t>
-                    </m:r>
-                  </m:oMath>
-                </a14:m>
-                <a:r>
-                  <a:rPr lang="en-US" dirty="0"/>
-                  <a:t> times. “On average”, what is the largest number of times any outcome is rolled? Example: </a:t>
-                </a:r>
-                <a14:m>
-                  <m:oMath xmlns:m="http://schemas.openxmlformats.org/officeDocument/2006/math">
-                    <m:r>
-                      <a:rPr lang="en-US" b="0" i="1" dirty="0" smtClean="0">
-                        <a:solidFill>
-                          <a:srgbClr val="0070C0"/>
-                        </a:solidFill>
-                        <a:latin typeface="Cambria Math" panose="02040503050406030204" pitchFamily="18" charset="0"/>
-                      </a:rPr>
-                      <m:t>1</m:t>
-                    </m:r>
-                  </m:oMath>
-                </a14:m>
-                <a:r>
-                  <a:rPr lang="en-US" dirty="0"/>
-                  <a:t>, </a:t>
-                </a:r>
-                <a14:m>
-                  <m:oMath xmlns:m="http://schemas.openxmlformats.org/officeDocument/2006/math">
-                    <m:r>
-                      <a:rPr lang="en-US" b="0" i="1" dirty="0" smtClean="0">
-                        <a:solidFill>
-                          <a:srgbClr val="C00000"/>
-                        </a:solidFill>
-                        <a:latin typeface="Cambria Math" panose="02040503050406030204" pitchFamily="18" charset="0"/>
-                      </a:rPr>
-                      <m:t>5</m:t>
-                    </m:r>
-                  </m:oMath>
-                </a14:m>
-                <a:r>
-                  <a:rPr lang="en-US" dirty="0"/>
-                  <a:t>, </a:t>
-                </a:r>
-                <a14:m>
-                  <m:oMath xmlns:m="http://schemas.openxmlformats.org/officeDocument/2006/math">
-                    <m:r>
-                      <a:rPr lang="en-US" b="0" i="1" dirty="0" smtClean="0">
-                        <a:solidFill>
-                          <a:srgbClr val="C00000"/>
-                        </a:solidFill>
-                        <a:latin typeface="Cambria Math" panose="02040503050406030204" pitchFamily="18" charset="0"/>
-                      </a:rPr>
-                      <m:t>2</m:t>
-                    </m:r>
-                  </m:oMath>
-                </a14:m>
-                <a:r>
-                  <a:rPr lang="en-US" dirty="0"/>
-                  <a:t>, </a:t>
-                </a:r>
-                <a14:m>
-                  <m:oMath xmlns:m="http://schemas.openxmlformats.org/officeDocument/2006/math">
-                    <m:r>
-                      <a:rPr lang="en-US" b="0" i="1" dirty="0" smtClean="0">
-                        <a:solidFill>
-                          <a:srgbClr val="C00000"/>
-                        </a:solidFill>
-                        <a:latin typeface="Cambria Math" panose="02040503050406030204" pitchFamily="18" charset="0"/>
-                      </a:rPr>
-                      <m:t>4</m:t>
-                    </m:r>
-                  </m:oMath>
-                </a14:m>
-                <a:r>
-                  <a:rPr lang="en-US" dirty="0"/>
-                  <a:t>,</a:t>
-                </a:r>
-                <a:r>
-                  <a:rPr lang="en-US" dirty="0">
-                    <a:solidFill>
-                      <a:srgbClr val="C00000"/>
-                    </a:solidFill>
-                  </a:rPr>
-                  <a:t> </a:t>
-                </a:r>
-                <a14:m>
-                  <m:oMath xmlns:m="http://schemas.openxmlformats.org/officeDocument/2006/math">
-                    <m:r>
-                      <a:rPr lang="en-US" b="0" i="1" smtClean="0">
-                        <a:solidFill>
-                          <a:srgbClr val="0070C0"/>
-                        </a:solidFill>
-                        <a:latin typeface="Cambria Math" panose="02040503050406030204" pitchFamily="18" charset="0"/>
-                      </a:rPr>
-                      <m:t>1</m:t>
-                    </m:r>
-                  </m:oMath>
-                </a14:m>
-                <a:r>
-                  <a:rPr lang="en-US" dirty="0"/>
-                  <a:t>, </a:t>
-                </a:r>
-                <a14:m>
-                  <m:oMath xmlns:m="http://schemas.openxmlformats.org/officeDocument/2006/math">
-                    <m:r>
-                      <a:rPr lang="en-US" b="0" i="1" dirty="0" smtClean="0">
-                        <a:solidFill>
-                          <a:srgbClr val="C00000"/>
-                        </a:solidFill>
-                        <a:latin typeface="Cambria Math" panose="02040503050406030204" pitchFamily="18" charset="0"/>
-                      </a:rPr>
-                      <m:t>3</m:t>
-                    </m:r>
-                  </m:oMath>
-                </a14:m>
-                <a:r>
-                  <a:rPr lang="en-US" dirty="0"/>
-                  <a:t>, </a:t>
-                </a:r>
-                <a14:m>
-                  <m:oMath xmlns:m="http://schemas.openxmlformats.org/officeDocument/2006/math">
-                    <m:r>
-                      <a:rPr lang="en-US" b="0" i="1" dirty="0" smtClean="0">
-                        <a:solidFill>
-                          <a:srgbClr val="0070C0"/>
-                        </a:solidFill>
-                        <a:latin typeface="Cambria Math" panose="02040503050406030204" pitchFamily="18" charset="0"/>
-                      </a:rPr>
-                      <m:t>1</m:t>
-                    </m:r>
-                  </m:oMath>
-                </a14:m>
-                <a:r>
-                  <a:rPr lang="en-US" dirty="0">
-                    <a:solidFill>
-                      <a:srgbClr val="C00000"/>
-                    </a:solidFill>
-                  </a:rPr>
-                  <a:t> </a:t>
-                </a:r>
-                <a:r>
-                  <a:rPr lang="en-US" dirty="0"/>
-                  <a:t>for</a:t>
-                </a:r>
-                <a:r>
-                  <a:rPr lang="en-US" dirty="0">
-                    <a:solidFill>
-                      <a:srgbClr val="C00000"/>
-                    </a:solidFill>
-                  </a:rPr>
-                  <a:t> </a:t>
-                </a:r>
-                <a14:m>
-                  <m:oMath xmlns:m="http://schemas.openxmlformats.org/officeDocument/2006/math">
-                    <m:r>
-                      <a:rPr lang="en-US" i="1" dirty="0">
-                        <a:solidFill>
-                          <a:srgbClr val="C00000"/>
-                        </a:solidFill>
-                        <a:latin typeface="Cambria Math" panose="02040503050406030204" pitchFamily="18" charset="0"/>
-                      </a:rPr>
-                      <m:t>𝑛</m:t>
-                    </m:r>
-                    <m:r>
-                      <a:rPr lang="en-US" b="0" i="0" dirty="0" smtClean="0">
-                        <a:solidFill>
-                          <a:srgbClr val="C00000"/>
-                        </a:solidFill>
-                        <a:latin typeface="Cambria Math" panose="02040503050406030204" pitchFamily="18" charset="0"/>
-                      </a:rPr>
-                      <m:t>=7</m:t>
-                    </m:r>
-                  </m:oMath>
-                </a14:m>
-                <a:endParaRPr lang="en-US" dirty="0">
-                  <a:solidFill>
-                    <a:srgbClr val="C00000"/>
-                  </a:solidFill>
-                </a:endParaRPr>
-              </a:p>
-              <a:p>
-                <a:pPr>
-                  <a:buClr>
-                    <a:schemeClr val="tx1"/>
-                  </a:buClr>
-                </a:pPr>
-                <a:endParaRPr lang="en-US" dirty="0"/>
-              </a:p>
-              <a:p>
-                <a:pPr>
-                  <a:buClr>
-                    <a:schemeClr val="tx1"/>
-                  </a:buClr>
-                </a:pPr>
-                <a:r>
-                  <a:rPr lang="en-US" dirty="0"/>
-                  <a:t>Fix a value </a:t>
-                </a:r>
-                <a14:m>
-                  <m:oMath xmlns:m="http://schemas.openxmlformats.org/officeDocument/2006/math">
-                    <m:r>
-                      <a:rPr lang="en-US" b="0" i="1" dirty="0" smtClean="0">
-                        <a:solidFill>
-                          <a:srgbClr val="C00000"/>
-                        </a:solidFill>
-                        <a:latin typeface="Cambria Math" panose="02040503050406030204" pitchFamily="18" charset="0"/>
-                      </a:rPr>
-                      <m:t>𝑘</m:t>
-                    </m:r>
-                    <m:r>
-                      <a:rPr lang="en-US" b="0" i="1" dirty="0" smtClean="0">
-                        <a:solidFill>
-                          <a:srgbClr val="C00000"/>
-                        </a:solidFill>
-                        <a:latin typeface="Cambria Math" panose="02040503050406030204" pitchFamily="18" charset="0"/>
-                      </a:rPr>
-                      <m:t>∈[</m:t>
-                    </m:r>
-                    <m:r>
-                      <a:rPr lang="en-US" b="0" i="1" dirty="0" smtClean="0">
-                        <a:solidFill>
-                          <a:srgbClr val="C00000"/>
-                        </a:solidFill>
-                        <a:latin typeface="Cambria Math" panose="02040503050406030204" pitchFamily="18" charset="0"/>
-                      </a:rPr>
-                      <m:t>𝑛</m:t>
-                    </m:r>
-                    <m:r>
-                      <a:rPr lang="en-US" b="0" i="1" dirty="0" smtClean="0">
-                        <a:solidFill>
-                          <a:srgbClr val="C00000"/>
-                        </a:solidFill>
-                        <a:latin typeface="Cambria Math" panose="02040503050406030204" pitchFamily="18" charset="0"/>
-                      </a:rPr>
-                      <m:t>]</m:t>
-                    </m:r>
-                  </m:oMath>
-                </a14:m>
-                <a:endParaRPr lang="en-US" dirty="0"/>
-              </a:p>
-              <a:p>
-                <a:pPr>
-                  <a:buClr>
-                    <a:schemeClr val="tx1"/>
-                  </a:buClr>
-                </a:pPr>
-                <a:r>
-                  <a:rPr lang="en-US" dirty="0"/>
-                  <a:t>Let </a:t>
-                </a:r>
-                <a14:m>
-                  <m:oMath xmlns:m="http://schemas.openxmlformats.org/officeDocument/2006/math">
-                    <m:sSub>
-                      <m:sSubPr>
-                        <m:ctrlPr>
-                          <a:rPr lang="en-US" b="0" i="1" dirty="0" smtClean="0">
-                            <a:solidFill>
-                              <a:srgbClr val="C00000"/>
-                            </a:solidFill>
-                            <a:latin typeface="Cambria Math" panose="02040503050406030204" pitchFamily="18" charset="0"/>
-                          </a:rPr>
-                        </m:ctrlPr>
-                      </m:sSubPr>
-                      <m:e>
-                        <m:r>
-                          <a:rPr lang="en-US" b="0" i="1" dirty="0" smtClean="0">
-                            <a:solidFill>
-                              <a:srgbClr val="C00000"/>
-                            </a:solidFill>
-                            <a:latin typeface="Cambria Math" panose="02040503050406030204" pitchFamily="18" charset="0"/>
-                          </a:rPr>
-                          <m:t>𝑋</m:t>
-                        </m:r>
-                      </m:e>
-                      <m:sub>
-                        <m:r>
-                          <a:rPr lang="en-US" b="0" i="1" dirty="0" smtClean="0">
-                            <a:solidFill>
-                              <a:srgbClr val="C00000"/>
-                            </a:solidFill>
-                            <a:latin typeface="Cambria Math" panose="02040503050406030204" pitchFamily="18" charset="0"/>
-                          </a:rPr>
-                          <m:t>𝑖</m:t>
-                        </m:r>
-                      </m:sub>
-                    </m:sSub>
-                    <m:r>
-                      <a:rPr lang="en-US" b="0" i="1" dirty="0" smtClean="0">
-                        <a:solidFill>
-                          <a:srgbClr val="C00000"/>
-                        </a:solidFill>
-                        <a:latin typeface="Cambria Math" panose="02040503050406030204" pitchFamily="18" charset="0"/>
-                      </a:rPr>
-                      <m:t>=1</m:t>
-                    </m:r>
-                  </m:oMath>
-                </a14:m>
-                <a:r>
-                  <a:rPr lang="en-US" dirty="0"/>
-                  <a:t> if the </a:t>
-                </a:r>
-                <a14:m>
-                  <m:oMath xmlns:m="http://schemas.openxmlformats.org/officeDocument/2006/math">
-                    <m:r>
-                      <a:rPr lang="en-US" i="1" dirty="0">
-                        <a:solidFill>
-                          <a:srgbClr val="C00000"/>
-                        </a:solidFill>
-                        <a:latin typeface="Cambria Math" panose="02040503050406030204" pitchFamily="18" charset="0"/>
-                      </a:rPr>
-                      <m:t>𝑖</m:t>
-                    </m:r>
-                  </m:oMath>
-                </a14:m>
-                <a:r>
-                  <a:rPr lang="en-US" dirty="0"/>
-                  <a:t>-</a:t>
-                </a:r>
-                <a:r>
-                  <a:rPr lang="en-US" dirty="0" err="1"/>
-                  <a:t>th</a:t>
-                </a:r>
-                <a:r>
-                  <a:rPr lang="en-US" dirty="0"/>
-                  <a:t> roll is </a:t>
-                </a:r>
-                <a14:m>
-                  <m:oMath xmlns:m="http://schemas.openxmlformats.org/officeDocument/2006/math">
-                    <m:r>
-                      <a:rPr lang="en-US" b="0" i="1" dirty="0" smtClean="0">
-                        <a:solidFill>
-                          <a:srgbClr val="C00000"/>
-                        </a:solidFill>
-                        <a:latin typeface="Cambria Math" panose="02040503050406030204" pitchFamily="18" charset="0"/>
-                      </a:rPr>
-                      <m:t>𝑘</m:t>
-                    </m:r>
-                  </m:oMath>
-                </a14:m>
-                <a:r>
-                  <a:rPr lang="en-US" dirty="0"/>
-                  <a:t> and </a:t>
-                </a:r>
-                <a14:m>
-                  <m:oMath xmlns:m="http://schemas.openxmlformats.org/officeDocument/2006/math">
-                    <m:sSub>
-                      <m:sSubPr>
-                        <m:ctrlPr>
-                          <a:rPr lang="en-US" i="1" dirty="0">
-                            <a:solidFill>
-                              <a:srgbClr val="C00000"/>
-                            </a:solidFill>
-                            <a:latin typeface="Cambria Math" panose="02040503050406030204" pitchFamily="18" charset="0"/>
-                          </a:rPr>
-                        </m:ctrlPr>
-                      </m:sSubPr>
-                      <m:e>
-                        <m:r>
-                          <a:rPr lang="en-US" i="1" dirty="0">
-                            <a:solidFill>
-                              <a:srgbClr val="C00000"/>
-                            </a:solidFill>
-                            <a:latin typeface="Cambria Math" panose="02040503050406030204" pitchFamily="18" charset="0"/>
-                          </a:rPr>
-                          <m:t>𝑋</m:t>
-                        </m:r>
-                      </m:e>
-                      <m:sub>
-                        <m:r>
-                          <a:rPr lang="en-US" i="1" dirty="0">
-                            <a:solidFill>
-                              <a:srgbClr val="C00000"/>
-                            </a:solidFill>
-                            <a:latin typeface="Cambria Math" panose="02040503050406030204" pitchFamily="18" charset="0"/>
-                          </a:rPr>
-                          <m:t>𝑖</m:t>
-                        </m:r>
-                      </m:sub>
-                    </m:sSub>
-                    <m:r>
-                      <a:rPr lang="en-US" i="1" dirty="0">
-                        <a:solidFill>
-                          <a:srgbClr val="C00000"/>
-                        </a:solidFill>
-                        <a:latin typeface="Cambria Math" panose="02040503050406030204" pitchFamily="18" charset="0"/>
-                      </a:rPr>
-                      <m:t>=</m:t>
-                    </m:r>
-                    <m:r>
-                      <a:rPr lang="en-US" b="0" i="1" dirty="0" smtClean="0">
-                        <a:solidFill>
-                          <a:srgbClr val="C00000"/>
-                        </a:solidFill>
-                        <a:latin typeface="Cambria Math" panose="02040503050406030204" pitchFamily="18" charset="0"/>
-                      </a:rPr>
-                      <m:t>0</m:t>
-                    </m:r>
-                  </m:oMath>
-                </a14:m>
-                <a:r>
-                  <a:rPr lang="en-US" dirty="0"/>
-                  <a:t> otherwise</a:t>
-                </a:r>
-              </a:p>
-              <a:p>
-                <a:pPr>
-                  <a:buClr>
-                    <a:schemeClr val="tx1"/>
-                  </a:buClr>
-                </a:pPr>
-                <a:endParaRPr lang="en-US" dirty="0"/>
-              </a:p>
-              <a:p>
-                <a:pPr>
-                  <a:buClr>
-                    <a:schemeClr val="tx1"/>
-                  </a:buClr>
-                </a:pPr>
-                <a14:m>
-                  <m:oMath xmlns:m="http://schemas.openxmlformats.org/officeDocument/2006/math">
-                    <m:r>
-                      <m:rPr>
-                        <m:sty m:val="p"/>
-                      </m:rPr>
-                      <a:rPr lang="en-US" b="0" i="0" dirty="0" smtClean="0">
-                        <a:solidFill>
-                          <a:srgbClr val="C00000"/>
-                        </a:solidFill>
-                        <a:latin typeface="Cambria Math" panose="02040503050406030204" pitchFamily="18" charset="0"/>
-                      </a:rPr>
-                      <m:t>E</m:t>
-                    </m:r>
-                    <m:d>
-                      <m:dPr>
-                        <m:begChr m:val="["/>
-                        <m:endChr m:val="]"/>
-                        <m:ctrlPr>
-                          <a:rPr lang="en-US" b="0" i="1" dirty="0" smtClean="0">
-                            <a:solidFill>
-                              <a:srgbClr val="C00000"/>
-                            </a:solidFill>
-                            <a:latin typeface="Cambria Math" panose="02040503050406030204" pitchFamily="18" charset="0"/>
-                          </a:rPr>
-                        </m:ctrlPr>
-                      </m:dPr>
-                      <m:e>
-                        <m:sSub>
-                          <m:sSubPr>
-                            <m:ctrlPr>
-                              <a:rPr lang="en-US" b="0" i="1" dirty="0" smtClean="0">
-                                <a:solidFill>
-                                  <a:srgbClr val="C00000"/>
-                                </a:solidFill>
-                                <a:latin typeface="Cambria Math" panose="02040503050406030204" pitchFamily="18" charset="0"/>
-                              </a:rPr>
-                            </m:ctrlPr>
-                          </m:sSubPr>
-                          <m:e>
-                            <m:r>
-                              <a:rPr lang="en-US" b="0" i="1" dirty="0" smtClean="0">
-                                <a:solidFill>
-                                  <a:srgbClr val="C00000"/>
-                                </a:solidFill>
-                                <a:latin typeface="Cambria Math" panose="02040503050406030204" pitchFamily="18" charset="0"/>
-                              </a:rPr>
-                              <m:t>𝑋</m:t>
-                            </m:r>
-                          </m:e>
-                          <m:sub>
-                            <m:r>
-                              <a:rPr lang="en-US" b="0" i="1" dirty="0" smtClean="0">
-                                <a:solidFill>
-                                  <a:srgbClr val="C00000"/>
-                                </a:solidFill>
-                                <a:latin typeface="Cambria Math" panose="02040503050406030204" pitchFamily="18" charset="0"/>
-                              </a:rPr>
-                              <m:t>𝑖</m:t>
-                            </m:r>
-                          </m:sub>
-                        </m:sSub>
-                      </m:e>
-                    </m:d>
-                    <m:r>
-                      <a:rPr lang="en-US" b="0" i="1" dirty="0" smtClean="0">
-                        <a:solidFill>
-                          <a:srgbClr val="C00000"/>
-                        </a:solidFill>
-                        <a:latin typeface="Cambria Math" panose="02040503050406030204" pitchFamily="18" charset="0"/>
-                      </a:rPr>
-                      <m:t>=</m:t>
-                    </m:r>
-                    <m:f>
-                      <m:fPr>
-                        <m:ctrlPr>
-                          <a:rPr lang="en-US" b="0" i="1" dirty="0" smtClean="0">
-                            <a:solidFill>
-                              <a:srgbClr val="C00000"/>
-                            </a:solidFill>
-                            <a:latin typeface="Cambria Math" panose="02040503050406030204" pitchFamily="18" charset="0"/>
-                          </a:rPr>
-                        </m:ctrlPr>
-                      </m:fPr>
-                      <m:num>
-                        <m:r>
-                          <a:rPr lang="en-US" b="0" i="1" dirty="0" smtClean="0">
-                            <a:solidFill>
-                              <a:srgbClr val="C00000"/>
-                            </a:solidFill>
-                            <a:latin typeface="Cambria Math" panose="02040503050406030204" pitchFamily="18" charset="0"/>
-                          </a:rPr>
-                          <m:t>1</m:t>
-                        </m:r>
-                      </m:num>
-                      <m:den>
-                        <m:r>
-                          <a:rPr lang="en-US" b="0" i="1" dirty="0" smtClean="0">
-                            <a:solidFill>
-                              <a:srgbClr val="C00000"/>
-                            </a:solidFill>
-                            <a:latin typeface="Cambria Math" panose="02040503050406030204" pitchFamily="18" charset="0"/>
-                          </a:rPr>
-                          <m:t>𝑛</m:t>
-                        </m:r>
-                      </m:den>
-                    </m:f>
-                  </m:oMath>
-                </a14:m>
-                <a:endParaRPr lang="en-US" dirty="0"/>
-              </a:p>
-            </p:txBody>
-          </p:sp>
-        </mc:Choice>
-        <mc:Fallback xmlns="">
-          <p:sp>
-            <p:nvSpPr>
-              <p:cNvPr id="3" name="Content Placeholder 2">
-                <a:extLst>
-                  <a:ext uri="{FF2B5EF4-FFF2-40B4-BE49-F238E27FC236}">
-                    <a16:creationId xmlns:a16="http://schemas.microsoft.com/office/drawing/2014/main" id="{76F2126B-4AA6-302B-7E5A-170FFAAB8BD1}"/>
-                  </a:ext>
-                </a:extLst>
-              </p:cNvPr>
-              <p:cNvSpPr>
-                <a:spLocks noGrp="1" noRot="1" noChangeAspect="1" noMove="1" noResize="1" noEditPoints="1" noAdjustHandles="1" noChangeArrowheads="1" noChangeShapeType="1" noTextEdit="1"/>
-              </p:cNvSpPr>
-              <p:nvPr>
-                <p:ph idx="1"/>
-              </p:nvPr>
-            </p:nvSpPr>
-            <p:spPr>
-              <a:blipFill>
-                <a:blip r:embed="rId2"/>
-                <a:stretch>
-                  <a:fillRect l="-1043" t="-2241" r="-1565"/>
-                </a:stretch>
-              </a:blipFill>
-            </p:spPr>
-            <p:txBody>
-              <a:bodyPr/>
-              <a:lstStyle/>
-              <a:p>
-                <a:r>
-                  <a:rPr lang="en-US">
-                    <a:noFill/>
-                  </a:rPr>
-                  <a:t> </a:t>
-                </a:r>
-              </a:p>
-            </p:txBody>
-          </p:sp>
-        </mc:Fallback>
-      </mc:AlternateContent>
-    </p:spTree>
-    <p:extLst>
-      <p:ext uri="{BB962C8B-B14F-4D97-AF65-F5344CB8AC3E}">
-        <p14:creationId xmlns:p14="http://schemas.microsoft.com/office/powerpoint/2010/main" val="38156471"/>
       </p:ext>
     </p:extLst>
   </p:cSld>
@@ -17386,6 +17596,1334 @@
                   <a:srgbClr val="C00000"/>
                 </a:solidFill>
               </a:rPr>
+              <a:t>Trivia Question #4 (Coupon Collector)</a:t>
+            </a:r>
+          </a:p>
+        </p:txBody>
+      </p:sp>
+      <mc:AlternateContent xmlns:mc="http://schemas.openxmlformats.org/markup-compatibility/2006" xmlns:a14="http://schemas.microsoft.com/office/drawing/2010/main">
+        <mc:Choice Requires="a14">
+          <p:sp>
+            <p:nvSpPr>
+              <p:cNvPr id="3" name="Content Placeholder 2">
+                <a:extLst>
+                  <a:ext uri="{FF2B5EF4-FFF2-40B4-BE49-F238E27FC236}">
+                    <a16:creationId xmlns:a16="http://schemas.microsoft.com/office/drawing/2014/main" id="{76F2126B-4AA6-302B-7E5A-170FFAAB8BD1}"/>
+                  </a:ext>
+                </a:extLst>
+              </p:cNvPr>
+              <p:cNvSpPr>
+                <a:spLocks noGrp="1"/>
+              </p:cNvSpPr>
+              <p:nvPr>
+                <p:ph idx="1"/>
+              </p:nvPr>
+            </p:nvSpPr>
+            <p:spPr/>
+            <p:txBody>
+              <a:bodyPr/>
+              <a:lstStyle/>
+              <a:p>
+                <a:pPr>
+                  <a:buClr>
+                    <a:schemeClr val="tx1"/>
+                  </a:buClr>
+                </a:pPr>
+                <a:r>
+                  <a:rPr lang="en-US" dirty="0"/>
+                  <a:t>Suppose we have a fair </a:t>
+                </a:r>
+                <a14:m>
+                  <m:oMath xmlns:m="http://schemas.openxmlformats.org/officeDocument/2006/math">
+                    <m:r>
+                      <a:rPr lang="en-US" b="0" i="1" dirty="0" smtClean="0">
+                        <a:solidFill>
+                          <a:srgbClr val="C00000"/>
+                        </a:solidFill>
+                        <a:latin typeface="Cambria Math" panose="02040503050406030204" pitchFamily="18" charset="0"/>
+                      </a:rPr>
+                      <m:t>𝑛</m:t>
+                    </m:r>
+                  </m:oMath>
+                </a14:m>
+                <a:r>
+                  <a:rPr lang="en-US" dirty="0"/>
+                  <a:t>-sided die. “On average”, how many times should we roll the die before we all possible outcomes among the rolls? Example: </a:t>
+                </a:r>
+                <a14:m>
+                  <m:oMath xmlns:m="http://schemas.openxmlformats.org/officeDocument/2006/math">
+                    <m:r>
+                      <a:rPr lang="en-US" b="0" i="1" dirty="0" smtClean="0">
+                        <a:solidFill>
+                          <a:srgbClr val="C00000"/>
+                        </a:solidFill>
+                        <a:latin typeface="Cambria Math" panose="02040503050406030204" pitchFamily="18" charset="0"/>
+                      </a:rPr>
+                      <m:t>1</m:t>
+                    </m:r>
+                  </m:oMath>
+                </a14:m>
+                <a:r>
+                  <a:rPr lang="en-US" dirty="0"/>
+                  <a:t>, </a:t>
+                </a:r>
+                <a14:m>
+                  <m:oMath xmlns:m="http://schemas.openxmlformats.org/officeDocument/2006/math">
+                    <m:r>
+                      <a:rPr lang="en-US" b="0" i="1" dirty="0" smtClean="0">
+                        <a:solidFill>
+                          <a:srgbClr val="C00000"/>
+                        </a:solidFill>
+                        <a:latin typeface="Cambria Math" panose="02040503050406030204" pitchFamily="18" charset="0"/>
+                      </a:rPr>
+                      <m:t>5</m:t>
+                    </m:r>
+                  </m:oMath>
+                </a14:m>
+                <a:r>
+                  <a:rPr lang="en-US" dirty="0"/>
+                  <a:t>, </a:t>
+                </a:r>
+                <a14:m>
+                  <m:oMath xmlns:m="http://schemas.openxmlformats.org/officeDocument/2006/math">
+                    <m:r>
+                      <a:rPr lang="en-US" b="0" i="1" dirty="0" smtClean="0">
+                        <a:solidFill>
+                          <a:srgbClr val="C00000"/>
+                        </a:solidFill>
+                        <a:latin typeface="Cambria Math" panose="02040503050406030204" pitchFamily="18" charset="0"/>
+                      </a:rPr>
+                      <m:t>2</m:t>
+                    </m:r>
+                  </m:oMath>
+                </a14:m>
+                <a:r>
+                  <a:rPr lang="en-US" dirty="0"/>
+                  <a:t>, </a:t>
+                </a:r>
+                <a14:m>
+                  <m:oMath xmlns:m="http://schemas.openxmlformats.org/officeDocument/2006/math">
+                    <m:r>
+                      <a:rPr lang="en-US" b="0" i="1" dirty="0" smtClean="0">
+                        <a:solidFill>
+                          <a:srgbClr val="C00000"/>
+                        </a:solidFill>
+                        <a:latin typeface="Cambria Math" panose="02040503050406030204" pitchFamily="18" charset="0"/>
+                      </a:rPr>
+                      <m:t>4</m:t>
+                    </m:r>
+                  </m:oMath>
+                </a14:m>
+                <a:r>
+                  <a:rPr lang="en-US" dirty="0"/>
+                  <a:t>,</a:t>
+                </a:r>
+                <a:r>
+                  <a:rPr lang="en-US" dirty="0">
+                    <a:solidFill>
+                      <a:srgbClr val="C00000"/>
+                    </a:solidFill>
+                  </a:rPr>
+                  <a:t> </a:t>
+                </a:r>
+                <a14:m>
+                  <m:oMath xmlns:m="http://schemas.openxmlformats.org/officeDocument/2006/math">
+                    <m:r>
+                      <a:rPr lang="en-US" b="0" i="1" smtClean="0">
+                        <a:solidFill>
+                          <a:srgbClr val="C00000"/>
+                        </a:solidFill>
+                        <a:latin typeface="Cambria Math" panose="02040503050406030204" pitchFamily="18" charset="0"/>
+                      </a:rPr>
+                      <m:t>1</m:t>
+                    </m:r>
+                  </m:oMath>
+                </a14:m>
+                <a:r>
+                  <a:rPr lang="en-US" dirty="0"/>
+                  <a:t>, </a:t>
+                </a:r>
+                <a14:m>
+                  <m:oMath xmlns:m="http://schemas.openxmlformats.org/officeDocument/2006/math">
+                    <m:r>
+                      <a:rPr lang="en-US" b="0" i="1" dirty="0" smtClean="0">
+                        <a:solidFill>
+                          <a:srgbClr val="C00000"/>
+                        </a:solidFill>
+                        <a:latin typeface="Cambria Math" panose="02040503050406030204" pitchFamily="18" charset="0"/>
+                      </a:rPr>
+                      <m:t>3</m:t>
+                    </m:r>
+                  </m:oMath>
+                </a14:m>
+                <a:r>
+                  <a:rPr lang="en-US" dirty="0"/>
+                  <a:t>, </a:t>
+                </a:r>
+                <a14:m>
+                  <m:oMath xmlns:m="http://schemas.openxmlformats.org/officeDocument/2006/math">
+                    <m:r>
+                      <a:rPr lang="en-US" b="0" i="1" dirty="0" smtClean="0">
+                        <a:solidFill>
+                          <a:srgbClr val="C00000"/>
+                        </a:solidFill>
+                        <a:latin typeface="Cambria Math" panose="02040503050406030204" pitchFamily="18" charset="0"/>
+                      </a:rPr>
+                      <m:t>1</m:t>
+                    </m:r>
+                  </m:oMath>
+                </a14:m>
+                <a:r>
+                  <a:rPr lang="en-US" dirty="0"/>
+                  <a:t>, </a:t>
+                </a:r>
+                <a14:m>
+                  <m:oMath xmlns:m="http://schemas.openxmlformats.org/officeDocument/2006/math">
+                    <m:r>
+                      <a:rPr lang="en-US" b="0" i="1" dirty="0" smtClean="0">
+                        <a:solidFill>
+                          <a:srgbClr val="0070C0"/>
+                        </a:solidFill>
+                        <a:latin typeface="Cambria Math" panose="02040503050406030204" pitchFamily="18" charset="0"/>
+                      </a:rPr>
+                      <m:t>6</m:t>
+                    </m:r>
+                  </m:oMath>
+                </a14:m>
+                <a:r>
+                  <a:rPr lang="en-US" dirty="0">
+                    <a:solidFill>
+                      <a:srgbClr val="C00000"/>
+                    </a:solidFill>
+                  </a:rPr>
+                  <a:t> </a:t>
+                </a:r>
+                <a:r>
+                  <a:rPr lang="en-US" dirty="0"/>
+                  <a:t>for</a:t>
+                </a:r>
+                <a:r>
+                  <a:rPr lang="en-US" dirty="0">
+                    <a:solidFill>
+                      <a:srgbClr val="C00000"/>
+                    </a:solidFill>
+                  </a:rPr>
+                  <a:t> </a:t>
+                </a:r>
+                <a14:m>
+                  <m:oMath xmlns:m="http://schemas.openxmlformats.org/officeDocument/2006/math">
+                    <m:r>
+                      <a:rPr lang="en-US" i="1" dirty="0">
+                        <a:solidFill>
+                          <a:srgbClr val="C00000"/>
+                        </a:solidFill>
+                        <a:latin typeface="Cambria Math" panose="02040503050406030204" pitchFamily="18" charset="0"/>
+                      </a:rPr>
+                      <m:t>𝑛</m:t>
+                    </m:r>
+                    <m:r>
+                      <a:rPr lang="en-US" b="0" i="0" dirty="0" smtClean="0">
+                        <a:solidFill>
+                          <a:srgbClr val="C00000"/>
+                        </a:solidFill>
+                        <a:latin typeface="Cambria Math" panose="02040503050406030204" pitchFamily="18" charset="0"/>
+                      </a:rPr>
+                      <m:t>=6</m:t>
+                    </m:r>
+                  </m:oMath>
+                </a14:m>
+                <a:endParaRPr lang="en-US" dirty="0">
+                  <a:solidFill>
+                    <a:srgbClr val="C00000"/>
+                  </a:solidFill>
+                </a:endParaRPr>
+              </a:p>
+              <a:p>
+                <a:pPr>
+                  <a:buClr>
+                    <a:schemeClr val="tx1"/>
+                  </a:buClr>
+                </a:pPr>
+                <a:endParaRPr lang="en-US" dirty="0"/>
+              </a:p>
+              <a:p>
+                <a:pPr>
+                  <a:buClr>
+                    <a:schemeClr val="tx1"/>
+                  </a:buClr>
+                </a:pPr>
+                <a14:m>
+                  <m:oMath xmlns:m="http://schemas.openxmlformats.org/officeDocument/2006/math">
+                    <m:r>
+                      <m:rPr>
+                        <m:sty m:val="p"/>
+                      </m:rPr>
+                      <a:rPr lang="en-US" dirty="0">
+                        <a:solidFill>
+                          <a:srgbClr val="C00000"/>
+                        </a:solidFill>
+                        <a:latin typeface="Cambria Math" panose="02040503050406030204" pitchFamily="18" charset="0"/>
+                      </a:rPr>
+                      <m:t>Θ</m:t>
+                    </m:r>
+                    <m:d>
+                      <m:dPr>
+                        <m:ctrlPr>
+                          <a:rPr lang="en-US" b="0" i="1" dirty="0" smtClean="0">
+                            <a:solidFill>
+                              <a:srgbClr val="C00000"/>
+                            </a:solidFill>
+                            <a:latin typeface="Cambria Math" panose="02040503050406030204" pitchFamily="18" charset="0"/>
+                          </a:rPr>
+                        </m:ctrlPr>
+                      </m:dPr>
+                      <m:e>
+                        <m:r>
+                          <a:rPr lang="en-US" b="0" i="1" dirty="0" smtClean="0">
+                            <a:solidFill>
+                              <a:srgbClr val="C00000"/>
+                            </a:solidFill>
+                            <a:latin typeface="Cambria Math" panose="02040503050406030204" pitchFamily="18" charset="0"/>
+                          </a:rPr>
+                          <m:t>𝑛</m:t>
+                        </m:r>
+                      </m:e>
+                    </m:d>
+                  </m:oMath>
+                </a14:m>
+                <a:endParaRPr lang="en-US" b="0" dirty="0">
+                  <a:solidFill>
+                    <a:srgbClr val="C00000"/>
+                  </a:solidFill>
+                </a:endParaRPr>
+              </a:p>
+              <a:p>
+                <a:pPr>
+                  <a:buClr>
+                    <a:schemeClr val="tx1"/>
+                  </a:buClr>
+                </a:pPr>
+                <a14:m>
+                  <m:oMath xmlns:m="http://schemas.openxmlformats.org/officeDocument/2006/math">
+                    <m:r>
+                      <m:rPr>
+                        <m:sty m:val="p"/>
+                      </m:rPr>
+                      <a:rPr lang="en-US" dirty="0">
+                        <a:solidFill>
+                          <a:srgbClr val="C00000"/>
+                        </a:solidFill>
+                        <a:latin typeface="Cambria Math" panose="02040503050406030204" pitchFamily="18" charset="0"/>
+                      </a:rPr>
+                      <m:t>Θ</m:t>
+                    </m:r>
+                    <m:d>
+                      <m:dPr>
+                        <m:ctrlPr>
+                          <a:rPr lang="en-US" b="0" i="1" dirty="0" smtClean="0">
+                            <a:solidFill>
+                              <a:srgbClr val="C00000"/>
+                            </a:solidFill>
+                            <a:latin typeface="Cambria Math" panose="02040503050406030204" pitchFamily="18" charset="0"/>
+                          </a:rPr>
+                        </m:ctrlPr>
+                      </m:dPr>
+                      <m:e>
+                        <m:r>
+                          <a:rPr lang="en-US" b="0" i="1" dirty="0" smtClean="0">
+                            <a:solidFill>
+                              <a:srgbClr val="C00000"/>
+                            </a:solidFill>
+                            <a:latin typeface="Cambria Math" panose="02040503050406030204" pitchFamily="18" charset="0"/>
+                          </a:rPr>
+                          <m:t>𝑛</m:t>
+                        </m:r>
+                        <m:func>
+                          <m:funcPr>
+                            <m:ctrlPr>
+                              <a:rPr lang="en-US" b="0" i="1" dirty="0" smtClean="0">
+                                <a:solidFill>
+                                  <a:srgbClr val="C00000"/>
+                                </a:solidFill>
+                                <a:latin typeface="Cambria Math" panose="02040503050406030204" pitchFamily="18" charset="0"/>
+                              </a:rPr>
+                            </m:ctrlPr>
+                          </m:funcPr>
+                          <m:fName>
+                            <m:r>
+                              <m:rPr>
+                                <m:sty m:val="p"/>
+                              </m:rPr>
+                              <a:rPr lang="en-US" b="0" i="0" dirty="0" smtClean="0">
+                                <a:solidFill>
+                                  <a:srgbClr val="C00000"/>
+                                </a:solidFill>
+                                <a:latin typeface="Cambria Math" panose="02040503050406030204" pitchFamily="18" charset="0"/>
+                              </a:rPr>
+                              <m:t>log</m:t>
+                            </m:r>
+                          </m:fName>
+                          <m:e>
+                            <m:r>
+                              <a:rPr lang="en-US" b="0" i="1" dirty="0" smtClean="0">
+                                <a:solidFill>
+                                  <a:srgbClr val="C00000"/>
+                                </a:solidFill>
+                                <a:latin typeface="Cambria Math" panose="02040503050406030204" pitchFamily="18" charset="0"/>
+                              </a:rPr>
+                              <m:t>𝑛</m:t>
+                            </m:r>
+                          </m:e>
+                        </m:func>
+                      </m:e>
+                    </m:d>
+                  </m:oMath>
+                </a14:m>
+                <a:endParaRPr lang="en-US" b="0" dirty="0">
+                  <a:solidFill>
+                    <a:srgbClr val="C00000"/>
+                  </a:solidFill>
+                </a:endParaRPr>
+              </a:p>
+              <a:p>
+                <a:pPr>
+                  <a:buClr>
+                    <a:schemeClr val="tx1"/>
+                  </a:buClr>
+                </a:pPr>
+                <a14:m>
+                  <m:oMath xmlns:m="http://schemas.openxmlformats.org/officeDocument/2006/math">
+                    <m:r>
+                      <m:rPr>
+                        <m:sty m:val="p"/>
+                      </m:rPr>
+                      <a:rPr lang="en-US" dirty="0">
+                        <a:solidFill>
+                          <a:srgbClr val="C00000"/>
+                        </a:solidFill>
+                        <a:latin typeface="Cambria Math" panose="02040503050406030204" pitchFamily="18" charset="0"/>
+                      </a:rPr>
+                      <m:t>Θ</m:t>
+                    </m:r>
+                    <m:d>
+                      <m:dPr>
+                        <m:ctrlPr>
+                          <a:rPr lang="en-US" b="0" i="1" dirty="0" smtClean="0">
+                            <a:solidFill>
+                              <a:srgbClr val="C00000"/>
+                            </a:solidFill>
+                            <a:latin typeface="Cambria Math" panose="02040503050406030204" pitchFamily="18" charset="0"/>
+                          </a:rPr>
+                        </m:ctrlPr>
+                      </m:dPr>
+                      <m:e>
+                        <m:r>
+                          <a:rPr lang="en-US" b="0" i="1" dirty="0" smtClean="0">
+                            <a:solidFill>
+                              <a:srgbClr val="C00000"/>
+                            </a:solidFill>
+                            <a:latin typeface="Cambria Math" panose="02040503050406030204" pitchFamily="18" charset="0"/>
+                          </a:rPr>
+                          <m:t>𝑛</m:t>
+                        </m:r>
+                        <m:rad>
+                          <m:radPr>
+                            <m:degHide m:val="on"/>
+                            <m:ctrlPr>
+                              <a:rPr lang="en-US" b="0" i="1" dirty="0" smtClean="0">
+                                <a:solidFill>
+                                  <a:srgbClr val="C00000"/>
+                                </a:solidFill>
+                                <a:latin typeface="Cambria Math" panose="02040503050406030204" pitchFamily="18" charset="0"/>
+                              </a:rPr>
+                            </m:ctrlPr>
+                          </m:radPr>
+                          <m:deg/>
+                          <m:e>
+                            <m:r>
+                              <a:rPr lang="en-US" b="0" i="1" dirty="0" smtClean="0">
+                                <a:solidFill>
+                                  <a:srgbClr val="C00000"/>
+                                </a:solidFill>
+                                <a:latin typeface="Cambria Math" panose="02040503050406030204" pitchFamily="18" charset="0"/>
+                              </a:rPr>
+                              <m:t>𝑛</m:t>
+                            </m:r>
+                          </m:e>
+                        </m:rad>
+                      </m:e>
+                    </m:d>
+                  </m:oMath>
+                </a14:m>
+                <a:endParaRPr lang="en-US" b="0" dirty="0">
+                  <a:solidFill>
+                    <a:srgbClr val="C00000"/>
+                  </a:solidFill>
+                </a:endParaRPr>
+              </a:p>
+              <a:p>
+                <a:pPr>
+                  <a:buClr>
+                    <a:schemeClr val="tx1"/>
+                  </a:buClr>
+                </a:pPr>
+                <a14:m>
+                  <m:oMath xmlns:m="http://schemas.openxmlformats.org/officeDocument/2006/math">
+                    <m:r>
+                      <m:rPr>
+                        <m:sty m:val="p"/>
+                      </m:rPr>
+                      <a:rPr lang="en-US" dirty="0">
+                        <a:solidFill>
+                          <a:srgbClr val="C00000"/>
+                        </a:solidFill>
+                        <a:latin typeface="Cambria Math" panose="02040503050406030204" pitchFamily="18" charset="0"/>
+                      </a:rPr>
+                      <m:t>Θ</m:t>
+                    </m:r>
+                    <m:d>
+                      <m:dPr>
+                        <m:ctrlPr>
+                          <a:rPr lang="en-US" b="0" i="1" dirty="0" smtClean="0">
+                            <a:solidFill>
+                              <a:srgbClr val="C00000"/>
+                            </a:solidFill>
+                            <a:latin typeface="Cambria Math" panose="02040503050406030204" pitchFamily="18" charset="0"/>
+                          </a:rPr>
+                        </m:ctrlPr>
+                      </m:dPr>
+                      <m:e>
+                        <m:sSup>
+                          <m:sSupPr>
+                            <m:ctrlPr>
+                              <a:rPr lang="en-US" b="0" i="1" dirty="0" smtClean="0">
+                                <a:solidFill>
+                                  <a:srgbClr val="C00000"/>
+                                </a:solidFill>
+                                <a:latin typeface="Cambria Math" panose="02040503050406030204" pitchFamily="18" charset="0"/>
+                              </a:rPr>
+                            </m:ctrlPr>
+                          </m:sSupPr>
+                          <m:e>
+                            <m:r>
+                              <a:rPr lang="en-US" b="0" i="1" dirty="0" smtClean="0">
+                                <a:solidFill>
+                                  <a:srgbClr val="C00000"/>
+                                </a:solidFill>
+                                <a:latin typeface="Cambria Math" panose="02040503050406030204" pitchFamily="18" charset="0"/>
+                              </a:rPr>
+                              <m:t>𝑛</m:t>
+                            </m:r>
+                          </m:e>
+                          <m:sup>
+                            <m:r>
+                              <a:rPr lang="en-US" b="0" i="1" dirty="0" smtClean="0">
+                                <a:solidFill>
+                                  <a:srgbClr val="C00000"/>
+                                </a:solidFill>
+                                <a:latin typeface="Cambria Math" panose="02040503050406030204" pitchFamily="18" charset="0"/>
+                              </a:rPr>
+                              <m:t>2</m:t>
+                            </m:r>
+                          </m:sup>
+                        </m:sSup>
+                      </m:e>
+                    </m:d>
+                  </m:oMath>
+                </a14:m>
+                <a:endParaRPr lang="en-US" dirty="0"/>
+              </a:p>
+            </p:txBody>
+          </p:sp>
+        </mc:Choice>
+        <mc:Fallback xmlns="">
+          <p:sp>
+            <p:nvSpPr>
+              <p:cNvPr id="3" name="Content Placeholder 2">
+                <a:extLst>
+                  <a:ext uri="{FF2B5EF4-FFF2-40B4-BE49-F238E27FC236}">
+                    <a16:creationId xmlns:a16="http://schemas.microsoft.com/office/drawing/2014/main" id="{76F2126B-4AA6-302B-7E5A-170FFAAB8BD1}"/>
+                  </a:ext>
+                </a:extLst>
+              </p:cNvPr>
+              <p:cNvSpPr>
+                <a:spLocks noGrp="1" noRot="1" noChangeAspect="1" noMove="1" noResize="1" noEditPoints="1" noAdjustHandles="1" noChangeArrowheads="1" noChangeShapeType="1" noTextEdit="1"/>
+              </p:cNvSpPr>
+              <p:nvPr>
+                <p:ph idx="1"/>
+              </p:nvPr>
+            </p:nvSpPr>
+            <p:spPr>
+              <a:blipFill>
+                <a:blip r:embed="rId2"/>
+                <a:stretch>
+                  <a:fillRect l="-1043" t="-2241"/>
+                </a:stretch>
+              </a:blipFill>
+            </p:spPr>
+            <p:txBody>
+              <a:bodyPr/>
+              <a:lstStyle/>
+              <a:p>
+                <a:r>
+                  <a:rPr lang="en-US">
+                    <a:noFill/>
+                  </a:rPr>
+                  <a:t> </a:t>
+                </a:r>
+              </a:p>
+            </p:txBody>
+          </p:sp>
+        </mc:Fallback>
+      </mc:AlternateContent>
+    </p:spTree>
+    <p:extLst>
+      <p:ext uri="{BB962C8B-B14F-4D97-AF65-F5344CB8AC3E}">
+        <p14:creationId xmlns:p14="http://schemas.microsoft.com/office/powerpoint/2010/main" val="883209316"/>
+      </p:ext>
+    </p:extLst>
+  </p:cSld>
+  <p:clrMapOvr>
+    <a:masterClrMapping/>
+  </p:clrMapOvr>
+</p:sld>
+</file>
+
+<file path=ppt/slides/slide31.xml><?xml version="1.0" encoding="utf-8"?>
+<p:sld xmlns:a="http://schemas.openxmlformats.org/drawingml/2006/main" xmlns:r="http://schemas.openxmlformats.org/officeDocument/2006/relationships" xmlns:p="http://schemas.openxmlformats.org/presentationml/2006/main">
+  <p:cSld>
+    <p:spTree>
+      <p:nvGrpSpPr>
+        <p:cNvPr id="1" name=""/>
+        <p:cNvGrpSpPr/>
+        <p:nvPr/>
+      </p:nvGrpSpPr>
+      <p:grpSpPr>
+        <a:xfrm>
+          <a:off x="0" y="0"/>
+          <a:ext cx="0" cy="0"/>
+          <a:chOff x="0" y="0"/>
+          <a:chExt cx="0" cy="0"/>
+        </a:xfrm>
+      </p:grpSpPr>
+      <p:sp>
+        <p:nvSpPr>
+          <p:cNvPr id="2" name="Title 1">
+            <a:extLst>
+              <a:ext uri="{FF2B5EF4-FFF2-40B4-BE49-F238E27FC236}">
+                <a16:creationId xmlns:a16="http://schemas.microsoft.com/office/drawing/2014/main" id="{FCA5AC62-A5FD-2A5B-018F-859A378AA1D4}"/>
+              </a:ext>
+            </a:extLst>
+          </p:cNvPr>
+          <p:cNvSpPr>
+            <a:spLocks noGrp="1"/>
+          </p:cNvSpPr>
+          <p:nvPr>
+            <p:ph type="title"/>
+          </p:nvPr>
+        </p:nvSpPr>
+        <p:spPr/>
+        <p:txBody>
+          <a:bodyPr/>
+          <a:lstStyle/>
+          <a:p>
+            <a:r>
+              <a:rPr lang="en-US" dirty="0">
+                <a:solidFill>
+                  <a:srgbClr val="C00000"/>
+                </a:solidFill>
+              </a:rPr>
+              <a:t>Max Load</a:t>
+            </a:r>
+          </a:p>
+        </p:txBody>
+      </p:sp>
+      <mc:AlternateContent xmlns:mc="http://schemas.openxmlformats.org/markup-compatibility/2006" xmlns:a14="http://schemas.microsoft.com/office/drawing/2010/main">
+        <mc:Choice Requires="a14">
+          <p:sp>
+            <p:nvSpPr>
+              <p:cNvPr id="3" name="Content Placeholder 2">
+                <a:extLst>
+                  <a:ext uri="{FF2B5EF4-FFF2-40B4-BE49-F238E27FC236}">
+                    <a16:creationId xmlns:a16="http://schemas.microsoft.com/office/drawing/2014/main" id="{76F2126B-4AA6-302B-7E5A-170FFAAB8BD1}"/>
+                  </a:ext>
+                </a:extLst>
+              </p:cNvPr>
+              <p:cNvSpPr>
+                <a:spLocks noGrp="1"/>
+              </p:cNvSpPr>
+              <p:nvPr>
+                <p:ph idx="1"/>
+              </p:nvPr>
+            </p:nvSpPr>
+            <p:spPr/>
+            <p:txBody>
+              <a:bodyPr/>
+              <a:lstStyle/>
+              <a:p>
+                <a:pPr>
+                  <a:buClr>
+                    <a:schemeClr val="tx1"/>
+                  </a:buClr>
+                </a:pPr>
+                <a:r>
+                  <a:rPr lang="en-US" dirty="0"/>
+                  <a:t>Suppose we have a fair </a:t>
+                </a:r>
+                <a14:m>
+                  <m:oMath xmlns:m="http://schemas.openxmlformats.org/officeDocument/2006/math">
+                    <m:r>
+                      <a:rPr lang="en-US" b="0" i="1" dirty="0" smtClean="0">
+                        <a:solidFill>
+                          <a:srgbClr val="C00000"/>
+                        </a:solidFill>
+                        <a:latin typeface="Cambria Math" panose="02040503050406030204" pitchFamily="18" charset="0"/>
+                      </a:rPr>
+                      <m:t>𝑛</m:t>
+                    </m:r>
+                  </m:oMath>
+                </a14:m>
+                <a:r>
+                  <a:rPr lang="en-US" dirty="0"/>
+                  <a:t>-sided die that we roll </a:t>
+                </a:r>
+                <a14:m>
+                  <m:oMath xmlns:m="http://schemas.openxmlformats.org/officeDocument/2006/math">
+                    <m:r>
+                      <a:rPr lang="en-US" i="1" dirty="0">
+                        <a:solidFill>
+                          <a:srgbClr val="C00000"/>
+                        </a:solidFill>
+                        <a:latin typeface="Cambria Math" panose="02040503050406030204" pitchFamily="18" charset="0"/>
+                      </a:rPr>
+                      <m:t>𝑛</m:t>
+                    </m:r>
+                  </m:oMath>
+                </a14:m>
+                <a:r>
+                  <a:rPr lang="en-US" dirty="0"/>
+                  <a:t> times. “On average”, what is the largest number of times any outcome is rolled? Example: </a:t>
+                </a:r>
+                <a14:m>
+                  <m:oMath xmlns:m="http://schemas.openxmlformats.org/officeDocument/2006/math">
+                    <m:r>
+                      <a:rPr lang="en-US" b="0" i="1" dirty="0" smtClean="0">
+                        <a:solidFill>
+                          <a:srgbClr val="0070C0"/>
+                        </a:solidFill>
+                        <a:latin typeface="Cambria Math" panose="02040503050406030204" pitchFamily="18" charset="0"/>
+                      </a:rPr>
+                      <m:t>1</m:t>
+                    </m:r>
+                  </m:oMath>
+                </a14:m>
+                <a:r>
+                  <a:rPr lang="en-US" dirty="0"/>
+                  <a:t>, </a:t>
+                </a:r>
+                <a14:m>
+                  <m:oMath xmlns:m="http://schemas.openxmlformats.org/officeDocument/2006/math">
+                    <m:r>
+                      <a:rPr lang="en-US" b="0" i="1" dirty="0" smtClean="0">
+                        <a:solidFill>
+                          <a:srgbClr val="C00000"/>
+                        </a:solidFill>
+                        <a:latin typeface="Cambria Math" panose="02040503050406030204" pitchFamily="18" charset="0"/>
+                      </a:rPr>
+                      <m:t>5</m:t>
+                    </m:r>
+                  </m:oMath>
+                </a14:m>
+                <a:r>
+                  <a:rPr lang="en-US" dirty="0"/>
+                  <a:t>, </a:t>
+                </a:r>
+                <a14:m>
+                  <m:oMath xmlns:m="http://schemas.openxmlformats.org/officeDocument/2006/math">
+                    <m:r>
+                      <a:rPr lang="en-US" b="0" i="1" dirty="0" smtClean="0">
+                        <a:solidFill>
+                          <a:srgbClr val="C00000"/>
+                        </a:solidFill>
+                        <a:latin typeface="Cambria Math" panose="02040503050406030204" pitchFamily="18" charset="0"/>
+                      </a:rPr>
+                      <m:t>2</m:t>
+                    </m:r>
+                  </m:oMath>
+                </a14:m>
+                <a:r>
+                  <a:rPr lang="en-US" dirty="0"/>
+                  <a:t>, </a:t>
+                </a:r>
+                <a14:m>
+                  <m:oMath xmlns:m="http://schemas.openxmlformats.org/officeDocument/2006/math">
+                    <m:r>
+                      <a:rPr lang="en-US" b="0" i="1" dirty="0" smtClean="0">
+                        <a:solidFill>
+                          <a:srgbClr val="C00000"/>
+                        </a:solidFill>
+                        <a:latin typeface="Cambria Math" panose="02040503050406030204" pitchFamily="18" charset="0"/>
+                      </a:rPr>
+                      <m:t>4</m:t>
+                    </m:r>
+                  </m:oMath>
+                </a14:m>
+                <a:r>
+                  <a:rPr lang="en-US" dirty="0"/>
+                  <a:t>,</a:t>
+                </a:r>
+                <a:r>
+                  <a:rPr lang="en-US" dirty="0">
+                    <a:solidFill>
+                      <a:srgbClr val="C00000"/>
+                    </a:solidFill>
+                  </a:rPr>
+                  <a:t> </a:t>
+                </a:r>
+                <a14:m>
+                  <m:oMath xmlns:m="http://schemas.openxmlformats.org/officeDocument/2006/math">
+                    <m:r>
+                      <a:rPr lang="en-US" b="0" i="1" smtClean="0">
+                        <a:solidFill>
+                          <a:srgbClr val="0070C0"/>
+                        </a:solidFill>
+                        <a:latin typeface="Cambria Math" panose="02040503050406030204" pitchFamily="18" charset="0"/>
+                      </a:rPr>
+                      <m:t>1</m:t>
+                    </m:r>
+                  </m:oMath>
+                </a14:m>
+                <a:r>
+                  <a:rPr lang="en-US" dirty="0"/>
+                  <a:t>, </a:t>
+                </a:r>
+                <a14:m>
+                  <m:oMath xmlns:m="http://schemas.openxmlformats.org/officeDocument/2006/math">
+                    <m:r>
+                      <a:rPr lang="en-US" b="0" i="1" dirty="0" smtClean="0">
+                        <a:solidFill>
+                          <a:srgbClr val="C00000"/>
+                        </a:solidFill>
+                        <a:latin typeface="Cambria Math" panose="02040503050406030204" pitchFamily="18" charset="0"/>
+                      </a:rPr>
+                      <m:t>3</m:t>
+                    </m:r>
+                  </m:oMath>
+                </a14:m>
+                <a:r>
+                  <a:rPr lang="en-US" dirty="0"/>
+                  <a:t>, </a:t>
+                </a:r>
+                <a14:m>
+                  <m:oMath xmlns:m="http://schemas.openxmlformats.org/officeDocument/2006/math">
+                    <m:r>
+                      <a:rPr lang="en-US" b="0" i="1" dirty="0" smtClean="0">
+                        <a:solidFill>
+                          <a:srgbClr val="0070C0"/>
+                        </a:solidFill>
+                        <a:latin typeface="Cambria Math" panose="02040503050406030204" pitchFamily="18" charset="0"/>
+                      </a:rPr>
+                      <m:t>1</m:t>
+                    </m:r>
+                  </m:oMath>
+                </a14:m>
+                <a:r>
+                  <a:rPr lang="en-US" dirty="0">
+                    <a:solidFill>
+                      <a:srgbClr val="C00000"/>
+                    </a:solidFill>
+                  </a:rPr>
+                  <a:t> </a:t>
+                </a:r>
+                <a:r>
+                  <a:rPr lang="en-US" dirty="0"/>
+                  <a:t>for</a:t>
+                </a:r>
+                <a:r>
+                  <a:rPr lang="en-US" dirty="0">
+                    <a:solidFill>
+                      <a:srgbClr val="C00000"/>
+                    </a:solidFill>
+                  </a:rPr>
+                  <a:t> </a:t>
+                </a:r>
+                <a14:m>
+                  <m:oMath xmlns:m="http://schemas.openxmlformats.org/officeDocument/2006/math">
+                    <m:r>
+                      <a:rPr lang="en-US" i="1" dirty="0">
+                        <a:solidFill>
+                          <a:srgbClr val="C00000"/>
+                        </a:solidFill>
+                        <a:latin typeface="Cambria Math" panose="02040503050406030204" pitchFamily="18" charset="0"/>
+                      </a:rPr>
+                      <m:t>𝑛</m:t>
+                    </m:r>
+                    <m:r>
+                      <a:rPr lang="en-US" b="0" i="0" dirty="0" smtClean="0">
+                        <a:solidFill>
+                          <a:srgbClr val="C00000"/>
+                        </a:solidFill>
+                        <a:latin typeface="Cambria Math" panose="02040503050406030204" pitchFamily="18" charset="0"/>
+                      </a:rPr>
+                      <m:t>=7</m:t>
+                    </m:r>
+                  </m:oMath>
+                </a14:m>
+                <a:endParaRPr lang="en-US" dirty="0">
+                  <a:solidFill>
+                    <a:srgbClr val="C00000"/>
+                  </a:solidFill>
+                </a:endParaRPr>
+              </a:p>
+              <a:p>
+                <a:pPr>
+                  <a:buClr>
+                    <a:schemeClr val="tx1"/>
+                  </a:buClr>
+                </a:pPr>
+                <a:endParaRPr lang="en-US" dirty="0"/>
+              </a:p>
+              <a:p>
+                <a:pPr>
+                  <a:buClr>
+                    <a:schemeClr val="tx1"/>
+                  </a:buClr>
+                </a:pPr>
+                <a:r>
+                  <a:rPr lang="en-US" dirty="0"/>
+                  <a:t>Fix a value </a:t>
+                </a:r>
+                <a14:m>
+                  <m:oMath xmlns:m="http://schemas.openxmlformats.org/officeDocument/2006/math">
+                    <m:r>
+                      <a:rPr lang="en-US" b="0" i="1" dirty="0" smtClean="0">
+                        <a:solidFill>
+                          <a:srgbClr val="C00000"/>
+                        </a:solidFill>
+                        <a:latin typeface="Cambria Math" panose="02040503050406030204" pitchFamily="18" charset="0"/>
+                      </a:rPr>
+                      <m:t>𝑘</m:t>
+                    </m:r>
+                    <m:r>
+                      <a:rPr lang="en-US" b="0" i="1" dirty="0" smtClean="0">
+                        <a:solidFill>
+                          <a:srgbClr val="C00000"/>
+                        </a:solidFill>
+                        <a:latin typeface="Cambria Math" panose="02040503050406030204" pitchFamily="18" charset="0"/>
+                      </a:rPr>
+                      <m:t>∈[</m:t>
+                    </m:r>
+                    <m:r>
+                      <a:rPr lang="en-US" b="0" i="1" dirty="0" smtClean="0">
+                        <a:solidFill>
+                          <a:srgbClr val="C00000"/>
+                        </a:solidFill>
+                        <a:latin typeface="Cambria Math" panose="02040503050406030204" pitchFamily="18" charset="0"/>
+                      </a:rPr>
+                      <m:t>𝑛</m:t>
+                    </m:r>
+                    <m:r>
+                      <a:rPr lang="en-US" b="0" i="1" dirty="0" smtClean="0">
+                        <a:solidFill>
+                          <a:srgbClr val="C00000"/>
+                        </a:solidFill>
+                        <a:latin typeface="Cambria Math" panose="02040503050406030204" pitchFamily="18" charset="0"/>
+                      </a:rPr>
+                      <m:t>]</m:t>
+                    </m:r>
+                  </m:oMath>
+                </a14:m>
+                <a:endParaRPr lang="en-US" dirty="0"/>
+              </a:p>
+              <a:p>
+                <a:pPr>
+                  <a:buClr>
+                    <a:schemeClr val="tx1"/>
+                  </a:buClr>
+                </a:pPr>
+                <a:r>
+                  <a:rPr lang="en-US" dirty="0"/>
+                  <a:t>Let </a:t>
+                </a:r>
+                <a14:m>
+                  <m:oMath xmlns:m="http://schemas.openxmlformats.org/officeDocument/2006/math">
+                    <m:sSub>
+                      <m:sSubPr>
+                        <m:ctrlPr>
+                          <a:rPr lang="en-US" b="0" i="1" dirty="0" smtClean="0">
+                            <a:solidFill>
+                              <a:srgbClr val="C00000"/>
+                            </a:solidFill>
+                            <a:latin typeface="Cambria Math" panose="02040503050406030204" pitchFamily="18" charset="0"/>
+                          </a:rPr>
+                        </m:ctrlPr>
+                      </m:sSubPr>
+                      <m:e>
+                        <m:r>
+                          <a:rPr lang="en-US" b="0" i="1" dirty="0" smtClean="0">
+                            <a:solidFill>
+                              <a:srgbClr val="C00000"/>
+                            </a:solidFill>
+                            <a:latin typeface="Cambria Math" panose="02040503050406030204" pitchFamily="18" charset="0"/>
+                          </a:rPr>
+                          <m:t>𝑋</m:t>
+                        </m:r>
+                      </m:e>
+                      <m:sub>
+                        <m:r>
+                          <a:rPr lang="en-US" b="0" i="1" dirty="0" smtClean="0">
+                            <a:solidFill>
+                              <a:srgbClr val="C00000"/>
+                            </a:solidFill>
+                            <a:latin typeface="Cambria Math" panose="02040503050406030204" pitchFamily="18" charset="0"/>
+                          </a:rPr>
+                          <m:t>𝑖</m:t>
+                        </m:r>
+                      </m:sub>
+                    </m:sSub>
+                    <m:r>
+                      <a:rPr lang="en-US" b="0" i="1" dirty="0" smtClean="0">
+                        <a:solidFill>
+                          <a:srgbClr val="C00000"/>
+                        </a:solidFill>
+                        <a:latin typeface="Cambria Math" panose="02040503050406030204" pitchFamily="18" charset="0"/>
+                      </a:rPr>
+                      <m:t>=1</m:t>
+                    </m:r>
+                  </m:oMath>
+                </a14:m>
+                <a:r>
+                  <a:rPr lang="en-US" dirty="0"/>
+                  <a:t> if the </a:t>
+                </a:r>
+                <a14:m>
+                  <m:oMath xmlns:m="http://schemas.openxmlformats.org/officeDocument/2006/math">
+                    <m:r>
+                      <a:rPr lang="en-US" i="1" dirty="0">
+                        <a:solidFill>
+                          <a:srgbClr val="C00000"/>
+                        </a:solidFill>
+                        <a:latin typeface="Cambria Math" panose="02040503050406030204" pitchFamily="18" charset="0"/>
+                      </a:rPr>
+                      <m:t>𝑖</m:t>
+                    </m:r>
+                  </m:oMath>
+                </a14:m>
+                <a:r>
+                  <a:rPr lang="en-US" dirty="0"/>
+                  <a:t>-</a:t>
+                </a:r>
+                <a:r>
+                  <a:rPr lang="en-US" dirty="0" err="1"/>
+                  <a:t>th</a:t>
+                </a:r>
+                <a:r>
+                  <a:rPr lang="en-US" dirty="0"/>
+                  <a:t> roll is </a:t>
+                </a:r>
+                <a14:m>
+                  <m:oMath xmlns:m="http://schemas.openxmlformats.org/officeDocument/2006/math">
+                    <m:r>
+                      <a:rPr lang="en-US" b="0" i="1" dirty="0" smtClean="0">
+                        <a:solidFill>
+                          <a:srgbClr val="C00000"/>
+                        </a:solidFill>
+                        <a:latin typeface="Cambria Math" panose="02040503050406030204" pitchFamily="18" charset="0"/>
+                      </a:rPr>
+                      <m:t>𝑘</m:t>
+                    </m:r>
+                  </m:oMath>
+                </a14:m>
+                <a:r>
+                  <a:rPr lang="en-US" dirty="0"/>
+                  <a:t> and </a:t>
+                </a:r>
+                <a14:m>
+                  <m:oMath xmlns:m="http://schemas.openxmlformats.org/officeDocument/2006/math">
+                    <m:sSub>
+                      <m:sSubPr>
+                        <m:ctrlPr>
+                          <a:rPr lang="en-US" i="1" dirty="0">
+                            <a:solidFill>
+                              <a:srgbClr val="C00000"/>
+                            </a:solidFill>
+                            <a:latin typeface="Cambria Math" panose="02040503050406030204" pitchFamily="18" charset="0"/>
+                          </a:rPr>
+                        </m:ctrlPr>
+                      </m:sSubPr>
+                      <m:e>
+                        <m:r>
+                          <a:rPr lang="en-US" i="1" dirty="0">
+                            <a:solidFill>
+                              <a:srgbClr val="C00000"/>
+                            </a:solidFill>
+                            <a:latin typeface="Cambria Math" panose="02040503050406030204" pitchFamily="18" charset="0"/>
+                          </a:rPr>
+                          <m:t>𝑋</m:t>
+                        </m:r>
+                      </m:e>
+                      <m:sub>
+                        <m:r>
+                          <a:rPr lang="en-US" i="1" dirty="0">
+                            <a:solidFill>
+                              <a:srgbClr val="C00000"/>
+                            </a:solidFill>
+                            <a:latin typeface="Cambria Math" panose="02040503050406030204" pitchFamily="18" charset="0"/>
+                          </a:rPr>
+                          <m:t>𝑖</m:t>
+                        </m:r>
+                      </m:sub>
+                    </m:sSub>
+                    <m:r>
+                      <a:rPr lang="en-US" i="1" dirty="0">
+                        <a:solidFill>
+                          <a:srgbClr val="C00000"/>
+                        </a:solidFill>
+                        <a:latin typeface="Cambria Math" panose="02040503050406030204" pitchFamily="18" charset="0"/>
+                      </a:rPr>
+                      <m:t>=</m:t>
+                    </m:r>
+                    <m:r>
+                      <a:rPr lang="en-US" b="0" i="1" dirty="0" smtClean="0">
+                        <a:solidFill>
+                          <a:srgbClr val="C00000"/>
+                        </a:solidFill>
+                        <a:latin typeface="Cambria Math" panose="02040503050406030204" pitchFamily="18" charset="0"/>
+                      </a:rPr>
+                      <m:t>0</m:t>
+                    </m:r>
+                  </m:oMath>
+                </a14:m>
+                <a:r>
+                  <a:rPr lang="en-US" dirty="0"/>
+                  <a:t> otherwise</a:t>
+                </a:r>
+              </a:p>
+              <a:p>
+                <a:pPr>
+                  <a:buClr>
+                    <a:schemeClr val="tx1"/>
+                  </a:buClr>
+                </a:pPr>
+                <a:endParaRPr lang="en-US" dirty="0"/>
+              </a:p>
+              <a:p>
+                <a:pPr>
+                  <a:buClr>
+                    <a:schemeClr val="tx1"/>
+                  </a:buClr>
+                </a:pPr>
+                <a14:m>
+                  <m:oMath xmlns:m="http://schemas.openxmlformats.org/officeDocument/2006/math">
+                    <m:r>
+                      <m:rPr>
+                        <m:sty m:val="p"/>
+                      </m:rPr>
+                      <a:rPr lang="en-US" b="0" i="0" dirty="0" smtClean="0">
+                        <a:solidFill>
+                          <a:srgbClr val="C00000"/>
+                        </a:solidFill>
+                        <a:latin typeface="Cambria Math" panose="02040503050406030204" pitchFamily="18" charset="0"/>
+                      </a:rPr>
+                      <m:t>E</m:t>
+                    </m:r>
+                    <m:d>
+                      <m:dPr>
+                        <m:begChr m:val="["/>
+                        <m:endChr m:val="]"/>
+                        <m:ctrlPr>
+                          <a:rPr lang="en-US" b="0" i="1" dirty="0" smtClean="0">
+                            <a:solidFill>
+                              <a:srgbClr val="C00000"/>
+                            </a:solidFill>
+                            <a:latin typeface="Cambria Math" panose="02040503050406030204" pitchFamily="18" charset="0"/>
+                          </a:rPr>
+                        </m:ctrlPr>
+                      </m:dPr>
+                      <m:e>
+                        <m:sSub>
+                          <m:sSubPr>
+                            <m:ctrlPr>
+                              <a:rPr lang="en-US" b="0" i="1" dirty="0" smtClean="0">
+                                <a:solidFill>
+                                  <a:srgbClr val="C00000"/>
+                                </a:solidFill>
+                                <a:latin typeface="Cambria Math" panose="02040503050406030204" pitchFamily="18" charset="0"/>
+                              </a:rPr>
+                            </m:ctrlPr>
+                          </m:sSubPr>
+                          <m:e>
+                            <m:r>
+                              <a:rPr lang="en-US" b="0" i="1" dirty="0" smtClean="0">
+                                <a:solidFill>
+                                  <a:srgbClr val="C00000"/>
+                                </a:solidFill>
+                                <a:latin typeface="Cambria Math" panose="02040503050406030204" pitchFamily="18" charset="0"/>
+                              </a:rPr>
+                              <m:t>𝑋</m:t>
+                            </m:r>
+                          </m:e>
+                          <m:sub>
+                            <m:r>
+                              <a:rPr lang="en-US" b="0" i="1" dirty="0" smtClean="0">
+                                <a:solidFill>
+                                  <a:srgbClr val="C00000"/>
+                                </a:solidFill>
+                                <a:latin typeface="Cambria Math" panose="02040503050406030204" pitchFamily="18" charset="0"/>
+                              </a:rPr>
+                              <m:t>𝑖</m:t>
+                            </m:r>
+                          </m:sub>
+                        </m:sSub>
+                      </m:e>
+                    </m:d>
+                    <m:r>
+                      <a:rPr lang="en-US" b="0" i="1" dirty="0" smtClean="0">
+                        <a:solidFill>
+                          <a:srgbClr val="C00000"/>
+                        </a:solidFill>
+                        <a:latin typeface="Cambria Math" panose="02040503050406030204" pitchFamily="18" charset="0"/>
+                      </a:rPr>
+                      <m:t>=</m:t>
+                    </m:r>
+                    <m:f>
+                      <m:fPr>
+                        <m:ctrlPr>
+                          <a:rPr lang="en-US" b="0" i="1" dirty="0" smtClean="0">
+                            <a:solidFill>
+                              <a:srgbClr val="C00000"/>
+                            </a:solidFill>
+                            <a:latin typeface="Cambria Math" panose="02040503050406030204" pitchFamily="18" charset="0"/>
+                          </a:rPr>
+                        </m:ctrlPr>
+                      </m:fPr>
+                      <m:num>
+                        <m:r>
+                          <a:rPr lang="en-US" b="0" i="1" dirty="0" smtClean="0">
+                            <a:solidFill>
+                              <a:srgbClr val="C00000"/>
+                            </a:solidFill>
+                            <a:latin typeface="Cambria Math" panose="02040503050406030204" pitchFamily="18" charset="0"/>
+                          </a:rPr>
+                          <m:t>1</m:t>
+                        </m:r>
+                      </m:num>
+                      <m:den>
+                        <m:r>
+                          <a:rPr lang="en-US" b="0" i="1" dirty="0" smtClean="0">
+                            <a:solidFill>
+                              <a:srgbClr val="C00000"/>
+                            </a:solidFill>
+                            <a:latin typeface="Cambria Math" panose="02040503050406030204" pitchFamily="18" charset="0"/>
+                          </a:rPr>
+                          <m:t>𝑛</m:t>
+                        </m:r>
+                      </m:den>
+                    </m:f>
+                  </m:oMath>
+                </a14:m>
+                <a:endParaRPr lang="en-US" dirty="0"/>
+              </a:p>
+            </p:txBody>
+          </p:sp>
+        </mc:Choice>
+        <mc:Fallback xmlns="">
+          <p:sp>
+            <p:nvSpPr>
+              <p:cNvPr id="3" name="Content Placeholder 2">
+                <a:extLst>
+                  <a:ext uri="{FF2B5EF4-FFF2-40B4-BE49-F238E27FC236}">
+                    <a16:creationId xmlns:a16="http://schemas.microsoft.com/office/drawing/2014/main" id="{76F2126B-4AA6-302B-7E5A-170FFAAB8BD1}"/>
+                  </a:ext>
+                </a:extLst>
+              </p:cNvPr>
+              <p:cNvSpPr>
+                <a:spLocks noGrp="1" noRot="1" noChangeAspect="1" noMove="1" noResize="1" noEditPoints="1" noAdjustHandles="1" noChangeArrowheads="1" noChangeShapeType="1" noTextEdit="1"/>
+              </p:cNvSpPr>
+              <p:nvPr>
+                <p:ph idx="1"/>
+              </p:nvPr>
+            </p:nvSpPr>
+            <p:spPr>
+              <a:blipFill>
+                <a:blip r:embed="rId2"/>
+                <a:stretch>
+                  <a:fillRect l="-1043" t="-2241" r="-1565"/>
+                </a:stretch>
+              </a:blipFill>
+            </p:spPr>
+            <p:txBody>
+              <a:bodyPr/>
+              <a:lstStyle/>
+              <a:p>
+                <a:r>
+                  <a:rPr lang="en-US">
+                    <a:noFill/>
+                  </a:rPr>
+                  <a:t> </a:t>
+                </a:r>
+              </a:p>
+            </p:txBody>
+          </p:sp>
+        </mc:Fallback>
+      </mc:AlternateContent>
+    </p:spTree>
+    <p:extLst>
+      <p:ext uri="{BB962C8B-B14F-4D97-AF65-F5344CB8AC3E}">
+        <p14:creationId xmlns:p14="http://schemas.microsoft.com/office/powerpoint/2010/main" val="38156471"/>
+      </p:ext>
+    </p:extLst>
+  </p:cSld>
+  <p:clrMapOvr>
+    <a:masterClrMapping/>
+  </p:clrMapOvr>
+</p:sld>
+</file>
+
+<file path=ppt/slides/slide32.xml><?xml version="1.0" encoding="utf-8"?>
+<p:sld xmlns:a="http://schemas.openxmlformats.org/drawingml/2006/main" xmlns:r="http://schemas.openxmlformats.org/officeDocument/2006/relationships" xmlns:p="http://schemas.openxmlformats.org/presentationml/2006/main">
+  <p:cSld>
+    <p:spTree>
+      <p:nvGrpSpPr>
+        <p:cNvPr id="1" name=""/>
+        <p:cNvGrpSpPr/>
+        <p:nvPr/>
+      </p:nvGrpSpPr>
+      <p:grpSpPr>
+        <a:xfrm>
+          <a:off x="0" y="0"/>
+          <a:ext cx="0" cy="0"/>
+          <a:chOff x="0" y="0"/>
+          <a:chExt cx="0" cy="0"/>
+        </a:xfrm>
+      </p:grpSpPr>
+      <p:sp>
+        <p:nvSpPr>
+          <p:cNvPr id="2" name="Title 1">
+            <a:extLst>
+              <a:ext uri="{FF2B5EF4-FFF2-40B4-BE49-F238E27FC236}">
+                <a16:creationId xmlns:a16="http://schemas.microsoft.com/office/drawing/2014/main" id="{FCA5AC62-A5FD-2A5B-018F-859A378AA1D4}"/>
+              </a:ext>
+            </a:extLst>
+          </p:cNvPr>
+          <p:cNvSpPr>
+            <a:spLocks noGrp="1"/>
+          </p:cNvSpPr>
+          <p:nvPr>
+            <p:ph type="title"/>
+          </p:nvPr>
+        </p:nvSpPr>
+        <p:spPr/>
+        <p:txBody>
+          <a:bodyPr/>
+          <a:lstStyle/>
+          <a:p>
+            <a:r>
+              <a:rPr lang="en-US" dirty="0">
+                <a:solidFill>
+                  <a:srgbClr val="C00000"/>
+                </a:solidFill>
+              </a:rPr>
               <a:t>Max Load</a:t>
             </a:r>
           </a:p>
@@ -18194,7 +19732,7 @@
 </p:sld>
 </file>
 
-<file path=ppt/slides/slide31.xml><?xml version="1.0" encoding="utf-8"?>
+<file path=ppt/slides/slide33.xml><?xml version="1.0" encoding="utf-8"?>
 <p:sld xmlns:a="http://schemas.openxmlformats.org/drawingml/2006/main" xmlns:r="http://schemas.openxmlformats.org/officeDocument/2006/relationships" xmlns:p="http://schemas.openxmlformats.org/presentationml/2006/main">
   <p:cSld>
     <p:spTree>
@@ -18832,7 +20370,7 @@
 </p:sld>
 </file>
 
-<file path=ppt/slides/slide32.xml><?xml version="1.0" encoding="utf-8"?>
+<file path=ppt/slides/slide34.xml><?xml version="1.0" encoding="utf-8"?>
 <p:sld xmlns:a="http://schemas.openxmlformats.org/drawingml/2006/main" xmlns:r="http://schemas.openxmlformats.org/officeDocument/2006/relationships" xmlns:p="http://schemas.openxmlformats.org/presentationml/2006/main">
   <p:cSld>
     <p:spTree>
@@ -19901,7 +21439,7 @@
 </p:sld>
 </file>
 
-<file path=ppt/slides/slide33.xml><?xml version="1.0" encoding="utf-8"?>
+<file path=ppt/slides/slide35.xml><?xml version="1.0" encoding="utf-8"?>
 <p:sld xmlns:a="http://schemas.openxmlformats.org/drawingml/2006/main" xmlns:r="http://schemas.openxmlformats.org/officeDocument/2006/relationships" xmlns:p="http://schemas.openxmlformats.org/presentationml/2006/main">
   <p:cSld>
     <p:spTree>
@@ -20682,7 +22220,7 @@
 </p:sld>
 </file>
 
-<file path=ppt/slides/slide34.xml><?xml version="1.0" encoding="utf-8"?>
+<file path=ppt/slides/slide36.xml><?xml version="1.0" encoding="utf-8"?>
 <p:sld xmlns:a="http://schemas.openxmlformats.org/drawingml/2006/main" xmlns:r="http://schemas.openxmlformats.org/officeDocument/2006/relationships" xmlns:p="http://schemas.openxmlformats.org/presentationml/2006/main">
   <p:cSld>
     <p:spTree>
@@ -21601,7 +23139,7 @@
 </p:sld>
 </file>
 
-<file path=ppt/slides/slide35.xml><?xml version="1.0" encoding="utf-8"?>
+<file path=ppt/slides/slide37.xml><?xml version="1.0" encoding="utf-8"?>
 <p:sld xmlns:a="http://schemas.openxmlformats.org/drawingml/2006/main" xmlns:r="http://schemas.openxmlformats.org/officeDocument/2006/relationships" xmlns:p="http://schemas.openxmlformats.org/presentationml/2006/main">
   <p:cSld>
     <p:spTree>
@@ -22821,7 +24359,7 @@
 </p:sld>
 </file>
 
-<file path=ppt/slides/slide36.xml><?xml version="1.0" encoding="utf-8"?>
+<file path=ppt/slides/slide38.xml><?xml version="1.0" encoding="utf-8"?>
 <p:sld xmlns:a="http://schemas.openxmlformats.org/drawingml/2006/main" xmlns:r="http://schemas.openxmlformats.org/officeDocument/2006/relationships" xmlns:p="http://schemas.openxmlformats.org/presentationml/2006/main">
   <p:cSld>
     <p:spTree>
@@ -22909,262 +24447,6 @@
     <p:extLst>
       <p:ext uri="{BB962C8B-B14F-4D97-AF65-F5344CB8AC3E}">
         <p14:creationId xmlns:p14="http://schemas.microsoft.com/office/powerpoint/2010/main" val="137280470"/>
-      </p:ext>
-    </p:extLst>
-  </p:cSld>
-  <p:clrMapOvr>
-    <a:masterClrMapping/>
-  </p:clrMapOvr>
-</p:sld>
-</file>
-
-<file path=ppt/slides/slide37.xml><?xml version="1.0" encoding="utf-8"?>
-<p:sld xmlns:a="http://schemas.openxmlformats.org/drawingml/2006/main" xmlns:r="http://schemas.openxmlformats.org/officeDocument/2006/relationships" xmlns:p="http://schemas.openxmlformats.org/presentationml/2006/main">
-  <p:cSld>
-    <p:spTree>
-      <p:nvGrpSpPr>
-        <p:cNvPr id="1" name=""/>
-        <p:cNvGrpSpPr/>
-        <p:nvPr/>
-      </p:nvGrpSpPr>
-      <p:grpSpPr>
-        <a:xfrm>
-          <a:off x="0" y="0"/>
-          <a:ext cx="0" cy="0"/>
-          <a:chOff x="0" y="0"/>
-          <a:chExt cx="0" cy="0"/>
-        </a:xfrm>
-      </p:grpSpPr>
-      <p:sp>
-        <p:nvSpPr>
-          <p:cNvPr id="2" name="Title 1">
-            <a:extLst>
-              <a:ext uri="{FF2B5EF4-FFF2-40B4-BE49-F238E27FC236}">
-                <a16:creationId xmlns:a16="http://schemas.microsoft.com/office/drawing/2014/main" id="{FCA5AC62-A5FD-2A5B-018F-859A378AA1D4}"/>
-              </a:ext>
-            </a:extLst>
-          </p:cNvPr>
-          <p:cNvSpPr>
-            <a:spLocks noGrp="1"/>
-          </p:cNvSpPr>
-          <p:nvPr>
-            <p:ph type="title"/>
-          </p:nvPr>
-        </p:nvSpPr>
-        <p:spPr/>
-        <p:txBody>
-          <a:bodyPr/>
-          <a:lstStyle/>
-          <a:p>
-            <a:r>
-              <a:rPr lang="en-US" dirty="0">
-                <a:solidFill>
-                  <a:srgbClr val="C00000"/>
-                </a:solidFill>
-              </a:rPr>
-              <a:t>Big Data</a:t>
-            </a:r>
-          </a:p>
-        </p:txBody>
-      </p:sp>
-      <p:sp>
-        <p:nvSpPr>
-          <p:cNvPr id="3" name="Content Placeholder 2">
-            <a:extLst>
-              <a:ext uri="{FF2B5EF4-FFF2-40B4-BE49-F238E27FC236}">
-                <a16:creationId xmlns:a16="http://schemas.microsoft.com/office/drawing/2014/main" id="{76F2126B-4AA6-302B-7E5A-170FFAAB8BD1}"/>
-              </a:ext>
-            </a:extLst>
-          </p:cNvPr>
-          <p:cNvSpPr>
-            <a:spLocks noGrp="1"/>
-          </p:cNvSpPr>
-          <p:nvPr>
-            <p:ph idx="1"/>
-          </p:nvPr>
-        </p:nvSpPr>
-        <p:spPr/>
-        <p:txBody>
-          <a:bodyPr>
-            <a:normAutofit/>
-          </a:bodyPr>
-          <a:lstStyle/>
-          <a:p>
-            <a:pPr>
-              <a:buClr>
-                <a:schemeClr val="tx1"/>
-              </a:buClr>
-            </a:pPr>
-            <a:r>
-              <a:rPr lang="en-US" dirty="0"/>
-              <a:t>Not only many data points, but also many measurements per data point, i.e., very high dimensional data</a:t>
-            </a:r>
-          </a:p>
-          <a:p>
-            <a:pPr>
-              <a:buClr>
-                <a:schemeClr val="tx1"/>
-              </a:buClr>
-            </a:pPr>
-            <a:endParaRPr lang="en-US" dirty="0"/>
-          </a:p>
-          <a:p>
-            <a:pPr>
-              <a:buClr>
-                <a:schemeClr val="tx1"/>
-              </a:buClr>
-            </a:pPr>
-            <a:endParaRPr lang="en-US" dirty="0"/>
-          </a:p>
-          <a:p>
-            <a:pPr>
-              <a:buClr>
-                <a:schemeClr val="tx1"/>
-              </a:buClr>
-            </a:pPr>
-            <a:r>
-              <a:rPr lang="en-US" dirty="0"/>
-              <a:t>Twitter has 450 million active monthly users (as of 2022), records (tens of) thousands of measurements per user: who they follow, who follows them, when they last visited the site, timestamps for specific interactions, how many tweets they have sent, the text of those tweets, etc...</a:t>
-            </a:r>
-          </a:p>
-        </p:txBody>
-      </p:sp>
-    </p:spTree>
-    <p:extLst>
-      <p:ext uri="{BB962C8B-B14F-4D97-AF65-F5344CB8AC3E}">
-        <p14:creationId xmlns:p14="http://schemas.microsoft.com/office/powerpoint/2010/main" val="744920660"/>
-      </p:ext>
-    </p:extLst>
-  </p:cSld>
-  <p:clrMapOvr>
-    <a:masterClrMapping/>
-  </p:clrMapOvr>
-</p:sld>
-</file>
-
-<file path=ppt/slides/slide38.xml><?xml version="1.0" encoding="utf-8"?>
-<p:sld xmlns:a="http://schemas.openxmlformats.org/drawingml/2006/main" xmlns:r="http://schemas.openxmlformats.org/officeDocument/2006/relationships" xmlns:p="http://schemas.openxmlformats.org/presentationml/2006/main">
-  <p:cSld>
-    <p:spTree>
-      <p:nvGrpSpPr>
-        <p:cNvPr id="1" name=""/>
-        <p:cNvGrpSpPr/>
-        <p:nvPr/>
-      </p:nvGrpSpPr>
-      <p:grpSpPr>
-        <a:xfrm>
-          <a:off x="0" y="0"/>
-          <a:ext cx="0" cy="0"/>
-          <a:chOff x="0" y="0"/>
-          <a:chExt cx="0" cy="0"/>
-        </a:xfrm>
-      </p:grpSpPr>
-      <p:sp>
-        <p:nvSpPr>
-          <p:cNvPr id="2" name="Title 1">
-            <a:extLst>
-              <a:ext uri="{FF2B5EF4-FFF2-40B4-BE49-F238E27FC236}">
-                <a16:creationId xmlns:a16="http://schemas.microsoft.com/office/drawing/2014/main" id="{FCA5AC62-A5FD-2A5B-018F-859A378AA1D4}"/>
-              </a:ext>
-            </a:extLst>
-          </p:cNvPr>
-          <p:cNvSpPr>
-            <a:spLocks noGrp="1"/>
-          </p:cNvSpPr>
-          <p:nvPr>
-            <p:ph type="title"/>
-          </p:nvPr>
-        </p:nvSpPr>
-        <p:spPr/>
-        <p:txBody>
-          <a:bodyPr/>
-          <a:lstStyle/>
-          <a:p>
-            <a:r>
-              <a:rPr lang="en-US" dirty="0">
-                <a:solidFill>
-                  <a:srgbClr val="C00000"/>
-                </a:solidFill>
-              </a:rPr>
-              <a:t>Big Data</a:t>
-            </a:r>
-          </a:p>
-        </p:txBody>
-      </p:sp>
-      <p:sp>
-        <p:nvSpPr>
-          <p:cNvPr id="3" name="Content Placeholder 2">
-            <a:extLst>
-              <a:ext uri="{FF2B5EF4-FFF2-40B4-BE49-F238E27FC236}">
-                <a16:creationId xmlns:a16="http://schemas.microsoft.com/office/drawing/2014/main" id="{76F2126B-4AA6-302B-7E5A-170FFAAB8BD1}"/>
-              </a:ext>
-            </a:extLst>
-          </p:cNvPr>
-          <p:cNvSpPr>
-            <a:spLocks noGrp="1"/>
-          </p:cNvSpPr>
-          <p:nvPr>
-            <p:ph idx="1"/>
-          </p:nvPr>
-        </p:nvSpPr>
-        <p:spPr/>
-        <p:txBody>
-          <a:bodyPr>
-            <a:normAutofit/>
-          </a:bodyPr>
-          <a:lstStyle/>
-          <a:p>
-            <a:pPr>
-              <a:buClr>
-                <a:schemeClr val="tx1"/>
-              </a:buClr>
-            </a:pPr>
-            <a:r>
-              <a:rPr lang="en-US" dirty="0"/>
-              <a:t>Not only many data points, but also many measurements per data point, i.e., very high dimensional data</a:t>
-            </a:r>
-          </a:p>
-          <a:p>
-            <a:pPr>
-              <a:buClr>
-                <a:schemeClr val="tx1"/>
-              </a:buClr>
-            </a:pPr>
-            <a:endParaRPr lang="en-US" dirty="0"/>
-          </a:p>
-          <a:p>
-            <a:pPr>
-              <a:buClr>
-                <a:schemeClr val="tx1"/>
-              </a:buClr>
-            </a:pPr>
-            <a:endParaRPr lang="en-US" dirty="0"/>
-          </a:p>
-          <a:p>
-            <a:pPr>
-              <a:buClr>
-                <a:schemeClr val="tx1"/>
-              </a:buClr>
-            </a:pPr>
-            <a:r>
-              <a:rPr lang="en-US" dirty="0"/>
-              <a:t>A 3 minute </a:t>
-            </a:r>
-            <a:r>
-              <a:rPr lang="en-US" dirty="0" err="1"/>
-              <a:t>Youtube</a:t>
-            </a:r>
-            <a:r>
-              <a:rPr lang="en-US" dirty="0"/>
-              <a:t> clip with a resolution of 500 x 500 pixels at 15 frames/second with 3 color channels is a recording of  2 billion pixel values. Even a 500 x 500 pixel color image has 750, 000 pixel values</a:t>
-            </a:r>
-          </a:p>
-        </p:txBody>
-      </p:sp>
-    </p:spTree>
-    <p:extLst>
-      <p:ext uri="{BB962C8B-B14F-4D97-AF65-F5344CB8AC3E}">
-        <p14:creationId xmlns:p14="http://schemas.microsoft.com/office/powerpoint/2010/main" val="4070036495"/>
       </p:ext>
     </p:extLst>
   </p:cSld>
@@ -23280,7 +24562,7 @@
             </a:pPr>
             <a:r>
               <a:rPr lang="en-US" dirty="0"/>
-              <a:t>The human genome contains 3 billion+ base pairs. Genetic datasets often contain information on 100s of thousands+ mutations and genetic markers</a:t>
+              <a:t>Twitter has 450 million active monthly users (as of 2022), records (tens of) thousands of measurements per user: who they follow, who follows them, when they last visited the site, timestamps for specific interactions, how many tweets they have sent, the text of those tweets, etc...</a:t>
             </a:r>
           </a:p>
         </p:txBody>
@@ -23288,7 +24570,7 @@
     </p:spTree>
     <p:extLst>
       <p:ext uri="{BB962C8B-B14F-4D97-AF65-F5344CB8AC3E}">
-        <p14:creationId xmlns:p14="http://schemas.microsoft.com/office/powerpoint/2010/main" val="1632736741"/>
+        <p14:creationId xmlns:p14="http://schemas.microsoft.com/office/powerpoint/2010/main" val="744920660"/>
       </p:ext>
     </p:extLst>
   </p:cSld>
@@ -23845,6 +25127,262 @@
     <p:extLst>
       <p:ext uri="{BB962C8B-B14F-4D97-AF65-F5344CB8AC3E}">
         <p14:creationId xmlns:p14="http://schemas.microsoft.com/office/powerpoint/2010/main" val="4043661276"/>
+      </p:ext>
+    </p:extLst>
+  </p:cSld>
+  <p:clrMapOvr>
+    <a:masterClrMapping/>
+  </p:clrMapOvr>
+</p:sld>
+</file>
+
+<file path=ppt/slides/slide40.xml><?xml version="1.0" encoding="utf-8"?>
+<p:sld xmlns:a="http://schemas.openxmlformats.org/drawingml/2006/main" xmlns:r="http://schemas.openxmlformats.org/officeDocument/2006/relationships" xmlns:p="http://schemas.openxmlformats.org/presentationml/2006/main">
+  <p:cSld>
+    <p:spTree>
+      <p:nvGrpSpPr>
+        <p:cNvPr id="1" name=""/>
+        <p:cNvGrpSpPr/>
+        <p:nvPr/>
+      </p:nvGrpSpPr>
+      <p:grpSpPr>
+        <a:xfrm>
+          <a:off x="0" y="0"/>
+          <a:ext cx="0" cy="0"/>
+          <a:chOff x="0" y="0"/>
+          <a:chExt cx="0" cy="0"/>
+        </a:xfrm>
+      </p:grpSpPr>
+      <p:sp>
+        <p:nvSpPr>
+          <p:cNvPr id="2" name="Title 1">
+            <a:extLst>
+              <a:ext uri="{FF2B5EF4-FFF2-40B4-BE49-F238E27FC236}">
+                <a16:creationId xmlns:a16="http://schemas.microsoft.com/office/drawing/2014/main" id="{FCA5AC62-A5FD-2A5B-018F-859A378AA1D4}"/>
+              </a:ext>
+            </a:extLst>
+          </p:cNvPr>
+          <p:cNvSpPr>
+            <a:spLocks noGrp="1"/>
+          </p:cNvSpPr>
+          <p:nvPr>
+            <p:ph type="title"/>
+          </p:nvPr>
+        </p:nvSpPr>
+        <p:spPr/>
+        <p:txBody>
+          <a:bodyPr/>
+          <a:lstStyle/>
+          <a:p>
+            <a:r>
+              <a:rPr lang="en-US" dirty="0">
+                <a:solidFill>
+                  <a:srgbClr val="C00000"/>
+                </a:solidFill>
+              </a:rPr>
+              <a:t>Big Data</a:t>
+            </a:r>
+          </a:p>
+        </p:txBody>
+      </p:sp>
+      <p:sp>
+        <p:nvSpPr>
+          <p:cNvPr id="3" name="Content Placeholder 2">
+            <a:extLst>
+              <a:ext uri="{FF2B5EF4-FFF2-40B4-BE49-F238E27FC236}">
+                <a16:creationId xmlns:a16="http://schemas.microsoft.com/office/drawing/2014/main" id="{76F2126B-4AA6-302B-7E5A-170FFAAB8BD1}"/>
+              </a:ext>
+            </a:extLst>
+          </p:cNvPr>
+          <p:cNvSpPr>
+            <a:spLocks noGrp="1"/>
+          </p:cNvSpPr>
+          <p:nvPr>
+            <p:ph idx="1"/>
+          </p:nvPr>
+        </p:nvSpPr>
+        <p:spPr/>
+        <p:txBody>
+          <a:bodyPr>
+            <a:normAutofit/>
+          </a:bodyPr>
+          <a:lstStyle/>
+          <a:p>
+            <a:pPr>
+              <a:buClr>
+                <a:schemeClr val="tx1"/>
+              </a:buClr>
+            </a:pPr>
+            <a:r>
+              <a:rPr lang="en-US" dirty="0"/>
+              <a:t>Not only many data points, but also many measurements per data point, i.e., very high dimensional data</a:t>
+            </a:r>
+          </a:p>
+          <a:p>
+            <a:pPr>
+              <a:buClr>
+                <a:schemeClr val="tx1"/>
+              </a:buClr>
+            </a:pPr>
+            <a:endParaRPr lang="en-US" dirty="0"/>
+          </a:p>
+          <a:p>
+            <a:pPr>
+              <a:buClr>
+                <a:schemeClr val="tx1"/>
+              </a:buClr>
+            </a:pPr>
+            <a:endParaRPr lang="en-US" dirty="0"/>
+          </a:p>
+          <a:p>
+            <a:pPr>
+              <a:buClr>
+                <a:schemeClr val="tx1"/>
+              </a:buClr>
+            </a:pPr>
+            <a:r>
+              <a:rPr lang="en-US" dirty="0"/>
+              <a:t>A 3 minute </a:t>
+            </a:r>
+            <a:r>
+              <a:rPr lang="en-US" dirty="0" err="1"/>
+              <a:t>Youtube</a:t>
+            </a:r>
+            <a:r>
+              <a:rPr lang="en-US" dirty="0"/>
+              <a:t> clip with a resolution of 500 x 500 pixels at 15 frames/second with 3 color channels is a recording of  2 billion pixel values. Even a 500 x 500 pixel color image has 750, 000 pixel values</a:t>
+            </a:r>
+          </a:p>
+        </p:txBody>
+      </p:sp>
+    </p:spTree>
+    <p:extLst>
+      <p:ext uri="{BB962C8B-B14F-4D97-AF65-F5344CB8AC3E}">
+        <p14:creationId xmlns:p14="http://schemas.microsoft.com/office/powerpoint/2010/main" val="4070036495"/>
+      </p:ext>
+    </p:extLst>
+  </p:cSld>
+  <p:clrMapOvr>
+    <a:masterClrMapping/>
+  </p:clrMapOvr>
+</p:sld>
+</file>
+
+<file path=ppt/slides/slide41.xml><?xml version="1.0" encoding="utf-8"?>
+<p:sld xmlns:a="http://schemas.openxmlformats.org/drawingml/2006/main" xmlns:r="http://schemas.openxmlformats.org/officeDocument/2006/relationships" xmlns:p="http://schemas.openxmlformats.org/presentationml/2006/main">
+  <p:cSld>
+    <p:spTree>
+      <p:nvGrpSpPr>
+        <p:cNvPr id="1" name=""/>
+        <p:cNvGrpSpPr/>
+        <p:nvPr/>
+      </p:nvGrpSpPr>
+      <p:grpSpPr>
+        <a:xfrm>
+          <a:off x="0" y="0"/>
+          <a:ext cx="0" cy="0"/>
+          <a:chOff x="0" y="0"/>
+          <a:chExt cx="0" cy="0"/>
+        </a:xfrm>
+      </p:grpSpPr>
+      <p:sp>
+        <p:nvSpPr>
+          <p:cNvPr id="2" name="Title 1">
+            <a:extLst>
+              <a:ext uri="{FF2B5EF4-FFF2-40B4-BE49-F238E27FC236}">
+                <a16:creationId xmlns:a16="http://schemas.microsoft.com/office/drawing/2014/main" id="{FCA5AC62-A5FD-2A5B-018F-859A378AA1D4}"/>
+              </a:ext>
+            </a:extLst>
+          </p:cNvPr>
+          <p:cNvSpPr>
+            <a:spLocks noGrp="1"/>
+          </p:cNvSpPr>
+          <p:nvPr>
+            <p:ph type="title"/>
+          </p:nvPr>
+        </p:nvSpPr>
+        <p:spPr/>
+        <p:txBody>
+          <a:bodyPr/>
+          <a:lstStyle/>
+          <a:p>
+            <a:r>
+              <a:rPr lang="en-US" dirty="0">
+                <a:solidFill>
+                  <a:srgbClr val="C00000"/>
+                </a:solidFill>
+              </a:rPr>
+              <a:t>Big Data</a:t>
+            </a:r>
+          </a:p>
+        </p:txBody>
+      </p:sp>
+      <p:sp>
+        <p:nvSpPr>
+          <p:cNvPr id="3" name="Content Placeholder 2">
+            <a:extLst>
+              <a:ext uri="{FF2B5EF4-FFF2-40B4-BE49-F238E27FC236}">
+                <a16:creationId xmlns:a16="http://schemas.microsoft.com/office/drawing/2014/main" id="{76F2126B-4AA6-302B-7E5A-170FFAAB8BD1}"/>
+              </a:ext>
+            </a:extLst>
+          </p:cNvPr>
+          <p:cNvSpPr>
+            <a:spLocks noGrp="1"/>
+          </p:cNvSpPr>
+          <p:nvPr>
+            <p:ph idx="1"/>
+          </p:nvPr>
+        </p:nvSpPr>
+        <p:spPr/>
+        <p:txBody>
+          <a:bodyPr>
+            <a:normAutofit/>
+          </a:bodyPr>
+          <a:lstStyle/>
+          <a:p>
+            <a:pPr>
+              <a:buClr>
+                <a:schemeClr val="tx1"/>
+              </a:buClr>
+            </a:pPr>
+            <a:r>
+              <a:rPr lang="en-US" dirty="0"/>
+              <a:t>Not only many data points, but also many measurements per data point, i.e., very high dimensional data</a:t>
+            </a:r>
+          </a:p>
+          <a:p>
+            <a:pPr>
+              <a:buClr>
+                <a:schemeClr val="tx1"/>
+              </a:buClr>
+            </a:pPr>
+            <a:endParaRPr lang="en-US" dirty="0"/>
+          </a:p>
+          <a:p>
+            <a:pPr>
+              <a:buClr>
+                <a:schemeClr val="tx1"/>
+              </a:buClr>
+            </a:pPr>
+            <a:endParaRPr lang="en-US" dirty="0"/>
+          </a:p>
+          <a:p>
+            <a:pPr>
+              <a:buClr>
+                <a:schemeClr val="tx1"/>
+              </a:buClr>
+            </a:pPr>
+            <a:r>
+              <a:rPr lang="en-US" dirty="0"/>
+              <a:t>The human genome contains 3 billion+ base pairs. Genetic datasets often contain information on 100s of thousands+ mutations and genetic markers</a:t>
+            </a:r>
+          </a:p>
+        </p:txBody>
+      </p:sp>
+    </p:spTree>
+    <p:extLst>
+      <p:ext uri="{BB962C8B-B14F-4D97-AF65-F5344CB8AC3E}">
+        <p14:creationId xmlns:p14="http://schemas.microsoft.com/office/powerpoint/2010/main" val="1632736741"/>
       </p:ext>
     </p:extLst>
   </p:cSld>

--- a/CSCE689-23/L5.pptx
+++ b/CSCE689-23/L5.pptx
@@ -279,7 +279,7 @@
           <a:p>
             <a:fld id="{ECE869AC-DDC4-4971-8444-61064FD65A06}" type="datetimeFigureOut">
               <a:rPr lang="en-US" smtClean="0"/>
-              <a:t>8/30/2023</a:t>
+              <a:t>10/2/2023</a:t>
             </a:fld>
             <a:endParaRPr lang="en-US"/>
           </a:p>
@@ -477,7 +477,7 @@
           <a:p>
             <a:fld id="{ECE869AC-DDC4-4971-8444-61064FD65A06}" type="datetimeFigureOut">
               <a:rPr lang="en-US" smtClean="0"/>
-              <a:t>8/30/2023</a:t>
+              <a:t>10/2/2023</a:t>
             </a:fld>
             <a:endParaRPr lang="en-US"/>
           </a:p>
@@ -685,7 +685,7 @@
           <a:p>
             <a:fld id="{ECE869AC-DDC4-4971-8444-61064FD65A06}" type="datetimeFigureOut">
               <a:rPr lang="en-US" smtClean="0"/>
-              <a:t>8/30/2023</a:t>
+              <a:t>10/2/2023</a:t>
             </a:fld>
             <a:endParaRPr lang="en-US"/>
           </a:p>
@@ -883,7 +883,7 @@
           <a:p>
             <a:fld id="{ECE869AC-DDC4-4971-8444-61064FD65A06}" type="datetimeFigureOut">
               <a:rPr lang="en-US" smtClean="0"/>
-              <a:t>8/30/2023</a:t>
+              <a:t>10/2/2023</a:t>
             </a:fld>
             <a:endParaRPr lang="en-US"/>
           </a:p>
@@ -1158,7 +1158,7 @@
           <a:p>
             <a:fld id="{ECE869AC-DDC4-4971-8444-61064FD65A06}" type="datetimeFigureOut">
               <a:rPr lang="en-US" smtClean="0"/>
-              <a:t>8/30/2023</a:t>
+              <a:t>10/2/2023</a:t>
             </a:fld>
             <a:endParaRPr lang="en-US"/>
           </a:p>
@@ -1423,7 +1423,7 @@
           <a:p>
             <a:fld id="{ECE869AC-DDC4-4971-8444-61064FD65A06}" type="datetimeFigureOut">
               <a:rPr lang="en-US" smtClean="0"/>
-              <a:t>8/30/2023</a:t>
+              <a:t>10/2/2023</a:t>
             </a:fld>
             <a:endParaRPr lang="en-US"/>
           </a:p>
@@ -1835,7 +1835,7 @@
           <a:p>
             <a:fld id="{ECE869AC-DDC4-4971-8444-61064FD65A06}" type="datetimeFigureOut">
               <a:rPr lang="en-US" smtClean="0"/>
-              <a:t>8/30/2023</a:t>
+              <a:t>10/2/2023</a:t>
             </a:fld>
             <a:endParaRPr lang="en-US"/>
           </a:p>
@@ -1976,7 +1976,7 @@
           <a:p>
             <a:fld id="{ECE869AC-DDC4-4971-8444-61064FD65A06}" type="datetimeFigureOut">
               <a:rPr lang="en-US" smtClean="0"/>
-              <a:t>8/30/2023</a:t>
+              <a:t>10/2/2023</a:t>
             </a:fld>
             <a:endParaRPr lang="en-US"/>
           </a:p>
@@ -2089,7 +2089,7 @@
           <a:p>
             <a:fld id="{ECE869AC-DDC4-4971-8444-61064FD65A06}" type="datetimeFigureOut">
               <a:rPr lang="en-US" smtClean="0"/>
-              <a:t>8/30/2023</a:t>
+              <a:t>10/2/2023</a:t>
             </a:fld>
             <a:endParaRPr lang="en-US"/>
           </a:p>
@@ -2400,7 +2400,7 @@
           <a:p>
             <a:fld id="{ECE869AC-DDC4-4971-8444-61064FD65A06}" type="datetimeFigureOut">
               <a:rPr lang="en-US" smtClean="0"/>
-              <a:t>8/30/2023</a:t>
+              <a:t>10/2/2023</a:t>
             </a:fld>
             <a:endParaRPr lang="en-US"/>
           </a:p>
@@ -2688,7 +2688,7 @@
           <a:p>
             <a:fld id="{ECE869AC-DDC4-4971-8444-61064FD65A06}" type="datetimeFigureOut">
               <a:rPr lang="en-US" smtClean="0"/>
-              <a:t>8/30/2023</a:t>
+              <a:t>10/2/2023</a:t>
             </a:fld>
             <a:endParaRPr lang="en-US"/>
           </a:p>
@@ -2929,7 +2929,7 @@
           <a:p>
             <a:fld id="{ECE869AC-DDC4-4971-8444-61064FD65A06}" type="datetimeFigureOut">
               <a:rPr lang="en-US" smtClean="0"/>
-              <a:t>8/30/2023</a:t>
+              <a:t>10/2/2023</a:t>
             </a:fld>
             <a:endParaRPr lang="en-US"/>
           </a:p>
@@ -6919,8 +6919,8 @@
           </a:p>
         </p:txBody>
       </p:sp>
-      <mc:AlternateContent xmlns:mc="http://schemas.openxmlformats.org/markup-compatibility/2006" xmlns:a14="http://schemas.microsoft.com/office/drawing/2010/main">
-        <mc:Choice Requires="a14">
+      <mc:AlternateContent xmlns:mc="http://schemas.openxmlformats.org/markup-compatibility/2006">
+        <mc:Choice xmlns:a14="http://schemas.microsoft.com/office/drawing/2010/main" Requires="a14">
           <p:sp>
             <p:nvSpPr>
               <p:cNvPr id="3" name="Content Placeholder 2">
@@ -6960,7 +6960,7 @@
                       <a:srgbClr val="00B050"/>
                     </a:solidFill>
                   </a:rPr>
-                  <a:t>Berstein’s inequality</a:t>
+                  <a:t>Bernstein’s inequality</a:t>
                 </a:r>
                 <a:r>
                   <a:rPr lang="en-US" dirty="0"/>
@@ -7306,7 +7306,7 @@
             </p:txBody>
           </p:sp>
         </mc:Choice>
-        <mc:Fallback xmlns="">
+        <mc:Fallback>
           <p:sp>
             <p:nvSpPr>
               <p:cNvPr id="3" name="Content Placeholder 2">
@@ -7789,8 +7789,8 @@
           </a:p>
         </p:txBody>
       </p:sp>
-      <mc:AlternateContent xmlns:mc="http://schemas.openxmlformats.org/markup-compatibility/2006" xmlns:a14="http://schemas.microsoft.com/office/drawing/2010/main">
-        <mc:Choice Requires="a14">
+      <mc:AlternateContent xmlns:mc="http://schemas.openxmlformats.org/markup-compatibility/2006">
+        <mc:Choice xmlns:a14="http://schemas.microsoft.com/office/drawing/2010/main" Requires="a14">
           <p:sp>
             <p:nvSpPr>
               <p:cNvPr id="3" name="Content Placeholder 2">
@@ -7830,7 +7830,7 @@
                       <a:srgbClr val="00B050"/>
                     </a:solidFill>
                   </a:rPr>
-                  <a:t>Berstein’s inequality</a:t>
+                  <a:t>Bernstein’s inequality</a:t>
                 </a:r>
                 <a:r>
                   <a:rPr lang="en-US" dirty="0"/>
@@ -8297,7 +8297,7 @@
             </p:txBody>
           </p:sp>
         </mc:Choice>
-        <mc:Fallback xmlns="">
+        <mc:Fallback>
           <p:sp>
             <p:nvSpPr>
               <p:cNvPr id="3" name="Content Placeholder 2">
@@ -15760,8 +15760,8 @@
           </a:p>
         </p:txBody>
       </p:sp>
-      <mc:AlternateContent xmlns:mc="http://schemas.openxmlformats.org/markup-compatibility/2006">
-        <mc:Choice xmlns:a14="http://schemas.microsoft.com/office/drawing/2010/main" Requires="a14">
+      <mc:AlternateContent xmlns:mc="http://schemas.openxmlformats.org/markup-compatibility/2006" xmlns:a14="http://schemas.microsoft.com/office/drawing/2010/main">
+        <mc:Choice Requires="a14">
           <p:sp>
             <p:nvSpPr>
               <p:cNvPr id="3" name="Content Placeholder 2">
@@ -16406,7 +16406,7 @@
             </p:txBody>
           </p:sp>
         </mc:Choice>
-        <mc:Fallback>
+        <mc:Fallback xmlns="">
           <p:sp>
             <p:nvSpPr>
               <p:cNvPr id="3" name="Content Placeholder 2">
